--- a/Documents/Slide Bao Cao.pptx
+++ b/Documents/Slide Bao Cao.pptx
@@ -21,7 +21,9 @@
     <p:sldId id="269" r:id="rId15"/>
     <p:sldId id="270" r:id="rId16"/>
     <p:sldId id="271" r:id="rId17"/>
-    <p:sldId id="272" r:id="rId18"/>
+    <p:sldId id="273" r:id="rId18"/>
+    <p:sldId id="274" r:id="rId19"/>
+    <p:sldId id="272" r:id="rId20"/>
   </p:sldIdLst>
   <p:sldSz cx="12192000" cy="6858000"/>
   <p:notesSz cx="6858000" cy="9144000"/>
@@ -120,6 +122,11 @@
       </a:defRPr>
     </a:lvl9pPr>
   </p:defaultTextStyle>
+  <p:extLst>
+    <p:ext uri="{EFAFB233-063F-42B5-8137-9DF3F51BA10A}">
+      <p15:sldGuideLst xmlns:p15="http://schemas.microsoft.com/office/powerpoint/2012/main"/>
+    </p:ext>
+  </p:extLst>
 </p:presentation>
 </file>
 
@@ -1709,17 +1716,17 @@
       </dgm:t>
     </dgm:pt>
     <dgm:pt modelId="{CCA1126C-7EE8-413E-B64E-AEA3E895A7C6}">
-      <dgm:prSet phldrT="[Text]"/>
+      <dgm:prSet phldrT="[Text]" custT="1"/>
       <dgm:spPr/>
       <dgm:t>
         <a:bodyPr/>
         <a:lstStyle/>
         <a:p>
           <a:r>
-            <a:rPr lang="en-US" dirty="0" smtClean="0"/>
+            <a:rPr lang="en-US" sz="4400" dirty="0" smtClean="0"/>
             <a:t>OOP</a:t>
           </a:r>
-          <a:endParaRPr lang="en-US" dirty="0"/>
+          <a:endParaRPr lang="en-US" sz="4400" dirty="0"/>
         </a:p>
       </dgm:t>
     </dgm:pt>
@@ -1746,17 +1753,17 @@
       </dgm:t>
     </dgm:pt>
     <dgm:pt modelId="{E81E360F-13F0-42DA-8901-FF6CE041E29D}">
-      <dgm:prSet phldrT="[Text]"/>
+      <dgm:prSet phldrT="[Text]" custT="1"/>
       <dgm:spPr/>
       <dgm:t>
         <a:bodyPr/>
         <a:lstStyle/>
         <a:p>
           <a:r>
-            <a:rPr lang="en-US" dirty="0" smtClean="0"/>
+            <a:rPr lang="en-US" sz="3200" dirty="0" smtClean="0"/>
             <a:t>ĐẾM BƯỚC ĐI</a:t>
           </a:r>
-          <a:endParaRPr lang="en-US" dirty="0"/>
+          <a:endParaRPr lang="en-US" sz="3200" dirty="0"/>
         </a:p>
       </dgm:t>
     </dgm:pt>
@@ -1783,17 +1790,17 @@
       </dgm:t>
     </dgm:pt>
     <dgm:pt modelId="{167DD308-2E6D-431F-AD56-11D9765A9C54}">
-      <dgm:prSet phldrT="[Text]"/>
+      <dgm:prSet phldrT="[Text]" custT="1"/>
       <dgm:spPr/>
       <dgm:t>
         <a:bodyPr/>
         <a:lstStyle/>
         <a:p>
           <a:r>
-            <a:rPr lang="en-US" dirty="0" smtClean="0"/>
+            <a:rPr lang="en-US" sz="3200" dirty="0" smtClean="0"/>
             <a:t>XEM ĐIỂM</a:t>
           </a:r>
-          <a:endParaRPr lang="en-US" dirty="0"/>
+          <a:endParaRPr lang="en-US" sz="3200" dirty="0"/>
         </a:p>
       </dgm:t>
     </dgm:pt>
@@ -1820,14 +1827,14 @@
       </dgm:t>
     </dgm:pt>
     <dgm:pt modelId="{8B452395-42BE-4526-9B7A-AF00E25584AF}">
-      <dgm:prSet phldrT="[Text]"/>
+      <dgm:prSet phldrT="[Text]" custT="1"/>
       <dgm:spPr/>
       <dgm:t>
         <a:bodyPr/>
         <a:lstStyle/>
         <a:p>
           <a:r>
-            <a:rPr lang="en-US" dirty="0"/>
+            <a:rPr lang="en-US" sz="3200" dirty="0"/>
             <a:t>MUSIC</a:t>
           </a:r>
         </a:p>
@@ -1856,17 +1863,17 @@
       </dgm:t>
     </dgm:pt>
     <dgm:pt modelId="{1C59B68E-DF41-4738-B3C3-9CA12AF1924C}">
-      <dgm:prSet phldrT="[Text]"/>
+      <dgm:prSet phldrT="[Text]" custT="1"/>
       <dgm:spPr/>
       <dgm:t>
         <a:bodyPr/>
         <a:lstStyle/>
         <a:p>
           <a:r>
-            <a:rPr lang="en-US" dirty="0" smtClean="0"/>
+            <a:rPr lang="en-US" sz="3200" dirty="0" smtClean="0"/>
             <a:t>LƯU ĐIỂM</a:t>
           </a:r>
-          <a:endParaRPr lang="en-US" dirty="0"/>
+          <a:endParaRPr lang="en-US" sz="3200" dirty="0"/>
         </a:p>
       </dgm:t>
     </dgm:pt>
@@ -1893,17 +1900,17 @@
       </dgm:t>
     </dgm:pt>
     <dgm:pt modelId="{56140C4B-DE38-4C13-BD18-304BD63BF0E8}">
-      <dgm:prSet phldrT="[Text]"/>
+      <dgm:prSet phldrT="[Text]" custT="1"/>
       <dgm:spPr/>
       <dgm:t>
         <a:bodyPr/>
         <a:lstStyle/>
         <a:p>
           <a:r>
-            <a:rPr lang="en-US" dirty="0" smtClean="0"/>
+            <a:rPr lang="en-US" sz="3200" dirty="0" smtClean="0"/>
             <a:t>CHỌN ĐỘ KHÓ</a:t>
           </a:r>
-          <a:endParaRPr lang="en-US" dirty="0"/>
+          <a:endParaRPr lang="en-US" sz="3200" dirty="0"/>
         </a:p>
       </dgm:t>
     </dgm:pt>
@@ -2177,20 +2184,41 @@
     </dgm:pt>
     <dgm:pt modelId="{82CF87B1-8104-4068-A92B-D3C4642190C0}">
       <dgm:prSet/>
-      <dgm:spPr/>
+      <dgm:spPr>
+        <a:solidFill>
+          <a:srgbClr val="00B050"/>
+        </a:solidFill>
+        <a:ln>
+          <a:solidFill>
+            <a:srgbClr val="00B050"/>
+          </a:solidFill>
+        </a:ln>
+      </dgm:spPr>
       <dgm:t>
         <a:bodyPr/>
         <a:lstStyle/>
         <a:p>
           <a:r>
-            <a:rPr lang="en-US" dirty="0"/>
+            <a:rPr lang="en-US" dirty="0">
+              <a:solidFill>
+                <a:schemeClr val="bg1"/>
+              </a:solidFill>
+            </a:rPr>
             <a:t>+ </a:t>
           </a:r>
           <a:r>
-            <a:rPr lang="en-US" dirty="0" smtClean="0"/>
+            <a:rPr lang="en-US" dirty="0" smtClean="0">
+              <a:solidFill>
+                <a:schemeClr val="bg1"/>
+              </a:solidFill>
+            </a:rPr>
             <a:t>Main</a:t>
           </a:r>
-          <a:endParaRPr lang="en-US" dirty="0"/>
+          <a:endParaRPr lang="en-US" dirty="0">
+            <a:solidFill>
+              <a:schemeClr val="bg1"/>
+            </a:solidFill>
+          </a:endParaRPr>
         </a:p>
       </dgm:t>
     </dgm:pt>
@@ -2201,37 +2229,75 @@
         <a:bodyPr/>
         <a:lstStyle/>
         <a:p>
-          <a:endParaRPr lang="en-US"/>
+          <a:endParaRPr lang="en-US">
+            <a:solidFill>
+              <a:srgbClr val="00B050"/>
+            </a:solidFill>
+          </a:endParaRPr>
         </a:p>
       </dgm:t>
     </dgm:pt>
     <dgm:pt modelId="{AB0098E1-640C-41D2-8AEB-C150CE18A8A7}" type="sibTrans" cxnId="{6135E21D-178A-466B-9FCC-FDD920F04D70}">
       <dgm:prSet/>
-      <dgm:spPr/>
+      <dgm:spPr>
+        <a:solidFill>
+          <a:schemeClr val="bg1"/>
+        </a:solidFill>
+        <a:ln>
+          <a:solidFill>
+            <a:srgbClr val="00B050"/>
+          </a:solidFill>
+        </a:ln>
+      </dgm:spPr>
       <dgm:t>
         <a:bodyPr/>
         <a:lstStyle/>
         <a:p>
-          <a:endParaRPr lang="en-US"/>
+          <a:endParaRPr lang="en-US">
+            <a:solidFill>
+              <a:srgbClr val="00B050"/>
+            </a:solidFill>
+          </a:endParaRPr>
         </a:p>
       </dgm:t>
     </dgm:pt>
     <dgm:pt modelId="{85B01299-467F-4413-937A-C8530DBBB6E0}">
       <dgm:prSet/>
-      <dgm:spPr/>
+      <dgm:spPr>
+        <a:solidFill>
+          <a:srgbClr val="00B050"/>
+        </a:solidFill>
+        <a:ln>
+          <a:solidFill>
+            <a:srgbClr val="00B050"/>
+          </a:solidFill>
+        </a:ln>
+      </dgm:spPr>
       <dgm:t>
         <a:bodyPr/>
         <a:lstStyle/>
         <a:p>
           <a:r>
-            <a:rPr lang="en-US" dirty="0"/>
+            <a:rPr lang="en-US" dirty="0">
+              <a:solidFill>
+                <a:schemeClr val="bg1"/>
+              </a:solidFill>
+            </a:rPr>
             <a:t>+ </a:t>
           </a:r>
           <a:r>
-            <a:rPr lang="en-US" dirty="0" smtClean="0"/>
+            <a:rPr lang="en-US" dirty="0" smtClean="0">
+              <a:solidFill>
+                <a:schemeClr val="bg1"/>
+              </a:solidFill>
+            </a:rPr>
             <a:t>Winner</a:t>
           </a:r>
-          <a:endParaRPr lang="en-US" dirty="0"/>
+          <a:endParaRPr lang="en-US" dirty="0">
+            <a:solidFill>
+              <a:schemeClr val="bg1"/>
+            </a:solidFill>
+          </a:endParaRPr>
         </a:p>
       </dgm:t>
     </dgm:pt>
@@ -2242,7 +2308,11 @@
         <a:bodyPr/>
         <a:lstStyle/>
         <a:p>
-          <a:endParaRPr lang="en-US"/>
+          <a:endParaRPr lang="en-US">
+            <a:solidFill>
+              <a:srgbClr val="00B050"/>
+            </a:solidFill>
+          </a:endParaRPr>
         </a:p>
       </dgm:t>
     </dgm:pt>
@@ -2253,26 +2323,51 @@
         <a:bodyPr/>
         <a:lstStyle/>
         <a:p>
-          <a:endParaRPr lang="en-US"/>
+          <a:endParaRPr lang="en-US">
+            <a:solidFill>
+              <a:srgbClr val="00B050"/>
+            </a:solidFill>
+          </a:endParaRPr>
         </a:p>
       </dgm:t>
     </dgm:pt>
     <dgm:pt modelId="{7452F8E0-6139-4872-B615-AF286B17FC22}">
       <dgm:prSet/>
-      <dgm:spPr/>
+      <dgm:spPr>
+        <a:solidFill>
+          <a:srgbClr val="00B050"/>
+        </a:solidFill>
+        <a:ln>
+          <a:solidFill>
+            <a:srgbClr val="00B050"/>
+          </a:solidFill>
+        </a:ln>
+      </dgm:spPr>
       <dgm:t>
         <a:bodyPr/>
         <a:lstStyle/>
         <a:p>
           <a:r>
-            <a:rPr lang="en-US" dirty="0"/>
+            <a:rPr lang="en-US" dirty="0">
+              <a:solidFill>
+                <a:schemeClr val="bg1"/>
+              </a:solidFill>
+            </a:rPr>
             <a:t>+ </a:t>
           </a:r>
           <a:r>
-            <a:rPr lang="en-US" dirty="0" smtClean="0"/>
+            <a:rPr lang="en-US" dirty="0" smtClean="0">
+              <a:solidFill>
+                <a:schemeClr val="bg1"/>
+              </a:solidFill>
+            </a:rPr>
             <a:t>Win player list</a:t>
           </a:r>
-          <a:endParaRPr lang="en-US" dirty="0"/>
+          <a:endParaRPr lang="en-US" dirty="0">
+            <a:solidFill>
+              <a:schemeClr val="bg1"/>
+            </a:solidFill>
+          </a:endParaRPr>
         </a:p>
       </dgm:t>
     </dgm:pt>
@@ -2283,7 +2378,11 @@
         <a:bodyPr/>
         <a:lstStyle/>
         <a:p>
-          <a:endParaRPr lang="en-US"/>
+          <a:endParaRPr lang="en-US">
+            <a:solidFill>
+              <a:srgbClr val="00B050"/>
+            </a:solidFill>
+          </a:endParaRPr>
         </a:p>
       </dgm:t>
     </dgm:pt>
@@ -2294,34 +2393,67 @@
         <a:bodyPr/>
         <a:lstStyle/>
         <a:p>
-          <a:endParaRPr lang="en-US"/>
+          <a:endParaRPr lang="en-US">
+            <a:solidFill>
+              <a:srgbClr val="00B050"/>
+            </a:solidFill>
+          </a:endParaRPr>
         </a:p>
       </dgm:t>
     </dgm:pt>
     <dgm:pt modelId="{E3433A74-603A-466C-B1D8-6CE24008D0C2}">
       <dgm:prSet/>
-      <dgm:spPr/>
+      <dgm:spPr>
+        <a:solidFill>
+          <a:srgbClr val="00B050"/>
+        </a:solidFill>
+        <a:ln>
+          <a:solidFill>
+            <a:srgbClr val="00B050"/>
+          </a:solidFill>
+        </a:ln>
+      </dgm:spPr>
       <dgm:t>
         <a:bodyPr/>
         <a:lstStyle/>
         <a:p>
           <a:r>
-            <a:rPr lang="en-US" dirty="0"/>
+            <a:rPr lang="en-US" dirty="0">
+              <a:solidFill>
+                <a:schemeClr val="bg1"/>
+              </a:solidFill>
+            </a:rPr>
             <a:t>+ </a:t>
           </a:r>
           <a:r>
-            <a:rPr lang="en-US" dirty="0" smtClean="0"/>
+            <a:rPr lang="en-US" dirty="0" smtClean="0">
+              <a:solidFill>
+                <a:schemeClr val="bg1"/>
+              </a:solidFill>
+            </a:rPr>
             <a:t>About</a:t>
           </a:r>
           <a:r>
-            <a:rPr lang="en-US" dirty="0"/>
+            <a:rPr lang="en-US" dirty="0">
+              <a:solidFill>
+                <a:schemeClr val="bg1"/>
+              </a:solidFill>
+            </a:rPr>
             <a:t>	</a:t>
           </a:r>
           <a:r>
-            <a:rPr lang="en-US" dirty="0" smtClean="0"/>
+            <a:rPr lang="en-US" dirty="0" smtClean="0">
+              <a:solidFill>
+                <a:schemeClr val="bg1"/>
+              </a:solidFill>
+            </a:rPr>
             <a:t>Game</a:t>
           </a:r>
-          <a:endParaRPr lang="en-US" dirty="0"/>
+          <a:endParaRPr lang="en-US" dirty="0">
+            <a:solidFill>
+              <a:schemeClr val="bg1"/>
+            </a:solidFill>
+          </a:endParaRPr>
         </a:p>
       </dgm:t>
     </dgm:pt>
@@ -2332,7 +2464,11 @@
         <a:bodyPr/>
         <a:lstStyle/>
         <a:p>
-          <a:endParaRPr lang="en-US"/>
+          <a:endParaRPr lang="en-US">
+            <a:solidFill>
+              <a:srgbClr val="00B050"/>
+            </a:solidFill>
+          </a:endParaRPr>
         </a:p>
       </dgm:t>
     </dgm:pt>
@@ -2343,7 +2479,11 @@
         <a:bodyPr/>
         <a:lstStyle/>
         <a:p>
-          <a:endParaRPr lang="en-US"/>
+          <a:endParaRPr lang="en-US">
+            <a:solidFill>
+              <a:srgbClr val="00B050"/>
+            </a:solidFill>
+          </a:endParaRPr>
         </a:p>
       </dgm:t>
     </dgm:pt>
@@ -2416,7 +2556,23 @@
     </dgm:pt>
     <dgm:pt modelId="{F2A23874-C721-4628-97FB-2DDB7B8072CC}" type="pres">
       <dgm:prSet presAssocID="{82CF87B1-8104-4068-A92B-D3C4642190C0}" presName="accentRepeatNode" presStyleLbl="solidFgAcc1" presStyleIdx="0" presStyleCnt="4"/>
-      <dgm:spPr/>
+      <dgm:spPr>
+        <a:solidFill>
+          <a:schemeClr val="bg1"/>
+        </a:solidFill>
+        <a:ln>
+          <a:solidFill>
+            <a:srgbClr val="00B050"/>
+          </a:solidFill>
+        </a:ln>
+      </dgm:spPr>
+      <dgm:t>
+        <a:bodyPr/>
+        <a:lstStyle/>
+        <a:p>
+          <a:endParaRPr lang="en-US"/>
+        </a:p>
+      </dgm:t>
     </dgm:pt>
     <dgm:pt modelId="{318544EB-683F-490B-8233-54D8682FB7D7}" type="pres">
       <dgm:prSet presAssocID="{85B01299-467F-4413-937A-C8530DBBB6E0}" presName="text_2" presStyleLbl="node1" presStyleIdx="1" presStyleCnt="4">
@@ -2439,7 +2595,23 @@
     </dgm:pt>
     <dgm:pt modelId="{8FC2868F-E9FC-412B-BE9C-49E44CA45817}" type="pres">
       <dgm:prSet presAssocID="{85B01299-467F-4413-937A-C8530DBBB6E0}" presName="accentRepeatNode" presStyleLbl="solidFgAcc1" presStyleIdx="1" presStyleCnt="4"/>
-      <dgm:spPr/>
+      <dgm:spPr>
+        <a:solidFill>
+          <a:schemeClr val="bg1"/>
+        </a:solidFill>
+        <a:ln>
+          <a:solidFill>
+            <a:srgbClr val="00B050"/>
+          </a:solidFill>
+        </a:ln>
+      </dgm:spPr>
+      <dgm:t>
+        <a:bodyPr/>
+        <a:lstStyle/>
+        <a:p>
+          <a:endParaRPr lang="en-US"/>
+        </a:p>
+      </dgm:t>
     </dgm:pt>
     <dgm:pt modelId="{0B934A0F-3230-4353-9BA1-7A2140C468FE}" type="pres">
       <dgm:prSet presAssocID="{7452F8E0-6139-4872-B615-AF286B17FC22}" presName="text_3" presStyleLbl="node1" presStyleIdx="2" presStyleCnt="4">
@@ -2462,7 +2634,23 @@
     </dgm:pt>
     <dgm:pt modelId="{0B5283E7-D11A-46B3-A18D-165A649689EE}" type="pres">
       <dgm:prSet presAssocID="{7452F8E0-6139-4872-B615-AF286B17FC22}" presName="accentRepeatNode" presStyleLbl="solidFgAcc1" presStyleIdx="2" presStyleCnt="4"/>
-      <dgm:spPr/>
+      <dgm:spPr>
+        <a:solidFill>
+          <a:schemeClr val="bg1"/>
+        </a:solidFill>
+        <a:ln>
+          <a:solidFill>
+            <a:srgbClr val="00B050"/>
+          </a:solidFill>
+        </a:ln>
+      </dgm:spPr>
+      <dgm:t>
+        <a:bodyPr/>
+        <a:lstStyle/>
+        <a:p>
+          <a:endParaRPr lang="en-US"/>
+        </a:p>
+      </dgm:t>
     </dgm:pt>
     <dgm:pt modelId="{188BAAF6-D2BB-4D16-A5FE-CA13155FFFA9}" type="pres">
       <dgm:prSet presAssocID="{E3433A74-603A-466C-B1D8-6CE24008D0C2}" presName="text_4" presStyleLbl="node1" presStyleIdx="3" presStyleCnt="4">
@@ -2485,7 +2673,23 @@
     </dgm:pt>
     <dgm:pt modelId="{56A8302A-CE4F-4ABB-849F-DC07547FB720}" type="pres">
       <dgm:prSet presAssocID="{E3433A74-603A-466C-B1D8-6CE24008D0C2}" presName="accentRepeatNode" presStyleLbl="solidFgAcc1" presStyleIdx="3" presStyleCnt="4"/>
-      <dgm:spPr/>
+      <dgm:spPr>
+        <a:solidFill>
+          <a:schemeClr val="bg1"/>
+        </a:solidFill>
+        <a:ln>
+          <a:solidFill>
+            <a:srgbClr val="00B050"/>
+          </a:solidFill>
+        </a:ln>
+      </dgm:spPr>
+      <dgm:t>
+        <a:bodyPr/>
+        <a:lstStyle/>
+        <a:p>
+          <a:endParaRPr lang="en-US"/>
+        </a:p>
+      </dgm:t>
     </dgm:pt>
   </dgm:ptLst>
   <dgm:cxnLst>
@@ -2753,12 +2957,12 @@
         </a:fontRef>
       </dsp:style>
       <dsp:txBody>
-        <a:bodyPr spcFirstLastPara="0" vert="horz" wrap="square" lIns="33020" tIns="33020" rIns="33020" bIns="33020" numCol="1" spcCol="1270" anchor="ctr" anchorCtr="0">
+        <a:bodyPr spcFirstLastPara="0" vert="horz" wrap="square" lIns="55880" tIns="55880" rIns="55880" bIns="55880" numCol="1" spcCol="1270" anchor="ctr" anchorCtr="0">
           <a:noAutofit/>
         </a:bodyPr>
         <a:lstStyle/>
         <a:p>
-          <a:pPr lvl="0" algn="ctr" defTabSz="1155700">
+          <a:pPr lvl="0" algn="ctr" defTabSz="1955800">
             <a:lnSpc>
               <a:spcPct val="90000"/>
             </a:lnSpc>
@@ -2770,10 +2974,10 @@
             </a:spcAft>
           </a:pPr>
           <a:r>
-            <a:rPr lang="en-US" sz="2600" kern="1200" dirty="0" smtClean="0"/>
+            <a:rPr lang="en-US" sz="4400" kern="1200" dirty="0" smtClean="0"/>
             <a:t>OOP</a:t>
           </a:r>
-          <a:endParaRPr lang="en-US" sz="2600" kern="1200" dirty="0"/>
+          <a:endParaRPr lang="en-US" sz="4400" kern="1200" dirty="0"/>
         </a:p>
       </dsp:txBody>
       <dsp:txXfrm>
@@ -2877,12 +3081,12 @@
         </a:fontRef>
       </dsp:style>
       <dsp:txBody>
-        <a:bodyPr spcFirstLastPara="0" vert="horz" wrap="square" lIns="33020" tIns="33020" rIns="33020" bIns="33020" numCol="1" spcCol="1270" anchor="ctr" anchorCtr="0">
+        <a:bodyPr spcFirstLastPara="0" vert="horz" wrap="square" lIns="40640" tIns="40640" rIns="40640" bIns="40640" numCol="1" spcCol="1270" anchor="ctr" anchorCtr="0">
           <a:noAutofit/>
         </a:bodyPr>
         <a:lstStyle/>
         <a:p>
-          <a:pPr lvl="0" algn="ctr" defTabSz="1155700">
+          <a:pPr lvl="0" algn="ctr" defTabSz="1422400">
             <a:lnSpc>
               <a:spcPct val="90000"/>
             </a:lnSpc>
@@ -2894,10 +3098,10 @@
             </a:spcAft>
           </a:pPr>
           <a:r>
-            <a:rPr lang="en-US" sz="2600" kern="1200" dirty="0" smtClean="0"/>
+            <a:rPr lang="en-US" sz="3200" kern="1200" dirty="0" smtClean="0"/>
             <a:t>ĐẾM BƯỚC ĐI</a:t>
           </a:r>
-          <a:endParaRPr lang="en-US" sz="2600" kern="1200" dirty="0"/>
+          <a:endParaRPr lang="en-US" sz="3200" kern="1200" dirty="0"/>
         </a:p>
       </dsp:txBody>
       <dsp:txXfrm>
@@ -3001,12 +3205,12 @@
         </a:fontRef>
       </dsp:style>
       <dsp:txBody>
-        <a:bodyPr spcFirstLastPara="0" vert="horz" wrap="square" lIns="33020" tIns="33020" rIns="33020" bIns="33020" numCol="1" spcCol="1270" anchor="ctr" anchorCtr="0">
+        <a:bodyPr spcFirstLastPara="0" vert="horz" wrap="square" lIns="40640" tIns="40640" rIns="40640" bIns="40640" numCol="1" spcCol="1270" anchor="ctr" anchorCtr="0">
           <a:noAutofit/>
         </a:bodyPr>
         <a:lstStyle/>
         <a:p>
-          <a:pPr lvl="0" algn="ctr" defTabSz="1155700">
+          <a:pPr lvl="0" algn="ctr" defTabSz="1422400">
             <a:lnSpc>
               <a:spcPct val="90000"/>
             </a:lnSpc>
@@ -3018,10 +3222,10 @@
             </a:spcAft>
           </a:pPr>
           <a:r>
-            <a:rPr lang="en-US" sz="2600" kern="1200" dirty="0" smtClean="0"/>
+            <a:rPr lang="en-US" sz="3200" kern="1200" dirty="0" smtClean="0"/>
             <a:t>XEM ĐIỂM</a:t>
           </a:r>
-          <a:endParaRPr lang="en-US" sz="2600" kern="1200" dirty="0"/>
+          <a:endParaRPr lang="en-US" sz="3200" kern="1200" dirty="0"/>
         </a:p>
       </dsp:txBody>
       <dsp:txXfrm>
@@ -3125,12 +3329,12 @@
         </a:fontRef>
       </dsp:style>
       <dsp:txBody>
-        <a:bodyPr spcFirstLastPara="0" vert="horz" wrap="square" lIns="33020" tIns="33020" rIns="33020" bIns="33020" numCol="1" spcCol="1270" anchor="ctr" anchorCtr="0">
+        <a:bodyPr spcFirstLastPara="0" vert="horz" wrap="square" lIns="40640" tIns="40640" rIns="40640" bIns="40640" numCol="1" spcCol="1270" anchor="ctr" anchorCtr="0">
           <a:noAutofit/>
         </a:bodyPr>
         <a:lstStyle/>
         <a:p>
-          <a:pPr lvl="0" algn="ctr" defTabSz="1155700">
+          <a:pPr lvl="0" algn="ctr" defTabSz="1422400">
             <a:lnSpc>
               <a:spcPct val="90000"/>
             </a:lnSpc>
@@ -3142,7 +3346,7 @@
             </a:spcAft>
           </a:pPr>
           <a:r>
-            <a:rPr lang="en-US" sz="2600" kern="1200" dirty="0"/>
+            <a:rPr lang="en-US" sz="3200" kern="1200" dirty="0"/>
             <a:t>MUSIC</a:t>
           </a:r>
         </a:p>
@@ -3248,12 +3452,12 @@
         </a:fontRef>
       </dsp:style>
       <dsp:txBody>
-        <a:bodyPr spcFirstLastPara="0" vert="horz" wrap="square" lIns="33020" tIns="33020" rIns="33020" bIns="33020" numCol="1" spcCol="1270" anchor="ctr" anchorCtr="0">
+        <a:bodyPr spcFirstLastPara="0" vert="horz" wrap="square" lIns="40640" tIns="40640" rIns="40640" bIns="40640" numCol="1" spcCol="1270" anchor="ctr" anchorCtr="0">
           <a:noAutofit/>
         </a:bodyPr>
         <a:lstStyle/>
         <a:p>
-          <a:pPr lvl="0" algn="ctr" defTabSz="1155700">
+          <a:pPr lvl="0" algn="ctr" defTabSz="1422400">
             <a:lnSpc>
               <a:spcPct val="90000"/>
             </a:lnSpc>
@@ -3265,10 +3469,10 @@
             </a:spcAft>
           </a:pPr>
           <a:r>
-            <a:rPr lang="en-US" sz="2600" kern="1200" dirty="0" smtClean="0"/>
+            <a:rPr lang="en-US" sz="3200" kern="1200" dirty="0" smtClean="0"/>
             <a:t>LƯU ĐIỂM</a:t>
           </a:r>
-          <a:endParaRPr lang="en-US" sz="2600" kern="1200" dirty="0"/>
+          <a:endParaRPr lang="en-US" sz="3200" kern="1200" dirty="0"/>
         </a:p>
       </dsp:txBody>
       <dsp:txXfrm>
@@ -3329,12 +3533,12 @@
         </a:fontRef>
       </dsp:style>
       <dsp:txBody>
-        <a:bodyPr spcFirstLastPara="0" vert="horz" wrap="square" lIns="33020" tIns="33020" rIns="33020" bIns="33020" numCol="1" spcCol="1270" anchor="ctr" anchorCtr="0">
+        <a:bodyPr spcFirstLastPara="0" vert="horz" wrap="square" lIns="40640" tIns="40640" rIns="40640" bIns="40640" numCol="1" spcCol="1270" anchor="ctr" anchorCtr="0">
           <a:noAutofit/>
         </a:bodyPr>
         <a:lstStyle/>
         <a:p>
-          <a:pPr lvl="0" algn="ctr" defTabSz="1155700">
+          <a:pPr lvl="0" algn="ctr" defTabSz="1422400">
             <a:lnSpc>
               <a:spcPct val="90000"/>
             </a:lnSpc>
@@ -3346,10 +3550,10 @@
             </a:spcAft>
           </a:pPr>
           <a:r>
-            <a:rPr lang="en-US" sz="2600" kern="1200" dirty="0" smtClean="0"/>
+            <a:rPr lang="en-US" sz="3200" kern="1200" dirty="0" smtClean="0"/>
             <a:t>CHỌN ĐỘ KHÓ</a:t>
           </a:r>
-          <a:endParaRPr lang="en-US" sz="2600" kern="1200" dirty="0"/>
+          <a:endParaRPr lang="en-US" sz="3200" kern="1200" dirty="0"/>
         </a:p>
       </dsp:txBody>
       <dsp:txXfrm>
@@ -3386,16 +3590,12 @@
             <a:gd name="adj3" fmla="val 332"/>
           </a:avLst>
         </a:prstGeom>
-        <a:noFill/>
+        <a:solidFill>
+          <a:schemeClr val="bg1"/>
+        </a:solidFill>
         <a:ln w="12700" cap="flat" cmpd="sng" algn="ctr">
           <a:solidFill>
-            <a:schemeClr val="accent1">
-              <a:shade val="60000"/>
-              <a:hueOff val="0"/>
-              <a:satOff val="0"/>
-              <a:lumOff val="0"/>
-              <a:alphaOff val="0"/>
-            </a:schemeClr>
+            <a:srgbClr val="00B050"/>
           </a:solidFill>
           <a:prstDash val="solid"/>
           <a:miter lim="800000"/>
@@ -3429,21 +3629,11 @@
           <a:avLst/>
         </a:prstGeom>
         <a:solidFill>
-          <a:schemeClr val="accent1">
-            <a:hueOff val="0"/>
-            <a:satOff val="0"/>
-            <a:lumOff val="0"/>
-            <a:alphaOff val="0"/>
-          </a:schemeClr>
+          <a:srgbClr val="00B050"/>
         </a:solidFill>
         <a:ln w="12700" cap="flat" cmpd="sng" algn="ctr">
           <a:solidFill>
-            <a:schemeClr val="lt1">
-              <a:hueOff val="0"/>
-              <a:satOff val="0"/>
-              <a:lumOff val="0"/>
-              <a:alphaOff val="0"/>
-            </a:schemeClr>
+            <a:srgbClr val="00B050"/>
           </a:solidFill>
           <a:prstDash val="solid"/>
           <a:miter lim="800000"/>
@@ -3482,14 +3672,26 @@
             </a:spcAft>
           </a:pPr>
           <a:r>
-            <a:rPr lang="en-US" sz="3900" kern="1200" dirty="0"/>
+            <a:rPr lang="en-US" sz="3900" kern="1200" dirty="0">
+              <a:solidFill>
+                <a:schemeClr val="bg1"/>
+              </a:solidFill>
+            </a:rPr>
             <a:t>+ </a:t>
           </a:r>
           <a:r>
-            <a:rPr lang="en-US" sz="3900" kern="1200" dirty="0" smtClean="0"/>
+            <a:rPr lang="en-US" sz="3900" kern="1200" dirty="0" smtClean="0">
+              <a:solidFill>
+                <a:schemeClr val="bg1"/>
+              </a:solidFill>
+            </a:rPr>
             <a:t>Main</a:t>
           </a:r>
-          <a:endParaRPr lang="en-US" sz="3900" kern="1200" dirty="0"/>
+          <a:endParaRPr lang="en-US" sz="3900" kern="1200" dirty="0">
+            <a:solidFill>
+              <a:schemeClr val="bg1"/>
+            </a:solidFill>
+          </a:endParaRPr>
         </a:p>
       </dsp:txBody>
       <dsp:txXfrm>
@@ -3511,21 +3713,11 @@
           <a:avLst/>
         </a:prstGeom>
         <a:solidFill>
-          <a:schemeClr val="lt1">
-            <a:hueOff val="0"/>
-            <a:satOff val="0"/>
-            <a:lumOff val="0"/>
-            <a:alphaOff val="0"/>
-          </a:schemeClr>
+          <a:schemeClr val="bg1"/>
         </a:solidFill>
         <a:ln w="12700" cap="flat" cmpd="sng" algn="ctr">
           <a:solidFill>
-            <a:schemeClr val="accent1">
-              <a:hueOff val="0"/>
-              <a:satOff val="0"/>
-              <a:lumOff val="0"/>
-              <a:alphaOff val="0"/>
-            </a:schemeClr>
+            <a:srgbClr val="00B050"/>
           </a:solidFill>
           <a:prstDash val="solid"/>
           <a:miter lim="800000"/>
@@ -3559,21 +3751,11 @@
           <a:avLst/>
         </a:prstGeom>
         <a:solidFill>
-          <a:schemeClr val="accent1">
-            <a:hueOff val="0"/>
-            <a:satOff val="0"/>
-            <a:lumOff val="0"/>
-            <a:alphaOff val="0"/>
-          </a:schemeClr>
+          <a:srgbClr val="00B050"/>
         </a:solidFill>
         <a:ln w="12700" cap="flat" cmpd="sng" algn="ctr">
           <a:solidFill>
-            <a:schemeClr val="lt1">
-              <a:hueOff val="0"/>
-              <a:satOff val="0"/>
-              <a:lumOff val="0"/>
-              <a:alphaOff val="0"/>
-            </a:schemeClr>
+            <a:srgbClr val="00B050"/>
           </a:solidFill>
           <a:prstDash val="solid"/>
           <a:miter lim="800000"/>
@@ -3612,14 +3794,26 @@
             </a:spcAft>
           </a:pPr>
           <a:r>
-            <a:rPr lang="en-US" sz="3900" kern="1200" dirty="0"/>
+            <a:rPr lang="en-US" sz="3900" kern="1200" dirty="0">
+              <a:solidFill>
+                <a:schemeClr val="bg1"/>
+              </a:solidFill>
+            </a:rPr>
             <a:t>+ </a:t>
           </a:r>
           <a:r>
-            <a:rPr lang="en-US" sz="3900" kern="1200" dirty="0" smtClean="0"/>
+            <a:rPr lang="en-US" sz="3900" kern="1200" dirty="0" smtClean="0">
+              <a:solidFill>
+                <a:schemeClr val="bg1"/>
+              </a:solidFill>
+            </a:rPr>
             <a:t>Winner</a:t>
           </a:r>
-          <a:endParaRPr lang="en-US" sz="3900" kern="1200" dirty="0"/>
+          <a:endParaRPr lang="en-US" sz="3900" kern="1200" dirty="0">
+            <a:solidFill>
+              <a:schemeClr val="bg1"/>
+            </a:solidFill>
+          </a:endParaRPr>
         </a:p>
       </dsp:txBody>
       <dsp:txXfrm>
@@ -3641,21 +3835,11 @@
           <a:avLst/>
         </a:prstGeom>
         <a:solidFill>
-          <a:schemeClr val="lt1">
-            <a:hueOff val="0"/>
-            <a:satOff val="0"/>
-            <a:lumOff val="0"/>
-            <a:alphaOff val="0"/>
-          </a:schemeClr>
+          <a:schemeClr val="bg1"/>
         </a:solidFill>
         <a:ln w="12700" cap="flat" cmpd="sng" algn="ctr">
           <a:solidFill>
-            <a:schemeClr val="accent1">
-              <a:hueOff val="0"/>
-              <a:satOff val="0"/>
-              <a:lumOff val="0"/>
-              <a:alphaOff val="0"/>
-            </a:schemeClr>
+            <a:srgbClr val="00B050"/>
           </a:solidFill>
           <a:prstDash val="solid"/>
           <a:miter lim="800000"/>
@@ -3689,21 +3873,11 @@
           <a:avLst/>
         </a:prstGeom>
         <a:solidFill>
-          <a:schemeClr val="accent1">
-            <a:hueOff val="0"/>
-            <a:satOff val="0"/>
-            <a:lumOff val="0"/>
-            <a:alphaOff val="0"/>
-          </a:schemeClr>
+          <a:srgbClr val="00B050"/>
         </a:solidFill>
         <a:ln w="12700" cap="flat" cmpd="sng" algn="ctr">
           <a:solidFill>
-            <a:schemeClr val="lt1">
-              <a:hueOff val="0"/>
-              <a:satOff val="0"/>
-              <a:lumOff val="0"/>
-              <a:alphaOff val="0"/>
-            </a:schemeClr>
+            <a:srgbClr val="00B050"/>
           </a:solidFill>
           <a:prstDash val="solid"/>
           <a:miter lim="800000"/>
@@ -3742,14 +3916,26 @@
             </a:spcAft>
           </a:pPr>
           <a:r>
-            <a:rPr lang="en-US" sz="3900" kern="1200" dirty="0"/>
+            <a:rPr lang="en-US" sz="3900" kern="1200" dirty="0">
+              <a:solidFill>
+                <a:schemeClr val="bg1"/>
+              </a:solidFill>
+            </a:rPr>
             <a:t>+ </a:t>
           </a:r>
           <a:r>
-            <a:rPr lang="en-US" sz="3900" kern="1200" dirty="0" smtClean="0"/>
+            <a:rPr lang="en-US" sz="3900" kern="1200" dirty="0" smtClean="0">
+              <a:solidFill>
+                <a:schemeClr val="bg1"/>
+              </a:solidFill>
+            </a:rPr>
             <a:t>Win player list</a:t>
           </a:r>
-          <a:endParaRPr lang="en-US" sz="3900" kern="1200" dirty="0"/>
+          <a:endParaRPr lang="en-US" sz="3900" kern="1200" dirty="0">
+            <a:solidFill>
+              <a:schemeClr val="bg1"/>
+            </a:solidFill>
+          </a:endParaRPr>
         </a:p>
       </dsp:txBody>
       <dsp:txXfrm>
@@ -3771,21 +3957,11 @@
           <a:avLst/>
         </a:prstGeom>
         <a:solidFill>
-          <a:schemeClr val="lt1">
-            <a:hueOff val="0"/>
-            <a:satOff val="0"/>
-            <a:lumOff val="0"/>
-            <a:alphaOff val="0"/>
-          </a:schemeClr>
+          <a:schemeClr val="bg1"/>
         </a:solidFill>
         <a:ln w="12700" cap="flat" cmpd="sng" algn="ctr">
           <a:solidFill>
-            <a:schemeClr val="accent1">
-              <a:hueOff val="0"/>
-              <a:satOff val="0"/>
-              <a:lumOff val="0"/>
-              <a:alphaOff val="0"/>
-            </a:schemeClr>
+            <a:srgbClr val="00B050"/>
           </a:solidFill>
           <a:prstDash val="solid"/>
           <a:miter lim="800000"/>
@@ -3819,21 +3995,11 @@
           <a:avLst/>
         </a:prstGeom>
         <a:solidFill>
-          <a:schemeClr val="accent1">
-            <a:hueOff val="0"/>
-            <a:satOff val="0"/>
-            <a:lumOff val="0"/>
-            <a:alphaOff val="0"/>
-          </a:schemeClr>
+          <a:srgbClr val="00B050"/>
         </a:solidFill>
         <a:ln w="12700" cap="flat" cmpd="sng" algn="ctr">
           <a:solidFill>
-            <a:schemeClr val="lt1">
-              <a:hueOff val="0"/>
-              <a:satOff val="0"/>
-              <a:lumOff val="0"/>
-              <a:alphaOff val="0"/>
-            </a:schemeClr>
+            <a:srgbClr val="00B050"/>
           </a:solidFill>
           <a:prstDash val="solid"/>
           <a:miter lim="800000"/>
@@ -3872,22 +4038,42 @@
             </a:spcAft>
           </a:pPr>
           <a:r>
-            <a:rPr lang="en-US" sz="3900" kern="1200" dirty="0"/>
+            <a:rPr lang="en-US" sz="3900" kern="1200" dirty="0">
+              <a:solidFill>
+                <a:schemeClr val="bg1"/>
+              </a:solidFill>
+            </a:rPr>
             <a:t>+ </a:t>
           </a:r>
           <a:r>
-            <a:rPr lang="en-US" sz="3900" kern="1200" dirty="0" smtClean="0"/>
+            <a:rPr lang="en-US" sz="3900" kern="1200" dirty="0" smtClean="0">
+              <a:solidFill>
+                <a:schemeClr val="bg1"/>
+              </a:solidFill>
+            </a:rPr>
             <a:t>About</a:t>
           </a:r>
           <a:r>
-            <a:rPr lang="en-US" sz="3900" kern="1200" dirty="0"/>
+            <a:rPr lang="en-US" sz="3900" kern="1200" dirty="0">
+              <a:solidFill>
+                <a:schemeClr val="bg1"/>
+              </a:solidFill>
+            </a:rPr>
             <a:t>	</a:t>
           </a:r>
           <a:r>
-            <a:rPr lang="en-US" sz="3900" kern="1200" dirty="0" smtClean="0"/>
+            <a:rPr lang="en-US" sz="3900" kern="1200" dirty="0" smtClean="0">
+              <a:solidFill>
+                <a:schemeClr val="bg1"/>
+              </a:solidFill>
+            </a:rPr>
             <a:t>Game</a:t>
           </a:r>
-          <a:endParaRPr lang="en-US" sz="3900" kern="1200" dirty="0"/>
+          <a:endParaRPr lang="en-US" sz="3900" kern="1200" dirty="0">
+            <a:solidFill>
+              <a:schemeClr val="bg1"/>
+            </a:solidFill>
+          </a:endParaRPr>
         </a:p>
       </dsp:txBody>
       <dsp:txXfrm>
@@ -3909,21 +4095,11 @@
           <a:avLst/>
         </a:prstGeom>
         <a:solidFill>
-          <a:schemeClr val="lt1">
-            <a:hueOff val="0"/>
-            <a:satOff val="0"/>
-            <a:lumOff val="0"/>
-            <a:alphaOff val="0"/>
-          </a:schemeClr>
+          <a:schemeClr val="bg1"/>
         </a:solidFill>
         <a:ln w="12700" cap="flat" cmpd="sng" algn="ctr">
           <a:solidFill>
-            <a:schemeClr val="accent1">
-              <a:hueOff val="0"/>
-              <a:satOff val="0"/>
-              <a:lumOff val="0"/>
-              <a:alphaOff val="0"/>
-            </a:schemeClr>
+            <a:srgbClr val="00B050"/>
           </a:solidFill>
           <a:prstDash val="solid"/>
           <a:miter lim="800000"/>
@@ -8423,7 +8599,7 @@
           <a:p>
             <a:fld id="{C6523025-6419-42D0-9944-DF3D4B4930D8}" type="datetimeFigureOut">
               <a:rPr lang="en-US" smtClean="0"/>
-              <a:t>27-Nov-19</a:t>
+              <a:t>30-Nov-19</a:t>
             </a:fld>
             <a:endParaRPr lang="en-US"/>
           </a:p>
@@ -8593,7 +8769,7 @@
           <a:p>
             <a:fld id="{C6523025-6419-42D0-9944-DF3D4B4930D8}" type="datetimeFigureOut">
               <a:rPr lang="en-US" smtClean="0"/>
-              <a:t>27-Nov-19</a:t>
+              <a:t>30-Nov-19</a:t>
             </a:fld>
             <a:endParaRPr lang="en-US"/>
           </a:p>
@@ -8773,7 +8949,7 @@
           <a:p>
             <a:fld id="{C6523025-6419-42D0-9944-DF3D4B4930D8}" type="datetimeFigureOut">
               <a:rPr lang="en-US" smtClean="0"/>
-              <a:t>27-Nov-19</a:t>
+              <a:t>30-Nov-19</a:t>
             </a:fld>
             <a:endParaRPr lang="en-US"/>
           </a:p>
@@ -8943,7 +9119,7 @@
           <a:p>
             <a:fld id="{C6523025-6419-42D0-9944-DF3D4B4930D8}" type="datetimeFigureOut">
               <a:rPr lang="en-US" smtClean="0"/>
-              <a:t>27-Nov-19</a:t>
+              <a:t>30-Nov-19</a:t>
             </a:fld>
             <a:endParaRPr lang="en-US"/>
           </a:p>
@@ -9189,7 +9365,7 @@
           <a:p>
             <a:fld id="{C6523025-6419-42D0-9944-DF3D4B4930D8}" type="datetimeFigureOut">
               <a:rPr lang="en-US" smtClean="0"/>
-              <a:t>27-Nov-19</a:t>
+              <a:t>30-Nov-19</a:t>
             </a:fld>
             <a:endParaRPr lang="en-US"/>
           </a:p>
@@ -9421,7 +9597,7 @@
           <a:p>
             <a:fld id="{C6523025-6419-42D0-9944-DF3D4B4930D8}" type="datetimeFigureOut">
               <a:rPr lang="en-US" smtClean="0"/>
-              <a:t>27-Nov-19</a:t>
+              <a:t>30-Nov-19</a:t>
             </a:fld>
             <a:endParaRPr lang="en-US"/>
           </a:p>
@@ -9788,7 +9964,7 @@
           <a:p>
             <a:fld id="{C6523025-6419-42D0-9944-DF3D4B4930D8}" type="datetimeFigureOut">
               <a:rPr lang="en-US" smtClean="0"/>
-              <a:t>27-Nov-19</a:t>
+              <a:t>30-Nov-19</a:t>
             </a:fld>
             <a:endParaRPr lang="en-US"/>
           </a:p>
@@ -9906,7 +10082,7 @@
           <a:p>
             <a:fld id="{C6523025-6419-42D0-9944-DF3D4B4930D8}" type="datetimeFigureOut">
               <a:rPr lang="en-US" smtClean="0"/>
-              <a:t>27-Nov-19</a:t>
+              <a:t>30-Nov-19</a:t>
             </a:fld>
             <a:endParaRPr lang="en-US"/>
           </a:p>
@@ -10001,7 +10177,7 @@
           <a:p>
             <a:fld id="{C6523025-6419-42D0-9944-DF3D4B4930D8}" type="datetimeFigureOut">
               <a:rPr lang="en-US" smtClean="0"/>
-              <a:t>27-Nov-19</a:t>
+              <a:t>30-Nov-19</a:t>
             </a:fld>
             <a:endParaRPr lang="en-US"/>
           </a:p>
@@ -10278,7 +10454,7 @@
           <a:p>
             <a:fld id="{C6523025-6419-42D0-9944-DF3D4B4930D8}" type="datetimeFigureOut">
               <a:rPr lang="en-US" smtClean="0"/>
-              <a:t>27-Nov-19</a:t>
+              <a:t>30-Nov-19</a:t>
             </a:fld>
             <a:endParaRPr lang="en-US"/>
           </a:p>
@@ -10531,7 +10707,7 @@
           <a:p>
             <a:fld id="{C6523025-6419-42D0-9944-DF3D4B4930D8}" type="datetimeFigureOut">
               <a:rPr lang="en-US" smtClean="0"/>
-              <a:t>27-Nov-19</a:t>
+              <a:t>30-Nov-19</a:t>
             </a:fld>
             <a:endParaRPr lang="en-US"/>
           </a:p>
@@ -10744,7 +10920,7 @@
           <a:p>
             <a:fld id="{C6523025-6419-42D0-9944-DF3D4B4930D8}" type="datetimeFigureOut">
               <a:rPr lang="en-US" smtClean="0"/>
-              <a:t>27-Nov-19</a:t>
+              <a:t>30-Nov-19</a:t>
             </a:fld>
             <a:endParaRPr lang="en-US"/>
           </a:p>
@@ -11159,7 +11335,7 @@
         </p:nvSpPr>
         <p:spPr>
           <a:xfrm>
-            <a:off x="3481614" y="518884"/>
+            <a:off x="3781865" y="639761"/>
             <a:ext cx="5448300" cy="381001"/>
           </a:xfrm>
           <a:prstGeom prst="rect">
@@ -11190,7 +11366,7 @@
           <a:p>
             <a:pPr algn="ctr"/>
             <a:r>
-              <a:rPr lang="en-US" sz="3600" b="1" dirty="0" smtClean="0">
+              <a:rPr lang="en-US" sz="4000" b="1" dirty="0" smtClean="0">
                 <a:ln/>
                 <a:effectLst>
                   <a:outerShdw blurRad="38100" dist="19050" dir="2700000" algn="tl" rotWithShape="0">
@@ -11203,7 +11379,7 @@
               </a:rPr>
               <a:t>Báo cáo đồ án môn học</a:t>
             </a:r>
-            <a:endParaRPr lang="en-US" sz="3600" b="1" dirty="0">
+            <a:endParaRPr lang="en-US" sz="4000" b="1" dirty="0">
               <a:ln/>
               <a:effectLst>
                 <a:outerShdw blurRad="38100" dist="19050" dir="2700000" algn="tl" rotWithShape="0">
@@ -11414,7 +11590,10 @@
               <a:buNone/>
             </a:pPr>
             <a:r>
-              <a:rPr lang="en-US" sz="4000" dirty="0" smtClean="0">
+              <a:rPr lang="en-US" sz="4800" dirty="0" smtClean="0">
+                <a:solidFill>
+                  <a:srgbClr val="FF0000"/>
+                </a:solidFill>
                 <a:effectLst>
                   <a:outerShdw blurRad="60007" dist="200025" dir="15000000" sy="30000" kx="-1800000" algn="bl" rotWithShape="0">
                     <a:prstClr val="black">
@@ -11425,7 +11604,10 @@
               </a:rPr>
               <a:t>Đề tài</a:t>
             </a:r>
-            <a:endParaRPr lang="en-US" sz="4000" dirty="0">
+            <a:endParaRPr lang="en-US" sz="4800" dirty="0">
+              <a:solidFill>
+                <a:srgbClr val="FF0000"/>
+              </a:solidFill>
               <a:effectLst>
                 <a:outerShdw blurRad="60007" dist="200025" dir="15000000" sy="30000" kx="-1800000" algn="bl" rotWithShape="0">
                   <a:prstClr val="black">
@@ -11445,8 +11627,8 @@
         </p:nvSpPr>
         <p:spPr>
           <a:xfrm>
-            <a:off x="1378014" y="2355109"/>
-            <a:ext cx="9333581" cy="1015663"/>
+            <a:off x="2495347" y="2518392"/>
+            <a:ext cx="7180172" cy="1323439"/>
           </a:xfrm>
           <a:prstGeom prst="rect">
             <a:avLst/>
@@ -11459,11 +11641,28 @@
           </a:bodyPr>
           <a:lstStyle/>
           <a:p>
+            <a:pPr algn="ctr"/>
             <a:r>
-              <a:rPr lang="en-US" sz="6000" b="1" dirty="0"/>
-              <a:t>GAME PICTURE PUZZLE 2019</a:t>
+              <a:rPr lang="en-US" sz="8000" b="1" dirty="0">
+                <a:solidFill>
+                  <a:srgbClr val="00B0F0"/>
+                </a:solidFill>
+              </a:rPr>
+              <a:t>GAME </a:t>
             </a:r>
-            <a:endParaRPr lang="en-US" sz="6000" dirty="0"/>
+            <a:r>
+              <a:rPr lang="en-US" sz="8000" b="1" dirty="0" smtClean="0">
+                <a:solidFill>
+                  <a:srgbClr val="00B0F0"/>
+                </a:solidFill>
+              </a:rPr>
+              <a:t>XẾP HÌNH</a:t>
+            </a:r>
+            <a:endParaRPr lang="en-US" sz="8000" dirty="0">
+              <a:solidFill>
+                <a:srgbClr val="00B0F0"/>
+              </a:solidFill>
+            </a:endParaRPr>
           </a:p>
         </p:txBody>
       </p:sp>
@@ -11475,8 +11674,8 @@
         </p:nvSpPr>
         <p:spPr>
           <a:xfrm>
-            <a:off x="3481614" y="5152563"/>
-            <a:ext cx="8473673" cy="1384995"/>
+            <a:off x="5051107" y="5043381"/>
+            <a:ext cx="6863389" cy="1384995"/>
           </a:xfrm>
           <a:prstGeom prst="rect">
             <a:avLst/>
@@ -11495,25 +11694,39 @@
             </a:r>
             <a:r>
               <a:rPr lang="en-US" sz="2800" b="1" dirty="0" smtClean="0"/>
-              <a:t>TRỊNH NGUYỄN HOÀNG VĨNH PHÚC - 17110208</a:t>
-            </a:r>
-            <a:endParaRPr lang="en-US" sz="2800" dirty="0"/>
-          </a:p>
-          <a:p>
-            <a:r>
-              <a:rPr lang="en-US" sz="2800" b="1" dirty="0"/>
-              <a:t>SVTH2  : </a:t>
+              <a:t>TRỊNH NGUYỄN HOÀNG VĨNH </a:t>
             </a:r>
             <a:r>
               <a:rPr lang="en-US" sz="2800" b="1" dirty="0" smtClean="0"/>
-              <a:t>HỒ QUỐC ĐẠT - 17110117</a:t>
+              <a:t>PHÚC</a:t>
             </a:r>
-            <a:endParaRPr lang="en-US" sz="2800" dirty="0"/>
           </a:p>
           <a:p>
             <a:r>
               <a:rPr lang="en-US" sz="2800" b="1" dirty="0" smtClean="0"/>
-              <a:t>GVHD   : TRẦN </a:t>
+              <a:t>SVTH2  </a:t>
+            </a:r>
+            <a:r>
+              <a:rPr lang="en-US" sz="2800" b="1" dirty="0"/>
+              <a:t>: </a:t>
+            </a:r>
+            <a:r>
+              <a:rPr lang="en-US" sz="2800" b="1" dirty="0" smtClean="0"/>
+              <a:t>HỒ QUỐC </a:t>
+            </a:r>
+            <a:r>
+              <a:rPr lang="en-US" sz="2800" b="1" dirty="0" smtClean="0"/>
+              <a:t>ĐẠT</a:t>
+            </a:r>
+          </a:p>
+          <a:p>
+            <a:r>
+              <a:rPr lang="en-US" sz="2800" b="1" dirty="0" smtClean="0"/>
+              <a:t>GVHD   </a:t>
+            </a:r>
+            <a:r>
+              <a:rPr lang="en-US" sz="2800" b="1" dirty="0" smtClean="0"/>
+              <a:t>: TRẦN </a:t>
             </a:r>
             <a:r>
               <a:rPr lang="en-US" sz="2800" b="1" dirty="0"/>
@@ -11598,6 +11811,11 @@
           <a:solidFill>
             <a:srgbClr val="00B0F0"/>
           </a:solidFill>
+          <a:ln>
+            <a:solidFill>
+              <a:srgbClr val="92D050"/>
+            </a:solidFill>
+          </a:ln>
         </p:spPr>
         <p:style>
           <a:lnRef idx="2">
@@ -11628,11 +11846,6 @@
               </a:rPr>
               <a:t>Giao diện chính (Main)</a:t>
             </a:r>
-            <a:endParaRPr lang="en-US" dirty="0">
-              <a:solidFill>
-                <a:schemeClr val="bg1"/>
-              </a:solidFill>
-            </a:endParaRPr>
           </a:p>
         </p:txBody>
       </p:sp>
@@ -11690,6 +11903,11 @@
           <a:solidFill>
             <a:srgbClr val="00B0F0"/>
           </a:solidFill>
+          <a:ln>
+            <a:solidFill>
+              <a:srgbClr val="92D050"/>
+            </a:solidFill>
+          </a:ln>
         </p:spPr>
         <p:style>
           <a:lnRef idx="2">
@@ -11818,6 +12036,11 @@
           <a:solidFill>
             <a:srgbClr val="00B0F0"/>
           </a:solidFill>
+          <a:ln>
+            <a:solidFill>
+              <a:srgbClr val="92D050"/>
+            </a:solidFill>
+          </a:ln>
         </p:spPr>
         <p:style>
           <a:lnRef idx="2">
@@ -11950,6 +12173,11 @@
           <a:solidFill>
             <a:srgbClr val="00B0F0"/>
           </a:solidFill>
+          <a:ln>
+            <a:solidFill>
+              <a:srgbClr val="92D050"/>
+            </a:solidFill>
+          </a:ln>
         </p:spPr>
         <p:style>
           <a:lnRef idx="2">
@@ -12099,27 +12327,17 @@
             <a:r>
               <a:rPr lang="en-US" sz="6000" b="1" dirty="0">
                 <a:solidFill>
-                  <a:srgbClr val="7F7F7F"/>
+                  <a:srgbClr val="0070C0"/>
                 </a:solidFill>
                 <a:latin typeface="Arial" charset="0"/>
                 <a:ea typeface="Verdana" pitchFamily="34" charset="0"/>
               </a:rPr>
-              <a:t>Chương </a:t>
-            </a:r>
-            <a:r>
-              <a:rPr lang="en-US" sz="6000" b="1" dirty="0">
-                <a:solidFill>
-                  <a:srgbClr val="7F7F7F"/>
-                </a:solidFill>
-                <a:latin typeface="Arial" charset="0"/>
-                <a:ea typeface="Verdana" pitchFamily="34" charset="0"/>
-              </a:rPr>
-              <a:t>3</a:t>
+              <a:t>Chương 3</a:t>
             </a:r>
             <a:r>
               <a:rPr lang="en-US" sz="6000" b="1" dirty="0" smtClean="0">
                 <a:solidFill>
-                  <a:srgbClr val="7F7F7F"/>
+                  <a:srgbClr val="0070C0"/>
                 </a:solidFill>
                 <a:latin typeface="Arial" charset="0"/>
                 <a:ea typeface="Verdana" pitchFamily="34" charset="0"/>
@@ -12129,7 +12347,7 @@
             <a:r>
               <a:rPr lang="en-US" sz="6000" b="1" dirty="0">
                 <a:solidFill>
-                  <a:srgbClr val="7F7F7F"/>
+                  <a:srgbClr val="0070C0"/>
                 </a:solidFill>
                 <a:latin typeface="Arial" charset="0"/>
                 <a:ea typeface="Verdana" pitchFamily="34" charset="0"/>
@@ -12139,7 +12357,7 @@
             <a:r>
               <a:rPr lang="en-US" sz="6000" b="1" dirty="0" smtClean="0">
                 <a:solidFill>
-                  <a:srgbClr val="7F7F7F"/>
+                  <a:srgbClr val="0070C0"/>
                 </a:solidFill>
                 <a:latin typeface="Arial" charset="0"/>
                 <a:ea typeface="Verdana" pitchFamily="34" charset="0"/>
@@ -12148,7 +12366,7 @@
             </a:r>
             <a:endParaRPr lang="en-US" sz="6000" b="1" dirty="0">
               <a:solidFill>
-                <a:srgbClr val="7F7F7F"/>
+                <a:srgbClr val="0070C0"/>
               </a:solidFill>
               <a:latin typeface="Arial" charset="0"/>
               <a:ea typeface="Verdana" pitchFamily="34" charset="0"/>
@@ -12164,8 +12382,8 @@
         </p:nvSpPr>
         <p:spPr>
           <a:xfrm>
-            <a:off x="2064657" y="2561772"/>
-            <a:ext cx="6934200" cy="1015663"/>
+            <a:off x="2442385" y="1988565"/>
+            <a:ext cx="8218320" cy="4154984"/>
           </a:xfrm>
           <a:prstGeom prst="rect">
             <a:avLst/>
@@ -12178,11 +12396,14 @@
           </a:bodyPr>
           <a:lstStyle/>
           <a:p>
+            <a:pPr marL="1143000" indent="-1143000">
+              <a:buAutoNum type="arabicPeriod"/>
+            </a:pPr>
             <a:r>
-              <a:rPr lang="en-US" sz="6000" dirty="0" smtClean="0">
+              <a:rPr lang="en-US" sz="6600" dirty="0" smtClean="0">
                 <a:ln w="0"/>
                 <a:solidFill>
-                  <a:schemeClr val="accent1"/>
+                  <a:srgbClr val="00B050"/>
                 </a:solidFill>
                 <a:effectLst>
                   <a:outerShdw blurRad="38100" dist="25400" dir="5400000" algn="ctr" rotWithShape="0">
@@ -12192,12 +12413,75 @@
                   </a:outerShdw>
                 </a:effectLst>
               </a:rPr>
-              <a:t>1. Kết luận</a:t>
+              <a:t>Kết luận</a:t>
             </a:r>
-            <a:endParaRPr lang="en-US" sz="6000" dirty="0">
+          </a:p>
+          <a:p>
+            <a:pPr marL="1143000" indent="-1143000">
+              <a:buAutoNum type="arabicPeriod"/>
+            </a:pPr>
+            <a:r>
+              <a:rPr lang="en-US" sz="6600" dirty="0" smtClean="0">
+                <a:ln w="0"/>
+                <a:solidFill>
+                  <a:srgbClr val="00B050"/>
+                </a:solidFill>
+                <a:effectLst>
+                  <a:outerShdw blurRad="38100" dist="25400" dir="5400000" algn="ctr" rotWithShape="0">
+                    <a:srgbClr val="6E747A">
+                      <a:alpha val="43000"/>
+                    </a:srgbClr>
+                  </a:outerShdw>
+                </a:effectLst>
+              </a:rPr>
+              <a:t>Ưu điểm</a:t>
+            </a:r>
+          </a:p>
+          <a:p>
+            <a:pPr marL="1143000" indent="-1143000">
+              <a:buAutoNum type="arabicPeriod"/>
+            </a:pPr>
+            <a:r>
+              <a:rPr lang="en-US" sz="6600" dirty="0" smtClean="0">
+                <a:ln w="0"/>
+                <a:solidFill>
+                  <a:srgbClr val="00B050"/>
+                </a:solidFill>
+                <a:effectLst>
+                  <a:outerShdw blurRad="38100" dist="25400" dir="5400000" algn="ctr" rotWithShape="0">
+                    <a:srgbClr val="6E747A">
+                      <a:alpha val="43000"/>
+                    </a:srgbClr>
+                  </a:outerShdw>
+                </a:effectLst>
+              </a:rPr>
+              <a:t>Nhược điểm</a:t>
+            </a:r>
+          </a:p>
+          <a:p>
+            <a:pPr marL="1143000" indent="-1143000">
+              <a:buAutoNum type="arabicPeriod"/>
+            </a:pPr>
+            <a:r>
+              <a:rPr lang="en-US" sz="6600" dirty="0" smtClean="0">
+                <a:ln w="0"/>
+                <a:solidFill>
+                  <a:srgbClr val="00B050"/>
+                </a:solidFill>
+                <a:effectLst>
+                  <a:outerShdw blurRad="38100" dist="25400" dir="5400000" algn="ctr" rotWithShape="0">
+                    <a:srgbClr val="6E747A">
+                      <a:alpha val="43000"/>
+                    </a:srgbClr>
+                  </a:outerShdw>
+                </a:effectLst>
+              </a:rPr>
+              <a:t>Hướng phát triển</a:t>
+            </a:r>
+            <a:endParaRPr lang="en-US" sz="6600" dirty="0">
               <a:ln w="0"/>
               <a:solidFill>
-                <a:schemeClr val="accent1"/>
+                <a:srgbClr val="00B050"/>
               </a:solidFill>
               <a:effectLst>
                 <a:outerShdw blurRad="38100" dist="25400" dir="5400000" algn="ctr" rotWithShape="0">
@@ -12207,79 +12491,6 @@
                 </a:outerShdw>
               </a:effectLst>
             </a:endParaRPr>
-          </a:p>
-        </p:txBody>
-      </p:sp>
-      <p:sp>
-        <p:nvSpPr>
-          <p:cNvPr id="11" name="TextBox 10"/>
-          <p:cNvSpPr txBox="1"/>
-          <p:nvPr/>
-        </p:nvSpPr>
-        <p:spPr>
-          <a:xfrm>
-            <a:off x="2064657" y="3890215"/>
-            <a:ext cx="6934200" cy="1015663"/>
-          </a:xfrm>
-          <a:prstGeom prst="rect">
-            <a:avLst/>
-          </a:prstGeom>
-          <a:noFill/>
-        </p:spPr>
-        <p:txBody>
-          <a:bodyPr wrap="square" rtlCol="0">
-            <a:spAutoFit/>
-          </a:bodyPr>
-          <a:lstStyle/>
-          <a:p>
-            <a:r>
-              <a:rPr lang="en-US" sz="6000" dirty="0">
-                <a:ln w="0"/>
-                <a:solidFill>
-                  <a:schemeClr val="accent1"/>
-                </a:solidFill>
-                <a:effectLst>
-                  <a:outerShdw blurRad="38100" dist="25400" dir="5400000" algn="ctr" rotWithShape="0">
-                    <a:srgbClr val="6E747A">
-                      <a:alpha val="43000"/>
-                    </a:srgbClr>
-                  </a:outerShdw>
-                </a:effectLst>
-              </a:rPr>
-              <a:t>2</a:t>
-            </a:r>
-            <a:r>
-              <a:rPr lang="en-US" sz="6000" dirty="0" smtClean="0">
-                <a:ln w="0"/>
-                <a:solidFill>
-                  <a:schemeClr val="accent1"/>
-                </a:solidFill>
-                <a:effectLst>
-                  <a:outerShdw blurRad="38100" dist="25400" dir="5400000" algn="ctr" rotWithShape="0">
-                    <a:srgbClr val="6E747A">
-                      <a:alpha val="43000"/>
-                    </a:srgbClr>
-                  </a:outerShdw>
-                </a:effectLst>
-              </a:rPr>
-              <a:t>. Hướng </a:t>
-            </a:r>
-            <a:r>
-              <a:rPr lang="en-US" sz="6000" dirty="0">
-                <a:ln w="0"/>
-                <a:solidFill>
-                  <a:schemeClr val="accent1"/>
-                </a:solidFill>
-                <a:effectLst>
-                  <a:outerShdw blurRad="38100" dist="25400" dir="5400000" algn="ctr" rotWithShape="0">
-                    <a:srgbClr val="6E747A">
-                      <a:alpha val="43000"/>
-                    </a:srgbClr>
-                  </a:outerShdw>
-                </a:effectLst>
-              </a:rPr>
-              <a:t>phát triển</a:t>
-            </a:r>
           </a:p>
         </p:txBody>
       </p:sp>
@@ -12453,82 +12664,6 @@
                       </p:childTnLst>
                     </p:cTn>
                   </p:par>
-                  <p:par>
-                    <p:cTn id="15" fill="hold">
-                      <p:stCondLst>
-                        <p:cond delay="indefinite"/>
-                      </p:stCondLst>
-                      <p:childTnLst>
-                        <p:par>
-                          <p:cTn id="16" fill="hold">
-                            <p:stCondLst>
-                              <p:cond delay="0"/>
-                            </p:stCondLst>
-                            <p:childTnLst>
-                              <p:par>
-                                <p:cTn id="17" presetID="12" presetClass="entr" presetSubtype="4" fill="hold" grpId="0" nodeType="clickEffect">
-                                  <p:stCondLst>
-                                    <p:cond delay="0"/>
-                                  </p:stCondLst>
-                                  <p:childTnLst>
-                                    <p:set>
-                                      <p:cBhvr>
-                                        <p:cTn id="18" dur="1" fill="hold">
-                                          <p:stCondLst>
-                                            <p:cond delay="0"/>
-                                          </p:stCondLst>
-                                        </p:cTn>
-                                        <p:tgtEl>
-                                          <p:spTgt spid="11"/>
-                                        </p:tgtEl>
-                                        <p:attrNameLst>
-                                          <p:attrName>style.visibility</p:attrName>
-                                        </p:attrNameLst>
-                                      </p:cBhvr>
-                                      <p:to>
-                                        <p:strVal val="visible"/>
-                                      </p:to>
-                                    </p:set>
-                                    <p:anim calcmode="lin" valueType="num">
-                                      <p:cBhvr additive="base">
-                                        <p:cTn id="19" dur="500"/>
-                                        <p:tgtEl>
-                                          <p:spTgt spid="11"/>
-                                        </p:tgtEl>
-                                        <p:attrNameLst>
-                                          <p:attrName>ppt_y</p:attrName>
-                                        </p:attrNameLst>
-                                      </p:cBhvr>
-                                      <p:tavLst>
-                                        <p:tav tm="0">
-                                          <p:val>
-                                            <p:strVal val="#ppt_y+#ppt_h*1.125000"/>
-                                          </p:val>
-                                        </p:tav>
-                                        <p:tav tm="100000">
-                                          <p:val>
-                                            <p:strVal val="#ppt_y"/>
-                                          </p:val>
-                                        </p:tav>
-                                      </p:tavLst>
-                                    </p:anim>
-                                    <p:animEffect transition="in" filter="wipe(up)">
-                                      <p:cBhvr>
-                                        <p:cTn id="20" dur="500"/>
-                                        <p:tgtEl>
-                                          <p:spTgt spid="11"/>
-                                        </p:tgtEl>
-                                      </p:cBhvr>
-                                    </p:animEffect>
-                                  </p:childTnLst>
-                                </p:cTn>
-                              </p:par>
-                            </p:childTnLst>
-                          </p:cTn>
-                        </p:par>
-                      </p:childTnLst>
-                    </p:cTn>
-                  </p:par>
                 </p:childTnLst>
               </p:cTn>
               <p:prevCondLst>
@@ -12553,7 +12688,6 @@
     <p:bldLst>
       <p:bldP spid="2" grpId="0"/>
       <p:bldP spid="10" grpId="0"/>
-      <p:bldP spid="11" grpId="0"/>
     </p:bldLst>
   </p:timing>
 </p:sld>
@@ -12584,13 +12718,29 @@
         </p:nvSpPr>
         <p:spPr>
           <a:xfrm>
-            <a:off x="794716" y="1474479"/>
-            <a:ext cx="2329484" cy="1569660"/>
+            <a:off x="150965" y="3165541"/>
+            <a:ext cx="2810301" cy="1569660"/>
           </a:xfrm>
           <a:prstGeom prst="rect">
             <a:avLst/>
           </a:prstGeom>
-          <a:noFill/>
+          <a:blipFill>
+            <a:blip r:embed="rId2"/>
+            <a:tile tx="0" ty="0" sx="100000" sy="100000" flip="none" algn="tl"/>
+          </a:blipFill>
+          <a:ln>
+            <a:solidFill>
+              <a:schemeClr val="bg1"/>
+            </a:solidFill>
+          </a:ln>
+          <a:effectLst>
+            <a:outerShdw blurRad="50800" dist="50800" dir="5400000" algn="ctr" rotWithShape="0">
+              <a:schemeClr val="accent5">
+                <a:lumMod val="20000"/>
+                <a:lumOff val="80000"/>
+              </a:schemeClr>
+            </a:outerShdw>
+          </a:effectLst>
         </p:spPr>
         <p:txBody>
           <a:bodyPr wrap="square" lIns="91440" tIns="45720" rIns="91440" bIns="45720">
@@ -12599,8 +12749,9 @@
               <a:camera prst="orthographicFront"/>
               <a:lightRig rig="harsh" dir="t"/>
             </a:scene3d>
-            <a:sp3d extrusionH="57150" prstMaterial="matte">
-              <a:bevelT w="63500" h="12700" prst="angle"/>
+            <a:sp3d extrusionH="57150" prstMaterial="powder">
+              <a:bevelT w="63500" h="12700" prst="coolSlant"/>
+              <a:bevelB w="38100" h="38100"/>
               <a:contourClr>
                 <a:schemeClr val="bg1">
                   <a:lumMod val="65000"/>
@@ -12612,6 +12763,44 @@
           <a:p>
             <a:pPr algn="ctr"/>
             <a:r>
+              <a:rPr lang="en-US" sz="6600" b="1" dirty="0" smtClean="0">
+                <a:ln w="22225">
+                  <a:solidFill>
+                    <a:schemeClr val="accent2"/>
+                  </a:solidFill>
+                  <a:prstDash val="solid"/>
+                </a:ln>
+                <a:solidFill>
+                  <a:srgbClr val="FFC000"/>
+                </a:solidFill>
+                <a:effectLst>
+                  <a:outerShdw blurRad="50800" dist="50800" dir="5400000" algn="ctr" rotWithShape="0">
+                    <a:srgbClr val="6699FF"/>
+                  </a:outerShdw>
+                </a:effectLst>
+              </a:rPr>
+              <a:t>~</a:t>
+            </a:r>
+            <a:r>
+              <a:rPr lang="en-US" sz="9600" b="1" dirty="0" smtClean="0">
+                <a:ln w="22225">
+                  <a:solidFill>
+                    <a:schemeClr val="accent2"/>
+                  </a:solidFill>
+                  <a:prstDash val="solid"/>
+                </a:ln>
+                <a:solidFill>
+                  <a:srgbClr val="FFC000"/>
+                </a:solidFill>
+                <a:effectLst>
+                  <a:outerShdw blurRad="50800" dist="50800" dir="5400000" algn="ctr" rotWithShape="0">
+                    <a:srgbClr val="6699FF"/>
+                  </a:outerShdw>
+                </a:effectLst>
+              </a:rPr>
+              <a:t>90</a:t>
+            </a:r>
+            <a:r>
               <a:rPr lang="en-US" sz="9600" b="1" dirty="0">
                 <a:ln w="22225">
                   <a:solidFill>
@@ -12620,64 +12809,27 @@
                   <a:prstDash val="solid"/>
                 </a:ln>
                 <a:solidFill>
-                  <a:schemeClr val="accent2">
-                    <a:lumMod val="40000"/>
-                    <a:lumOff val="60000"/>
-                  </a:schemeClr>
+                  <a:srgbClr val="FFC000"/>
                 </a:solidFill>
+                <a:effectLst>
+                  <a:outerShdw blurRad="50800" dist="50800" dir="5400000" algn="ctr" rotWithShape="0">
+                    <a:srgbClr val="6699FF"/>
+                  </a:outerShdw>
+                </a:effectLst>
               </a:rPr>
-              <a:t>90%</a:t>
+              <a:t>%</a:t>
             </a:r>
             <a:endParaRPr lang="en-US" sz="9600" b="1" cap="none" spc="0" dirty="0">
               <a:ln/>
               <a:solidFill>
-                <a:schemeClr val="accent3"/>
+                <a:srgbClr val="FFC000"/>
               </a:solidFill>
-              <a:effectLst/>
+              <a:effectLst>
+                <a:outerShdw blurRad="50800" dist="50800" dir="5400000" algn="ctr" rotWithShape="0">
+                  <a:srgbClr val="6699FF"/>
+                </a:outerShdw>
+              </a:effectLst>
             </a:endParaRPr>
-          </a:p>
-        </p:txBody>
-      </p:sp>
-      <p:sp>
-        <p:nvSpPr>
-          <p:cNvPr id="4" name="Rectangle 3"/>
-          <p:cNvSpPr/>
-          <p:nvPr/>
-        </p:nvSpPr>
-        <p:spPr>
-          <a:xfrm>
-            <a:off x="0" y="1724926"/>
-            <a:ext cx="950456" cy="1446550"/>
-          </a:xfrm>
-          <a:prstGeom prst="rect">
-            <a:avLst/>
-          </a:prstGeom>
-          <a:noFill/>
-        </p:spPr>
-        <p:txBody>
-          <a:bodyPr wrap="square" lIns="91440" tIns="45720" rIns="91440" bIns="45720">
-            <a:spAutoFit/>
-          </a:bodyPr>
-          <a:lstStyle/>
-          <a:p>
-            <a:pPr algn="ctr"/>
-            <a:r>
-              <a:rPr lang="en-US" sz="8800" b="1" dirty="0">
-                <a:ln w="22225">
-                  <a:solidFill>
-                    <a:schemeClr val="accent2"/>
-                  </a:solidFill>
-                  <a:prstDash val="solid"/>
-                </a:ln>
-                <a:solidFill>
-                  <a:schemeClr val="accent2">
-                    <a:lumMod val="40000"/>
-                    <a:lumOff val="60000"/>
-                  </a:schemeClr>
-                </a:solidFill>
-              </a:rPr>
-              <a:t>~</a:t>
-            </a:r>
           </a:p>
         </p:txBody>
       </p:sp>
@@ -12688,7 +12840,7 @@
           <p:nvPr/>
         </p:nvPicPr>
         <p:blipFill>
-          <a:blip r:embed="rId2">
+          <a:blip r:embed="rId3">
             <a:extLst>
               <a:ext uri="{28A0092B-C50C-407E-A947-70E740481C1C}">
                 <a14:useLocalDpi xmlns:a14="http://schemas.microsoft.com/office/drawing/2010/main" val="0"/>
@@ -12717,7 +12869,7 @@
         </p:nvSpPr>
         <p:spPr>
           <a:xfrm>
-            <a:off x="3124200" y="399143"/>
+            <a:off x="2467429" y="458816"/>
             <a:ext cx="6934200" cy="1015663"/>
           </a:xfrm>
           <a:prstGeom prst="rect">
@@ -12736,7 +12888,7 @@
               <a:rPr lang="en-US" sz="6000" dirty="0" smtClean="0">
                 <a:ln w="0"/>
                 <a:solidFill>
-                  <a:schemeClr val="accent1"/>
+                  <a:srgbClr val="00B0F0"/>
                 </a:solidFill>
                 <a:effectLst>
                   <a:outerShdw blurRad="38100" dist="25400" dir="5400000" algn="ctr" rotWithShape="0">
@@ -12751,7 +12903,7 @@
             <a:endParaRPr lang="en-US" sz="6000" dirty="0">
               <a:ln w="0"/>
               <a:solidFill>
-                <a:schemeClr val="accent1"/>
+                <a:srgbClr val="00B0F0"/>
               </a:solidFill>
               <a:effectLst>
                 <a:outerShdw blurRad="38100" dist="25400" dir="5400000" algn="ctr" rotWithShape="0">
@@ -12786,6 +12938,9 @@
                     <p:cTn id="3" fill="hold">
                       <p:stCondLst>
                         <p:cond delay="indefinite"/>
+                        <p:cond evt="onBegin" delay="0">
+                          <p:tn val="2"/>
+                        </p:cond>
                       </p:stCondLst>
                       <p:childTnLst>
                         <p:par>
@@ -12795,7 +12950,7 @@
                             </p:stCondLst>
                             <p:childTnLst>
                               <p:par>
-                                <p:cTn id="5" presetID="42" presetClass="entr" presetSubtype="0" fill="hold" grpId="0" nodeType="clickEffect">
+                                <p:cTn id="5" presetID="42" presetClass="entr" presetSubtype="0" fill="hold" grpId="0" nodeType="withEffect">
                                   <p:stCondLst>
                                     <p:cond delay="0"/>
                                   </p:stCondLst>
@@ -12803,87 +12958,6 @@
                                     <p:set>
                                       <p:cBhvr>
                                         <p:cTn id="6" dur="1" fill="hold">
-                                          <p:stCondLst>
-                                            <p:cond delay="0"/>
-                                          </p:stCondLst>
-                                        </p:cTn>
-                                        <p:tgtEl>
-                                          <p:spTgt spid="4"/>
-                                        </p:tgtEl>
-                                        <p:attrNameLst>
-                                          <p:attrName>style.visibility</p:attrName>
-                                        </p:attrNameLst>
-                                      </p:cBhvr>
-                                      <p:to>
-                                        <p:strVal val="visible"/>
-                                      </p:to>
-                                    </p:set>
-                                    <p:animEffect transition="in" filter="fade">
-                                      <p:cBhvr>
-                                        <p:cTn id="7" dur="1000"/>
-                                        <p:tgtEl>
-                                          <p:spTgt spid="4"/>
-                                        </p:tgtEl>
-                                      </p:cBhvr>
-                                    </p:animEffect>
-                                    <p:anim calcmode="lin" valueType="num">
-                                      <p:cBhvr>
-                                        <p:cTn id="8" dur="1000" fill="hold"/>
-                                        <p:tgtEl>
-                                          <p:spTgt spid="4"/>
-                                        </p:tgtEl>
-                                        <p:attrNameLst>
-                                          <p:attrName>ppt_x</p:attrName>
-                                        </p:attrNameLst>
-                                      </p:cBhvr>
-                                      <p:tavLst>
-                                        <p:tav tm="0">
-                                          <p:val>
-                                            <p:strVal val="#ppt_x"/>
-                                          </p:val>
-                                        </p:tav>
-                                        <p:tav tm="100000">
-                                          <p:val>
-                                            <p:strVal val="#ppt_x"/>
-                                          </p:val>
-                                        </p:tav>
-                                      </p:tavLst>
-                                    </p:anim>
-                                    <p:anim calcmode="lin" valueType="num">
-                                      <p:cBhvr>
-                                        <p:cTn id="9" dur="1000" fill="hold"/>
-                                        <p:tgtEl>
-                                          <p:spTgt spid="4"/>
-                                        </p:tgtEl>
-                                        <p:attrNameLst>
-                                          <p:attrName>ppt_y</p:attrName>
-                                        </p:attrNameLst>
-                                      </p:cBhvr>
-                                      <p:tavLst>
-                                        <p:tav tm="0">
-                                          <p:val>
-                                            <p:strVal val="#ppt_y+.1"/>
-                                          </p:val>
-                                        </p:tav>
-                                        <p:tav tm="100000">
-                                          <p:val>
-                                            <p:strVal val="#ppt_y"/>
-                                          </p:val>
-                                        </p:tav>
-                                      </p:tavLst>
-                                    </p:anim>
-                                  </p:childTnLst>
-                                </p:cTn>
-                              </p:par>
-                              <p:par>
-                                <p:cTn id="10" presetID="42" presetClass="entr" presetSubtype="0" fill="hold" grpId="0" nodeType="withEffect">
-                                  <p:stCondLst>
-                                    <p:cond delay="0"/>
-                                  </p:stCondLst>
-                                  <p:childTnLst>
-                                    <p:set>
-                                      <p:cBhvr>
-                                        <p:cTn id="11" dur="1" fill="hold">
                                           <p:stCondLst>
                                             <p:cond delay="0"/>
                                           </p:stCondLst>
@@ -12901,7 +12975,7 @@
                                     </p:set>
                                     <p:animEffect transition="in" filter="fade">
                                       <p:cBhvr>
-                                        <p:cTn id="12" dur="1000"/>
+                                        <p:cTn id="7" dur="1000"/>
                                         <p:tgtEl>
                                           <p:spTgt spid="3"/>
                                         </p:tgtEl>
@@ -12909,7 +12983,7 @@
                                     </p:animEffect>
                                     <p:anim calcmode="lin" valueType="num">
                                       <p:cBhvr>
-                                        <p:cTn id="13" dur="1000" fill="hold"/>
+                                        <p:cTn id="8" dur="1000" fill="hold"/>
                                         <p:tgtEl>
                                           <p:spTgt spid="3"/>
                                         </p:tgtEl>
@@ -12932,7 +13006,7 @@
                                     </p:anim>
                                     <p:anim calcmode="lin" valueType="num">
                                       <p:cBhvr>
-                                        <p:cTn id="14" dur="1000" fill="hold"/>
+                                        <p:cTn id="9" dur="1000" fill="hold"/>
                                         <p:tgtEl>
                                           <p:spTgt spid="3"/>
                                         </p:tgtEl>
@@ -12963,26 +13037,26 @@
                     </p:cTn>
                   </p:par>
                   <p:par>
-                    <p:cTn id="15" fill="hold">
+                    <p:cTn id="10" fill="hold">
                       <p:stCondLst>
                         <p:cond delay="indefinite"/>
                       </p:stCondLst>
                       <p:childTnLst>
                         <p:par>
-                          <p:cTn id="16" fill="hold">
+                          <p:cTn id="11" fill="hold">
                             <p:stCondLst>
                               <p:cond delay="0"/>
                             </p:stCondLst>
                             <p:childTnLst>
                               <p:par>
-                                <p:cTn id="17" presetID="12" presetClass="entr" presetSubtype="4" fill="hold" grpId="0" nodeType="clickEffect">
+                                <p:cTn id="12" presetID="12" presetClass="entr" presetSubtype="4" fill="hold" grpId="0" nodeType="clickEffect">
                                   <p:stCondLst>
                                     <p:cond delay="0"/>
                                   </p:stCondLst>
                                   <p:childTnLst>
                                     <p:set>
                                       <p:cBhvr>
-                                        <p:cTn id="18" dur="1" fill="hold">
+                                        <p:cTn id="13" dur="1" fill="hold">
                                           <p:stCondLst>
                                             <p:cond delay="0"/>
                                           </p:stCondLst>
@@ -13000,7 +13074,7 @@
                                     </p:set>
                                     <p:anim calcmode="lin" valueType="num">
                                       <p:cBhvr additive="base">
-                                        <p:cTn id="19" dur="500"/>
+                                        <p:cTn id="14" dur="500"/>
                                         <p:tgtEl>
                                           <p:spTgt spid="6"/>
                                         </p:tgtEl>
@@ -13023,7 +13097,7 @@
                                     </p:anim>
                                     <p:animEffect transition="in" filter="wipe(up)">
                                       <p:cBhvr>
-                                        <p:cTn id="20" dur="500"/>
+                                        <p:cTn id="15" dur="500"/>
                                         <p:tgtEl>
                                           <p:spTgt spid="6"/>
                                         </p:tgtEl>
@@ -13060,8 +13134,7 @@
       </p:par>
     </p:tnLst>
     <p:bldLst>
-      <p:bldP spid="3" grpId="0"/>
-      <p:bldP spid="4" grpId="0"/>
+      <p:bldP spid="3" grpId="0" animBg="1"/>
       <p:bldP spid="6" grpId="0"/>
     </p:bldLst>
   </p:timing>
@@ -13093,8 +13166,8 @@
         </p:nvSpPr>
         <p:spPr>
           <a:xfrm>
-            <a:off x="1015998" y="694009"/>
-            <a:ext cx="10914743" cy="5509200"/>
+            <a:off x="674803" y="666712"/>
+            <a:ext cx="10914743" cy="5632311"/>
           </a:xfrm>
           <a:prstGeom prst="rect">
             <a:avLst/>
@@ -13106,55 +13179,30 @@
           </a:bodyPr>
           <a:lstStyle/>
           <a:p>
-            <a:pPr marL="342900" lvl="0" indent="-342900">
+            <a:pPr lvl="0" algn="just">
               <a:spcAft>
                 <a:spcPts val="0"/>
               </a:spcAft>
-              <a:buFont typeface="Times New Roman" panose="02020603050405020304" pitchFamily="18" charset="0"/>
-              <a:buChar char="-"/>
             </a:pPr>
             <a:r>
-              <a:rPr lang="en-US" sz="4400" dirty="0">
-                <a:latin typeface="Arial" panose="020B0604020202020204" pitchFamily="34" charset="0"/>
+              <a:rPr lang="en-US" sz="6000" dirty="0" smtClean="0">
+                <a:latin typeface="+mj-lt"/>
                 <a:ea typeface="Times New Roman" panose="02020603050405020304" pitchFamily="18" charset="0"/>
                 <a:cs typeface="Arial" panose="020B0604020202020204" pitchFamily="34" charset="0"/>
               </a:rPr>
-              <a:t>Nhóm thực hiện chương trình trò chơi Picture Puzzle  tự đánh giá đáp ứng mức đồ hoàn thành là 90% so với mục tiêu đã đề ra.</a:t>
+              <a:t>	</a:t>
             </a:r>
-          </a:p>
-          <a:p>
-            <a:pPr marL="342900" lvl="0" indent="-342900">
-              <a:spcAft>
-                <a:spcPts val="0"/>
-              </a:spcAft>
-              <a:buFont typeface="Times New Roman" panose="02020603050405020304" pitchFamily="18" charset="0"/>
-              <a:buChar char="-"/>
-            </a:pPr>
             <a:r>
-              <a:rPr lang="en-US" sz="4400" dirty="0">
-                <a:latin typeface="Arial" panose="020B0604020202020204" pitchFamily="34" charset="0"/>
-                <a:ea typeface="Times New Roman" panose="02020603050405020304" pitchFamily="18" charset="0"/>
-                <a:cs typeface="Arial" panose="020B0604020202020204" pitchFamily="34" charset="0"/>
+              <a:rPr lang="en-US" sz="6000" dirty="0">
+                <a:latin typeface="+mj-lt"/>
               </a:rPr>
-              <a:t>Trong quá trình thực hiện, nhóm gặp một số khó khăn.</a:t>
+              <a:t>Với mục tiêu đã đặt ra thì nhóm tự tin đã hoàn thành được hơn 90% kế hoạch ban đầu. Nhóm đã xây dựng được một game xếp hình hoàn chỉnh cho người chơi và có thể lưu điểm.</a:t>
             </a:r>
-          </a:p>
-          <a:p>
-            <a:pPr marL="342900" lvl="0" indent="-342900">
-              <a:spcAft>
-                <a:spcPts val="0"/>
-              </a:spcAft>
-              <a:buFont typeface="Times New Roman" panose="02020603050405020304" pitchFamily="18" charset="0"/>
-              <a:buChar char="-"/>
-            </a:pPr>
-            <a:r>
-              <a:rPr lang="en-US" sz="4400" dirty="0">
-                <a:latin typeface="Arial" panose="020B0604020202020204" pitchFamily="34" charset="0"/>
-                <a:ea typeface="Times New Roman" panose="02020603050405020304" pitchFamily="18" charset="0"/>
-                <a:cs typeface="Arial" panose="020B0604020202020204" pitchFamily="34" charset="0"/>
-              </a:rPr>
-              <a:t>Trong chương trình vẫn còn nhiều thiếu sót chưa thể xử lý được</a:t>
-            </a:r>
+            <a:endParaRPr lang="en-US" sz="6000" dirty="0">
+              <a:latin typeface="+mj-lt"/>
+              <a:ea typeface="Times New Roman" panose="02020603050405020304" pitchFamily="18" charset="0"/>
+              <a:cs typeface="Arial" panose="020B0604020202020204" pitchFamily="34" charset="0"/>
+            </a:endParaRPr>
           </a:p>
         </p:txBody>
       </p:sp>
@@ -13196,7 +13244,7 @@
         </p:nvSpPr>
         <p:spPr>
           <a:xfrm>
-            <a:off x="685800" y="965200"/>
+            <a:off x="2632881" y="0"/>
             <a:ext cx="6934200" cy="1015663"/>
           </a:xfrm>
           <a:prstGeom prst="rect">
@@ -13210,6 +13258,7 @@
           </a:bodyPr>
           <a:lstStyle/>
           <a:p>
+            <a:pPr algn="ctr"/>
             <a:r>
               <a:rPr lang="en-US" sz="6000" dirty="0" smtClean="0">
                 <a:ln w="0"/>
@@ -13224,7 +13273,7 @@
                   </a:outerShdw>
                 </a:effectLst>
               </a:rPr>
-              <a:t>2.</a:t>
+              <a:t>2</a:t>
             </a:r>
             <a:r>
               <a:rPr lang="en-US" sz="6000" dirty="0" smtClean="0">
@@ -13240,7 +13289,585 @@
                   </a:outerShdw>
                 </a:effectLst>
               </a:rPr>
-              <a:t>Hướng </a:t>
+              <a:t>.Ưu Điểm</a:t>
+            </a:r>
+            <a:endParaRPr lang="en-US" sz="6000" dirty="0">
+              <a:ln w="0"/>
+              <a:solidFill>
+                <a:schemeClr val="accent1"/>
+              </a:solidFill>
+              <a:effectLst>
+                <a:outerShdw blurRad="38100" dist="25400" dir="5400000" algn="ctr" rotWithShape="0">
+                  <a:srgbClr val="6E747A">
+                    <a:alpha val="43000"/>
+                  </a:srgbClr>
+                </a:outerShdw>
+              </a:effectLst>
+            </a:endParaRPr>
+          </a:p>
+        </p:txBody>
+      </p:sp>
+      <p:sp>
+        <p:nvSpPr>
+          <p:cNvPr id="3" name="Rectangle 2"/>
+          <p:cNvSpPr/>
+          <p:nvPr/>
+        </p:nvSpPr>
+        <p:spPr>
+          <a:xfrm>
+            <a:off x="642609" y="1015663"/>
+            <a:ext cx="10914743" cy="5909310"/>
+          </a:xfrm>
+          <a:prstGeom prst="rect">
+            <a:avLst/>
+          </a:prstGeom>
+        </p:spPr>
+        <p:txBody>
+          <a:bodyPr wrap="square">
+            <a:spAutoFit/>
+          </a:bodyPr>
+          <a:lstStyle/>
+          <a:p>
+            <a:pPr lvl="0" algn="just">
+              <a:spcAft>
+                <a:spcPts val="0"/>
+              </a:spcAft>
+            </a:pPr>
+            <a:r>
+              <a:rPr lang="en-US" sz="5200" dirty="0" smtClean="0">
+                <a:ea typeface="Times New Roman" panose="02020603050405020304" pitchFamily="18" charset="0"/>
+                <a:cs typeface="Arial" panose="020B0604020202020204" pitchFamily="34" charset="0"/>
+              </a:rPr>
+              <a:t>	</a:t>
+            </a:r>
+            <a:r>
+              <a:rPr lang="en-US" sz="5200" dirty="0">
+                <a:latin typeface="+mj-lt"/>
+                <a:ea typeface="Times New Roman" panose="02020603050405020304" pitchFamily="18" charset="0"/>
+              </a:rPr>
+              <a:t>Sử dụng hợp lý các class vào cài đặt game xếp </a:t>
+            </a:r>
+            <a:r>
+              <a:rPr lang="en-US" sz="5200" dirty="0" smtClean="0">
+                <a:latin typeface="+mj-lt"/>
+                <a:ea typeface="Times New Roman" panose="02020603050405020304" pitchFamily="18" charset="0"/>
+              </a:rPr>
+              <a:t>hình.</a:t>
+            </a:r>
+          </a:p>
+          <a:p>
+            <a:pPr lvl="0" algn="just">
+              <a:spcAft>
+                <a:spcPts val="0"/>
+              </a:spcAft>
+            </a:pPr>
+            <a:r>
+              <a:rPr lang="en-US" sz="5200" dirty="0" smtClean="0">
+                <a:latin typeface="+mj-lt"/>
+              </a:rPr>
+              <a:t>	Nhóm </a:t>
+            </a:r>
+            <a:r>
+              <a:rPr lang="en-US" sz="5200" dirty="0">
+                <a:latin typeface="+mj-lt"/>
+              </a:rPr>
+              <a:t>đã tạo ra nhiều chứ năng trong game xếp hình giúp người chơi dễ dàng sử </a:t>
+            </a:r>
+            <a:r>
+              <a:rPr lang="en-US" sz="5200" dirty="0" smtClean="0">
+                <a:latin typeface="+mj-lt"/>
+              </a:rPr>
+              <a:t>dụng.</a:t>
+            </a:r>
+          </a:p>
+          <a:p>
+            <a:pPr lvl="0" algn="just">
+              <a:spcAft>
+                <a:spcPts val="0"/>
+              </a:spcAft>
+            </a:pPr>
+            <a:r>
+              <a:rPr lang="en-US" sz="5200" dirty="0" smtClean="0">
+                <a:latin typeface="+mj-lt"/>
+              </a:rPr>
+              <a:t>	Giao </a:t>
+            </a:r>
+            <a:r>
+              <a:rPr lang="en-US" sz="5200" dirty="0">
+                <a:latin typeface="+mj-lt"/>
+              </a:rPr>
+              <a:t>diện dễ nhìn, phù hợp với mọi lứa </a:t>
+            </a:r>
+            <a:r>
+              <a:rPr lang="en-US" sz="5200" dirty="0" smtClean="0">
+                <a:latin typeface="+mj-lt"/>
+              </a:rPr>
+              <a:t>tuổi.</a:t>
+            </a:r>
+            <a:endParaRPr lang="en-US" sz="5200" dirty="0">
+              <a:latin typeface="+mj-lt"/>
+              <a:ea typeface="Times New Roman" panose="02020603050405020304" pitchFamily="18" charset="0"/>
+              <a:cs typeface="Arial" panose="020B0604020202020204" pitchFamily="34" charset="0"/>
+            </a:endParaRPr>
+          </a:p>
+        </p:txBody>
+      </p:sp>
+    </p:spTree>
+    <p:extLst>
+      <p:ext uri="{BB962C8B-B14F-4D97-AF65-F5344CB8AC3E}">
+        <p14:creationId xmlns:p14="http://schemas.microsoft.com/office/powerpoint/2010/main" val="3542592374"/>
+      </p:ext>
+    </p:extLst>
+  </p:cSld>
+  <p:clrMapOvr>
+    <a:masterClrMapping/>
+  </p:clrMapOvr>
+  <p:timing>
+    <p:tnLst>
+      <p:par>
+        <p:cTn id="1" dur="indefinite" restart="never" nodeType="tmRoot">
+          <p:childTnLst>
+            <p:seq concurrent="1" nextAc="seek">
+              <p:cTn id="2" dur="indefinite" nodeType="mainSeq">
+                <p:childTnLst>
+                  <p:par>
+                    <p:cTn id="3" fill="hold">
+                      <p:stCondLst>
+                        <p:cond delay="indefinite"/>
+                      </p:stCondLst>
+                      <p:childTnLst>
+                        <p:par>
+                          <p:cTn id="4" fill="hold">
+                            <p:stCondLst>
+                              <p:cond delay="0"/>
+                            </p:stCondLst>
+                            <p:childTnLst>
+                              <p:par>
+                                <p:cTn id="5" presetID="12" presetClass="entr" presetSubtype="4" fill="hold" grpId="0" nodeType="clickEffect">
+                                  <p:stCondLst>
+                                    <p:cond delay="0"/>
+                                  </p:stCondLst>
+                                  <p:childTnLst>
+                                    <p:set>
+                                      <p:cBhvr>
+                                        <p:cTn id="6" dur="1" fill="hold">
+                                          <p:stCondLst>
+                                            <p:cond delay="0"/>
+                                          </p:stCondLst>
+                                        </p:cTn>
+                                        <p:tgtEl>
+                                          <p:spTgt spid="2"/>
+                                        </p:tgtEl>
+                                        <p:attrNameLst>
+                                          <p:attrName>style.visibility</p:attrName>
+                                        </p:attrNameLst>
+                                      </p:cBhvr>
+                                      <p:to>
+                                        <p:strVal val="visible"/>
+                                      </p:to>
+                                    </p:set>
+                                    <p:anim calcmode="lin" valueType="num">
+                                      <p:cBhvr additive="base">
+                                        <p:cTn id="7" dur="500"/>
+                                        <p:tgtEl>
+                                          <p:spTgt spid="2"/>
+                                        </p:tgtEl>
+                                        <p:attrNameLst>
+                                          <p:attrName>ppt_y</p:attrName>
+                                        </p:attrNameLst>
+                                      </p:cBhvr>
+                                      <p:tavLst>
+                                        <p:tav tm="0">
+                                          <p:val>
+                                            <p:strVal val="#ppt_y+#ppt_h*1.125000"/>
+                                          </p:val>
+                                        </p:tav>
+                                        <p:tav tm="100000">
+                                          <p:val>
+                                            <p:strVal val="#ppt_y"/>
+                                          </p:val>
+                                        </p:tav>
+                                      </p:tavLst>
+                                    </p:anim>
+                                    <p:animEffect transition="in" filter="wipe(up)">
+                                      <p:cBhvr>
+                                        <p:cTn id="8" dur="500"/>
+                                        <p:tgtEl>
+                                          <p:spTgt spid="2"/>
+                                        </p:tgtEl>
+                                      </p:cBhvr>
+                                    </p:animEffect>
+                                  </p:childTnLst>
+                                </p:cTn>
+                              </p:par>
+                            </p:childTnLst>
+                          </p:cTn>
+                        </p:par>
+                      </p:childTnLst>
+                    </p:cTn>
+                  </p:par>
+                </p:childTnLst>
+              </p:cTn>
+              <p:prevCondLst>
+                <p:cond evt="onPrev" delay="0">
+                  <p:tgtEl>
+                    <p:sldTgt/>
+                  </p:tgtEl>
+                </p:cond>
+              </p:prevCondLst>
+              <p:nextCondLst>
+                <p:cond evt="onNext" delay="0">
+                  <p:tgtEl>
+                    <p:sldTgt/>
+                  </p:tgtEl>
+                </p:cond>
+              </p:nextCondLst>
+            </p:seq>
+          </p:childTnLst>
+        </p:cTn>
+      </p:par>
+    </p:tnLst>
+    <p:bldLst>
+      <p:bldP spid="2" grpId="0"/>
+    </p:bldLst>
+  </p:timing>
+</p:sld>
+</file>
+
+<file path=ppt/slides/slide18.xml><?xml version="1.0" encoding="utf-8"?>
+<p:sld xmlns:a="http://schemas.openxmlformats.org/drawingml/2006/main" xmlns:r="http://schemas.openxmlformats.org/officeDocument/2006/relationships" xmlns:p="http://schemas.openxmlformats.org/presentationml/2006/main">
+  <p:cSld>
+    <p:spTree>
+      <p:nvGrpSpPr>
+        <p:cNvPr id="1" name=""/>
+        <p:cNvGrpSpPr/>
+        <p:nvPr/>
+      </p:nvGrpSpPr>
+      <p:grpSpPr>
+        <a:xfrm>
+          <a:off x="0" y="0"/>
+          <a:ext cx="0" cy="0"/>
+          <a:chOff x="0" y="0"/>
+          <a:chExt cx="0" cy="0"/>
+        </a:xfrm>
+      </p:grpSpPr>
+      <p:sp>
+        <p:nvSpPr>
+          <p:cNvPr id="2" name="TextBox 1"/>
+          <p:cNvSpPr txBox="1"/>
+          <p:nvPr/>
+        </p:nvSpPr>
+        <p:spPr>
+          <a:xfrm>
+            <a:off x="2646528" y="330904"/>
+            <a:ext cx="6934200" cy="1015663"/>
+          </a:xfrm>
+          <a:prstGeom prst="rect">
+            <a:avLst/>
+          </a:prstGeom>
+          <a:noFill/>
+        </p:spPr>
+        <p:txBody>
+          <a:bodyPr wrap="square" rtlCol="0">
+            <a:spAutoFit/>
+          </a:bodyPr>
+          <a:lstStyle/>
+          <a:p>
+            <a:pPr algn="ctr"/>
+            <a:r>
+              <a:rPr lang="en-US" sz="6000" dirty="0" smtClean="0">
+                <a:ln w="0"/>
+                <a:solidFill>
+                  <a:schemeClr val="accent1"/>
+                </a:solidFill>
+                <a:effectLst>
+                  <a:outerShdw blurRad="38100" dist="25400" dir="5400000" algn="ctr" rotWithShape="0">
+                    <a:srgbClr val="6E747A">
+                      <a:alpha val="43000"/>
+                    </a:srgbClr>
+                  </a:outerShdw>
+                </a:effectLst>
+              </a:rPr>
+              <a:t>3.Nhược Điểm</a:t>
+            </a:r>
+            <a:endParaRPr lang="en-US" sz="6000" dirty="0">
+              <a:ln w="0"/>
+              <a:solidFill>
+                <a:schemeClr val="accent1"/>
+              </a:solidFill>
+              <a:effectLst>
+                <a:outerShdw blurRad="38100" dist="25400" dir="5400000" algn="ctr" rotWithShape="0">
+                  <a:srgbClr val="6E747A">
+                    <a:alpha val="43000"/>
+                  </a:srgbClr>
+                </a:outerShdw>
+              </a:effectLst>
+            </a:endParaRPr>
+          </a:p>
+        </p:txBody>
+      </p:sp>
+      <p:sp>
+        <p:nvSpPr>
+          <p:cNvPr id="3" name="Rectangle 2"/>
+          <p:cNvSpPr/>
+          <p:nvPr/>
+        </p:nvSpPr>
+        <p:spPr>
+          <a:xfrm>
+            <a:off x="656256" y="1234027"/>
+            <a:ext cx="10914743" cy="5078313"/>
+          </a:xfrm>
+          <a:prstGeom prst="rect">
+            <a:avLst/>
+          </a:prstGeom>
+        </p:spPr>
+        <p:txBody>
+          <a:bodyPr wrap="square">
+            <a:spAutoFit/>
+          </a:bodyPr>
+          <a:lstStyle/>
+          <a:p>
+            <a:r>
+              <a:rPr lang="en-US" sz="5400" dirty="0" smtClean="0">
+                <a:latin typeface="+mj-lt"/>
+              </a:rPr>
+              <a:t>	Vẫn </a:t>
+            </a:r>
+            <a:r>
+              <a:rPr lang="en-US" sz="5400" dirty="0">
+                <a:latin typeface="+mj-lt"/>
+              </a:rPr>
+              <a:t>có thể xảy ra lỗi load hình không được trên một số máy.</a:t>
+            </a:r>
+          </a:p>
+          <a:p>
+            <a:r>
+              <a:rPr lang="en-US" sz="5400" dirty="0">
+                <a:latin typeface="+mj-lt"/>
+              </a:rPr>
+              <a:t>	</a:t>
+            </a:r>
+            <a:r>
+              <a:rPr lang="en-US" sz="5400" dirty="0" smtClean="0">
+                <a:latin typeface="+mj-lt"/>
+              </a:rPr>
+              <a:t>Cần </a:t>
+            </a:r>
+            <a:r>
+              <a:rPr lang="en-US" sz="5400" dirty="0">
+                <a:latin typeface="+mj-lt"/>
+              </a:rPr>
+              <a:t>phải chỉnh lại địa chỉ của data source nếu chạy trên máy khác.</a:t>
+            </a:r>
+          </a:p>
+          <a:p>
+            <a:r>
+              <a:rPr lang="en-US" sz="5400" dirty="0" smtClean="0">
+                <a:latin typeface="+mj-lt"/>
+              </a:rPr>
+              <a:t>	Máy </a:t>
+            </a:r>
+            <a:r>
+              <a:rPr lang="en-US" sz="5400" dirty="0">
+                <a:latin typeface="+mj-lt"/>
+              </a:rPr>
+              <a:t>phải có SQL Sever thì mới có thể lưu điểm được.</a:t>
+            </a:r>
+          </a:p>
+        </p:txBody>
+      </p:sp>
+    </p:spTree>
+    <p:extLst>
+      <p:ext uri="{BB962C8B-B14F-4D97-AF65-F5344CB8AC3E}">
+        <p14:creationId xmlns:p14="http://schemas.microsoft.com/office/powerpoint/2010/main" val="1782167917"/>
+      </p:ext>
+    </p:extLst>
+  </p:cSld>
+  <p:clrMapOvr>
+    <a:masterClrMapping/>
+  </p:clrMapOvr>
+  <p:timing>
+    <p:tnLst>
+      <p:par>
+        <p:cTn id="1" dur="indefinite" restart="never" nodeType="tmRoot">
+          <p:childTnLst>
+            <p:seq concurrent="1" nextAc="seek">
+              <p:cTn id="2" dur="indefinite" nodeType="mainSeq">
+                <p:childTnLst>
+                  <p:par>
+                    <p:cTn id="3" fill="hold">
+                      <p:stCondLst>
+                        <p:cond delay="indefinite"/>
+                      </p:stCondLst>
+                      <p:childTnLst>
+                        <p:par>
+                          <p:cTn id="4" fill="hold">
+                            <p:stCondLst>
+                              <p:cond delay="0"/>
+                            </p:stCondLst>
+                            <p:childTnLst>
+                              <p:par>
+                                <p:cTn id="5" presetID="12" presetClass="entr" presetSubtype="4" fill="hold" grpId="0" nodeType="clickEffect">
+                                  <p:stCondLst>
+                                    <p:cond delay="0"/>
+                                  </p:stCondLst>
+                                  <p:childTnLst>
+                                    <p:set>
+                                      <p:cBhvr>
+                                        <p:cTn id="6" dur="1" fill="hold">
+                                          <p:stCondLst>
+                                            <p:cond delay="0"/>
+                                          </p:stCondLst>
+                                        </p:cTn>
+                                        <p:tgtEl>
+                                          <p:spTgt spid="2"/>
+                                        </p:tgtEl>
+                                        <p:attrNameLst>
+                                          <p:attrName>style.visibility</p:attrName>
+                                        </p:attrNameLst>
+                                      </p:cBhvr>
+                                      <p:to>
+                                        <p:strVal val="visible"/>
+                                      </p:to>
+                                    </p:set>
+                                    <p:anim calcmode="lin" valueType="num">
+                                      <p:cBhvr additive="base">
+                                        <p:cTn id="7" dur="500"/>
+                                        <p:tgtEl>
+                                          <p:spTgt spid="2"/>
+                                        </p:tgtEl>
+                                        <p:attrNameLst>
+                                          <p:attrName>ppt_y</p:attrName>
+                                        </p:attrNameLst>
+                                      </p:cBhvr>
+                                      <p:tavLst>
+                                        <p:tav tm="0">
+                                          <p:val>
+                                            <p:strVal val="#ppt_y+#ppt_h*1.125000"/>
+                                          </p:val>
+                                        </p:tav>
+                                        <p:tav tm="100000">
+                                          <p:val>
+                                            <p:strVal val="#ppt_y"/>
+                                          </p:val>
+                                        </p:tav>
+                                      </p:tavLst>
+                                    </p:anim>
+                                    <p:animEffect transition="in" filter="wipe(up)">
+                                      <p:cBhvr>
+                                        <p:cTn id="8" dur="500"/>
+                                        <p:tgtEl>
+                                          <p:spTgt spid="2"/>
+                                        </p:tgtEl>
+                                      </p:cBhvr>
+                                    </p:animEffect>
+                                  </p:childTnLst>
+                                </p:cTn>
+                              </p:par>
+                            </p:childTnLst>
+                          </p:cTn>
+                        </p:par>
+                      </p:childTnLst>
+                    </p:cTn>
+                  </p:par>
+                </p:childTnLst>
+              </p:cTn>
+              <p:prevCondLst>
+                <p:cond evt="onPrev" delay="0">
+                  <p:tgtEl>
+                    <p:sldTgt/>
+                  </p:tgtEl>
+                </p:cond>
+              </p:prevCondLst>
+              <p:nextCondLst>
+                <p:cond evt="onNext" delay="0">
+                  <p:tgtEl>
+                    <p:sldTgt/>
+                  </p:tgtEl>
+                </p:cond>
+              </p:nextCondLst>
+            </p:seq>
+          </p:childTnLst>
+        </p:cTn>
+      </p:par>
+    </p:tnLst>
+    <p:bldLst>
+      <p:bldP spid="2" grpId="0"/>
+    </p:bldLst>
+  </p:timing>
+</p:sld>
+</file>
+
+<file path=ppt/slides/slide19.xml><?xml version="1.0" encoding="utf-8"?>
+<p:sld xmlns:a="http://schemas.openxmlformats.org/drawingml/2006/main" xmlns:r="http://schemas.openxmlformats.org/officeDocument/2006/relationships" xmlns:p="http://schemas.openxmlformats.org/presentationml/2006/main">
+  <p:cSld>
+    <p:spTree>
+      <p:nvGrpSpPr>
+        <p:cNvPr id="1" name=""/>
+        <p:cNvGrpSpPr/>
+        <p:nvPr/>
+      </p:nvGrpSpPr>
+      <p:grpSpPr>
+        <a:xfrm>
+          <a:off x="0" y="0"/>
+          <a:ext cx="0" cy="0"/>
+          <a:chOff x="0" y="0"/>
+          <a:chExt cx="0" cy="0"/>
+        </a:xfrm>
+      </p:grpSpPr>
+      <p:sp>
+        <p:nvSpPr>
+          <p:cNvPr id="2" name="TextBox 1"/>
+          <p:cNvSpPr txBox="1"/>
+          <p:nvPr/>
+        </p:nvSpPr>
+        <p:spPr>
+          <a:xfrm>
+            <a:off x="2676070" y="514824"/>
+            <a:ext cx="6934200" cy="1015663"/>
+          </a:xfrm>
+          <a:prstGeom prst="rect">
+            <a:avLst/>
+          </a:prstGeom>
+          <a:noFill/>
+        </p:spPr>
+        <p:txBody>
+          <a:bodyPr wrap="square" rtlCol="0">
+            <a:spAutoFit/>
+          </a:bodyPr>
+          <a:lstStyle/>
+          <a:p>
+            <a:r>
+              <a:rPr lang="en-US" sz="6000" dirty="0">
+                <a:ln w="0"/>
+                <a:solidFill>
+                  <a:schemeClr val="accent1"/>
+                </a:solidFill>
+                <a:effectLst>
+                  <a:outerShdw blurRad="38100" dist="25400" dir="5400000" algn="ctr" rotWithShape="0">
+                    <a:srgbClr val="6E747A">
+                      <a:alpha val="43000"/>
+                    </a:srgbClr>
+                  </a:outerShdw>
+                </a:effectLst>
+              </a:rPr>
+              <a:t>4</a:t>
+            </a:r>
+            <a:r>
+              <a:rPr lang="en-US" sz="6000" dirty="0" smtClean="0">
+                <a:ln w="0"/>
+                <a:solidFill>
+                  <a:schemeClr val="accent1"/>
+                </a:solidFill>
+                <a:effectLst>
+                  <a:outerShdw blurRad="38100" dist="25400" dir="5400000" algn="ctr" rotWithShape="0">
+                    <a:srgbClr val="6E747A">
+                      <a:alpha val="43000"/>
+                    </a:srgbClr>
+                  </a:outerShdw>
+                </a:effectLst>
+              </a:rPr>
+              <a:t>.Hướng </a:t>
             </a:r>
             <a:r>
               <a:rPr lang="en-US" sz="6000" dirty="0">
@@ -13269,8 +13896,8 @@
         </p:nvSpPr>
         <p:spPr>
           <a:xfrm>
-            <a:off x="685800" y="2305095"/>
-            <a:ext cx="10914743" cy="1938992"/>
+            <a:off x="685798" y="1530487"/>
+            <a:ext cx="10914743" cy="5030673"/>
           </a:xfrm>
           <a:prstGeom prst="rect">
             <a:avLst/>
@@ -13282,52 +13909,64 @@
           </a:bodyPr>
           <a:lstStyle/>
           <a:p>
-            <a:pPr marL="342900" lvl="0" indent="-342900">
+            <a:pPr indent="457200" algn="just">
+              <a:lnSpc>
+                <a:spcPct val="150000"/>
+              </a:lnSpc>
               <a:spcAft>
-                <a:spcPts val="0"/>
+                <a:spcPts val="800"/>
               </a:spcAft>
-              <a:buFont typeface="Times New Roman" panose="02020603050405020304" pitchFamily="18" charset="0"/>
-              <a:buChar char="-"/>
             </a:pPr>
             <a:r>
-              <a:rPr lang="en-US" sz="4000" dirty="0" smtClean="0">
-                <a:latin typeface="Arial" panose="020B0604020202020204" pitchFamily="34" charset="0"/>
+              <a:rPr lang="en-US" sz="5400" dirty="0" smtClean="0">
+                <a:latin typeface="+mj-lt"/>
                 <a:ea typeface="Times New Roman" panose="02020603050405020304" pitchFamily="18" charset="0"/>
-                <a:cs typeface="Arial" panose="020B0604020202020204" pitchFamily="34" charset="0"/>
               </a:rPr>
-              <a:t>Tạo thêm chức năng tự động chơi.</a:t>
+              <a:t>Phát </a:t>
+            </a:r>
+            <a:r>
+              <a:rPr lang="en-US" sz="5400" dirty="0">
+                <a:latin typeface="+mj-lt"/>
+                <a:ea typeface="Times New Roman" panose="02020603050405020304" pitchFamily="18" charset="0"/>
+              </a:rPr>
+              <a:t>triển game có thể chơi trên web với những ngôn ngữ lập trình </a:t>
+            </a:r>
+            <a:r>
+              <a:rPr lang="en-US" sz="5400" dirty="0" smtClean="0">
+                <a:latin typeface="+mj-lt"/>
+                <a:ea typeface="Times New Roman" panose="02020603050405020304" pitchFamily="18" charset="0"/>
+              </a:rPr>
+              <a:t>khác.</a:t>
             </a:r>
           </a:p>
           <a:p>
-            <a:pPr marL="342900" lvl="0" indent="-342900">
+            <a:pPr indent="457200" algn="just">
+              <a:lnSpc>
+                <a:spcPct val="150000"/>
+              </a:lnSpc>
               <a:spcAft>
-                <a:spcPts val="0"/>
+                <a:spcPts val="800"/>
               </a:spcAft>
-              <a:buFont typeface="Times New Roman" panose="02020603050405020304" pitchFamily="18" charset="0"/>
-              <a:buChar char="-"/>
             </a:pPr>
             <a:r>
-              <a:rPr lang="en-US" sz="4000" dirty="0" smtClean="0">
-                <a:latin typeface="Arial" panose="020B0604020202020204" pitchFamily="34" charset="0"/>
+              <a:rPr lang="en-US" sz="5400" dirty="0" smtClean="0">
+                <a:latin typeface="+mj-lt"/>
                 <a:ea typeface="Times New Roman" panose="02020603050405020304" pitchFamily="18" charset="0"/>
-                <a:cs typeface="Arial" panose="020B0604020202020204" pitchFamily="34" charset="0"/>
               </a:rPr>
-              <a:t>Chức năng chỉ dẫn chơi khi người chơi bí.</a:t>
+              <a:t>Tạo </a:t>
             </a:r>
-          </a:p>
-          <a:p>
-            <a:pPr marL="342900" indent="-342900">
-              <a:buFont typeface="Times New Roman" panose="02020603050405020304" pitchFamily="18" charset="0"/>
-              <a:buChar char="-"/>
-            </a:pPr>
             <a:r>
-              <a:rPr lang="en-US" sz="4000" dirty="0" smtClean="0">
-                <a:latin typeface="Arial" panose="020B0604020202020204" pitchFamily="34" charset="0"/>
+              <a:rPr lang="en-US" sz="5400" dirty="0">
+                <a:latin typeface="+mj-lt"/>
                 <a:ea typeface="Times New Roman" panose="02020603050405020304" pitchFamily="18" charset="0"/>
-                <a:cs typeface="Arial" panose="020B0604020202020204" pitchFamily="34" charset="0"/>
               </a:rPr>
-              <a:t>Lưu điểm trực tuyến.</a:t>
+              <a:t>thêm chức năng tự động chơi (tự giải câu đố).</a:t>
             </a:r>
+            <a:endParaRPr lang="en-US" sz="5400" dirty="0" smtClean="0">
+              <a:latin typeface="+mj-lt"/>
+              <a:ea typeface="Times New Roman" panose="02020603050405020304" pitchFamily="18" charset="0"/>
+              <a:cs typeface="Arial" panose="020B0604020202020204" pitchFamily="34" charset="0"/>
+            </a:endParaRPr>
           </a:p>
         </p:txBody>
       </p:sp>
@@ -17937,7 +18576,7 @@
         <p:spPr bwMode="auto">
           <a:xfrm>
             <a:off x="3712369" y="429277"/>
-            <a:ext cx="5611292" cy="707886"/>
+            <a:ext cx="5611292" cy="830997"/>
           </a:xfrm>
           <a:prstGeom prst="rect">
             <a:avLst/>
@@ -17958,12 +18597,19 @@
           <a:p>
             <a:pPr algn="ctr"/>
             <a:r>
-              <a:rPr lang="en-US" sz="4000" b="1" dirty="0" smtClean="0">
+              <a:rPr lang="en-US" sz="4800" b="1" dirty="0" smtClean="0">
+                <a:solidFill>
+                  <a:srgbClr val="0070C0"/>
+                </a:solidFill>
                 <a:latin typeface="Arial" charset="0"/>
               </a:rPr>
               <a:t>Nội dung báo cáo</a:t>
             </a:r>
-            <a:endParaRPr lang="en-US" sz="4000" b="1" dirty="0"/>
+            <a:endParaRPr lang="en-US" sz="4800" b="1" dirty="0">
+              <a:solidFill>
+                <a:srgbClr val="0070C0"/>
+              </a:solidFill>
+            </a:endParaRPr>
           </a:p>
         </p:txBody>
       </p:sp>
@@ -18595,8 +19241,8 @@
         </p:nvSpPr>
         <p:spPr bwMode="auto">
           <a:xfrm>
-            <a:off x="2402190" y="2480873"/>
-            <a:ext cx="8209050" cy="707886"/>
+            <a:off x="1179651" y="2480873"/>
+            <a:ext cx="10120695" cy="830997"/>
           </a:xfrm>
           <a:prstGeom prst="rect">
             <a:avLst/>
@@ -18616,30 +19262,25 @@
           <a:lstStyle/>
           <a:p>
             <a:r>
-              <a:rPr lang="en-US" sz="4000" b="1" dirty="0" smtClean="0">
+              <a:rPr lang="en-US" sz="4800" b="1" dirty="0" smtClean="0">
+                <a:solidFill>
+                  <a:srgbClr val="00B050"/>
+                </a:solidFill>
                 <a:latin typeface="Arial" panose="020B0604020202020204" pitchFamily="34" charset="0"/>
                 <a:cs typeface="Arial" panose="020B0604020202020204" pitchFamily="34" charset="0"/>
               </a:rPr>
               <a:t>1.Giới </a:t>
             </a:r>
             <a:r>
-              <a:rPr lang="en-US" sz="4000" b="1" dirty="0">
+              <a:rPr lang="en-US" sz="4800" b="1" dirty="0">
+                <a:solidFill>
+                  <a:srgbClr val="00B050"/>
+                </a:solidFill>
                 <a:latin typeface="Arial" panose="020B0604020202020204" pitchFamily="34" charset="0"/>
                 <a:cs typeface="Arial" panose="020B0604020202020204" pitchFamily="34" charset="0"/>
               </a:rPr>
-              <a:t>thiệu </a:t>
+              <a:t>thiệu Game picture puzzle</a:t>
             </a:r>
-            <a:r>
-              <a:rPr lang="en-US" sz="4000" b="1" dirty="0">
-                <a:latin typeface="Arial" panose="020B0604020202020204" pitchFamily="34" charset="0"/>
-                <a:cs typeface="Arial" panose="020B0604020202020204" pitchFamily="34" charset="0"/>
-              </a:rPr>
-              <a:t>Game picture puzzle</a:t>
-            </a:r>
-            <a:endParaRPr lang="en-US" sz="4000" b="1" dirty="0">
-              <a:latin typeface="Arial" panose="020B0604020202020204" pitchFamily="34" charset="0"/>
-              <a:cs typeface="Arial" panose="020B0604020202020204" pitchFamily="34" charset="0"/>
-            </a:endParaRPr>
           </a:p>
         </p:txBody>
       </p:sp>
@@ -18653,8 +19294,8 @@
         </p:nvSpPr>
         <p:spPr bwMode="auto">
           <a:xfrm>
-            <a:off x="2402190" y="3676305"/>
-            <a:ext cx="7365925" cy="707886"/>
+            <a:off x="1179652" y="3676305"/>
+            <a:ext cx="10120694" cy="830997"/>
           </a:xfrm>
           <a:prstGeom prst="rect">
             <a:avLst/>
@@ -18674,18 +19315,28 @@
           <a:lstStyle/>
           <a:p>
             <a:r>
-              <a:rPr lang="en-US" sz="4000" b="1" dirty="0" smtClean="0">
+              <a:rPr lang="en-US" sz="4800" b="1" dirty="0" smtClean="0">
+                <a:solidFill>
+                  <a:srgbClr val="00B050"/>
+                </a:solidFill>
                 <a:latin typeface="Arial" charset="0"/>
               </a:rPr>
               <a:t>2.Lý </a:t>
             </a:r>
             <a:r>
-              <a:rPr lang="en-US" sz="4000" b="1" dirty="0">
+              <a:rPr lang="en-US" sz="4800" b="1" dirty="0">
+                <a:solidFill>
+                  <a:srgbClr val="00B050"/>
+                </a:solidFill>
                 <a:latin typeface="Arial" charset="0"/>
               </a:rPr>
               <a:t>do, mục đích chọn đề tài</a:t>
             </a:r>
-            <a:endParaRPr lang="en-US" sz="4000" b="1" dirty="0"/>
+            <a:endParaRPr lang="en-US" sz="4800" b="1" dirty="0">
+              <a:solidFill>
+                <a:srgbClr val="00B050"/>
+              </a:solidFill>
+            </a:endParaRPr>
           </a:p>
         </p:txBody>
       </p:sp>
@@ -18699,8 +19350,8 @@
         </p:nvSpPr>
         <p:spPr bwMode="auto">
           <a:xfrm>
-            <a:off x="2402190" y="4741108"/>
-            <a:ext cx="5611292" cy="707886"/>
+            <a:off x="1179651" y="4741108"/>
+            <a:ext cx="6833831" cy="830997"/>
           </a:xfrm>
           <a:prstGeom prst="rect">
             <a:avLst/>
@@ -18720,12 +19371,19 @@
           <a:lstStyle/>
           <a:p>
             <a:r>
-              <a:rPr lang="en-US" sz="4000" b="1" dirty="0" smtClean="0">
+              <a:rPr lang="en-US" sz="4800" b="1" dirty="0" smtClean="0">
+                <a:solidFill>
+                  <a:srgbClr val="00B050"/>
+                </a:solidFill>
                 <a:latin typeface="Arial" charset="0"/>
               </a:rPr>
               <a:t>3.Mục tiêu đề tài</a:t>
             </a:r>
-            <a:endParaRPr lang="en-US" sz="4000" b="1" dirty="0"/>
+            <a:endParaRPr lang="en-US" sz="4800" b="1" dirty="0">
+              <a:solidFill>
+                <a:srgbClr val="00B050"/>
+              </a:solidFill>
+            </a:endParaRPr>
           </a:p>
         </p:txBody>
       </p:sp>
@@ -18739,8 +19397,8 @@
         </p:nvSpPr>
         <p:spPr bwMode="auto">
           <a:xfrm>
-            <a:off x="2031647" y="1175271"/>
-            <a:ext cx="8579593" cy="707886"/>
+            <a:off x="1179651" y="1113716"/>
+            <a:ext cx="10283585" cy="830997"/>
           </a:xfrm>
           <a:prstGeom prst="rect">
             <a:avLst/>
@@ -18761,9 +19419,9 @@
           <a:p>
             <a:pPr algn="ctr"/>
             <a:r>
-              <a:rPr lang="en-US" sz="4000" b="1" dirty="0" err="1">
+              <a:rPr lang="en-US" sz="4800" b="1" dirty="0" err="1">
                 <a:solidFill>
-                  <a:srgbClr val="7F7F7F"/>
+                  <a:srgbClr val="0070C0"/>
                 </a:solidFill>
                 <a:latin typeface="Arial" charset="0"/>
                 <a:ea typeface="Verdana" pitchFamily="34" charset="0"/>
@@ -18771,9 +19429,9 @@
               <a:t>Chương</a:t>
             </a:r>
             <a:r>
-              <a:rPr lang="en-US" sz="4000" b="1" dirty="0">
+              <a:rPr lang="en-US" sz="4800" b="1" dirty="0">
                 <a:solidFill>
-                  <a:srgbClr val="7F7F7F"/>
+                  <a:srgbClr val="0070C0"/>
                 </a:solidFill>
                 <a:latin typeface="Arial" charset="0"/>
                 <a:ea typeface="Verdana" pitchFamily="34" charset="0"/>
@@ -18781,9 +19439,9 @@
               <a:t> 1 : </a:t>
             </a:r>
             <a:r>
-              <a:rPr lang="en-US" sz="4000" b="1" dirty="0" err="1">
+              <a:rPr lang="en-US" sz="4800" b="1" dirty="0" err="1">
                 <a:solidFill>
-                  <a:srgbClr val="7F7F7F"/>
+                  <a:srgbClr val="0070C0"/>
                 </a:solidFill>
                 <a:latin typeface="Arial" charset="0"/>
                 <a:ea typeface="Verdana" pitchFamily="34" charset="0"/>
@@ -18791,9 +19449,9 @@
               <a:t>Tổng</a:t>
             </a:r>
             <a:r>
-              <a:rPr lang="en-US" sz="4000" b="1" dirty="0">
+              <a:rPr lang="en-US" sz="4800" b="1" dirty="0">
                 <a:solidFill>
-                  <a:srgbClr val="7F7F7F"/>
+                  <a:srgbClr val="0070C0"/>
                 </a:solidFill>
                 <a:latin typeface="Arial" charset="0"/>
                 <a:ea typeface="Verdana" pitchFamily="34" charset="0"/>
@@ -18801,9 +19459,9 @@
               <a:t> </a:t>
             </a:r>
             <a:r>
-              <a:rPr lang="en-US" sz="4000" b="1" dirty="0" err="1">
+              <a:rPr lang="en-US" sz="4800" b="1" dirty="0" err="1">
                 <a:solidFill>
-                  <a:srgbClr val="7F7F7F"/>
+                  <a:srgbClr val="0070C0"/>
                 </a:solidFill>
                 <a:latin typeface="Arial" charset="0"/>
                 <a:ea typeface="Verdana" pitchFamily="34" charset="0"/>
@@ -18811,9 +19469,9 @@
               <a:t>quan</a:t>
             </a:r>
             <a:r>
-              <a:rPr lang="en-US" sz="4000" b="1" dirty="0">
+              <a:rPr lang="en-US" sz="4800" b="1" dirty="0">
                 <a:solidFill>
-                  <a:srgbClr val="7F7F7F"/>
+                  <a:srgbClr val="0070C0"/>
                 </a:solidFill>
                 <a:latin typeface="Arial" charset="0"/>
                 <a:ea typeface="Verdana" pitchFamily="34" charset="0"/>
@@ -18821,9 +19479,9 @@
               <a:t> </a:t>
             </a:r>
             <a:r>
-              <a:rPr lang="en-US" sz="4000" b="1" dirty="0" err="1">
+              <a:rPr lang="en-US" sz="4800" b="1" dirty="0" err="1">
                 <a:solidFill>
-                  <a:srgbClr val="7F7F7F"/>
+                  <a:srgbClr val="0070C0"/>
                 </a:solidFill>
                 <a:latin typeface="Arial" charset="0"/>
                 <a:ea typeface="Verdana" pitchFamily="34" charset="0"/>
@@ -18831,9 +19489,9 @@
               <a:t>chọn</a:t>
             </a:r>
             <a:r>
-              <a:rPr lang="en-US" sz="4000" b="1" dirty="0">
+              <a:rPr lang="en-US" sz="4800" b="1" dirty="0">
                 <a:solidFill>
-                  <a:srgbClr val="7F7F7F"/>
+                  <a:srgbClr val="0070C0"/>
                 </a:solidFill>
                 <a:latin typeface="Arial" charset="0"/>
                 <a:ea typeface="Verdana" pitchFamily="34" charset="0"/>
@@ -18841,9 +19499,9 @@
               <a:t> </a:t>
             </a:r>
             <a:r>
-              <a:rPr lang="en-US" sz="4000" b="1" dirty="0" err="1">
+              <a:rPr lang="en-US" sz="4800" b="1" dirty="0" err="1">
                 <a:solidFill>
-                  <a:srgbClr val="7F7F7F"/>
+                  <a:srgbClr val="0070C0"/>
                 </a:solidFill>
                 <a:latin typeface="Arial" charset="0"/>
                 <a:ea typeface="Verdana" pitchFamily="34" charset="0"/>
@@ -18851,9 +19509,9 @@
               <a:t>đề</a:t>
             </a:r>
             <a:r>
-              <a:rPr lang="en-US" sz="4000" b="1" dirty="0">
+              <a:rPr lang="en-US" sz="4800" b="1" dirty="0">
                 <a:solidFill>
-                  <a:srgbClr val="7F7F7F"/>
+                  <a:srgbClr val="0070C0"/>
                 </a:solidFill>
                 <a:latin typeface="Arial" charset="0"/>
                 <a:ea typeface="Verdana" pitchFamily="34" charset="0"/>
@@ -18861,18 +19519,18 @@
               <a:t> </a:t>
             </a:r>
             <a:r>
-              <a:rPr lang="en-US" sz="4000" b="1" dirty="0" err="1">
+              <a:rPr lang="en-US" sz="4800" b="1" dirty="0" err="1">
                 <a:solidFill>
-                  <a:srgbClr val="7F7F7F"/>
+                  <a:srgbClr val="0070C0"/>
                 </a:solidFill>
                 <a:latin typeface="Arial" charset="0"/>
                 <a:ea typeface="Verdana" pitchFamily="34" charset="0"/>
               </a:rPr>
               <a:t>tài</a:t>
             </a:r>
-            <a:endParaRPr lang="en-US" sz="4000" b="1" dirty="0">
+            <a:endParaRPr lang="en-US" sz="4800" b="1" dirty="0">
               <a:solidFill>
-                <a:srgbClr val="7F7F7F"/>
+                <a:srgbClr val="0070C0"/>
               </a:solidFill>
               <a:latin typeface="Arial" charset="0"/>
               <a:ea typeface="Verdana" pitchFamily="34" charset="0"/>
@@ -19190,7 +19848,7 @@
         <p:spPr>
           <a:xfrm>
             <a:off x="0" y="5103674"/>
-            <a:ext cx="12192000" cy="1754326"/>
+            <a:ext cx="12192000" cy="1200329"/>
           </a:xfrm>
           <a:prstGeom prst="rect">
             <a:avLst/>
@@ -19204,11 +19862,18 @@
           <a:p>
             <a:pPr algn="just"/>
             <a:r>
+              <a:rPr lang="en-US" sz="3600" dirty="0" smtClean="0">
+                <a:latin typeface="Times New Roman" panose="02020603050405020304" pitchFamily="18" charset="0"/>
+                <a:ea typeface="Times New Roman" panose="02020603050405020304" pitchFamily="18" charset="0"/>
+              </a:rPr>
+              <a:t>	Sản </a:t>
+            </a:r>
+            <a:r>
               <a:rPr lang="en-US" sz="3600" dirty="0">
                 <a:latin typeface="Times New Roman" panose="02020603050405020304" pitchFamily="18" charset="0"/>
                 <a:ea typeface="Times New Roman" panose="02020603050405020304" pitchFamily="18" charset="0"/>
               </a:rPr>
-              <a:t>Sản phẩm </a:t>
+              <a:t>phẩm </a:t>
             </a:r>
             <a:r>
               <a:rPr lang="en-US" sz="3600" dirty="0" smtClean="0">
@@ -19222,7 +19887,28 @@
                 <a:latin typeface="Times New Roman" panose="02020603050405020304" pitchFamily="18" charset="0"/>
                 <a:ea typeface="Times New Roman" panose="02020603050405020304" pitchFamily="18" charset="0"/>
               </a:rPr>
-              <a:t>án muốn xây dựng là Game picture puzzle (trò chơi xếp hình từ ảnh đã được cắt ra nhiều ô vuông có kích thước bằng nhau).</a:t>
+              <a:t>án muốn xây dựng là </a:t>
+            </a:r>
+            <a:r>
+              <a:rPr lang="en-US" sz="3600" dirty="0" smtClean="0">
+                <a:latin typeface="Times New Roman" panose="02020603050405020304" pitchFamily="18" charset="0"/>
+                <a:ea typeface="Times New Roman" panose="02020603050405020304" pitchFamily="18" charset="0"/>
+              </a:rPr>
+              <a:t>trò </a:t>
+            </a:r>
+            <a:r>
+              <a:rPr lang="en-US" sz="3600" dirty="0">
+                <a:latin typeface="Times New Roman" panose="02020603050405020304" pitchFamily="18" charset="0"/>
+                <a:ea typeface="Times New Roman" panose="02020603050405020304" pitchFamily="18" charset="0"/>
+              </a:rPr>
+              <a:t>chơi xếp hình từ ảnh đã được cắt ra nhiều ô vuông </a:t>
+            </a:r>
+            <a:r>
+              <a:rPr lang="en-US" sz="3600" dirty="0" smtClean="0">
+                <a:latin typeface="Times New Roman" panose="02020603050405020304" pitchFamily="18" charset="0"/>
+                <a:ea typeface="Times New Roman" panose="02020603050405020304" pitchFamily="18" charset="0"/>
+              </a:rPr>
+              <a:t>bằng nhau.</a:t>
             </a:r>
             <a:endParaRPr lang="en-US" sz="3600" dirty="0"/>
           </a:p>
@@ -19260,6 +19946,9 @@
           <a:p>
             <a:r>
               <a:rPr lang="en-US" sz="4000" b="1" dirty="0" smtClean="0">
+                <a:solidFill>
+                  <a:srgbClr val="00B0F0"/>
+                </a:solidFill>
                 <a:latin typeface="Arial" panose="020B0604020202020204" pitchFamily="34" charset="0"/>
                 <a:cs typeface="Arial" panose="020B0604020202020204" pitchFamily="34" charset="0"/>
               </a:rPr>
@@ -19267,19 +19956,28 @@
             </a:r>
             <a:r>
               <a:rPr lang="en-US" sz="4000" b="1" dirty="0">
+                <a:solidFill>
+                  <a:srgbClr val="00B0F0"/>
+                </a:solidFill>
                 <a:latin typeface="Arial" panose="020B0604020202020204" pitchFamily="34" charset="0"/>
                 <a:cs typeface="Arial" panose="020B0604020202020204" pitchFamily="34" charset="0"/>
               </a:rPr>
-              <a:t>thiệu </a:t>
+              <a:t>thiệu Game </a:t>
             </a:r>
             <a:r>
-              <a:rPr lang="en-US" sz="4000" b="1" dirty="0">
+              <a:rPr lang="en-US" sz="4000" b="1" dirty="0" smtClean="0">
+                <a:solidFill>
+                  <a:srgbClr val="00B0F0"/>
+                </a:solidFill>
                 <a:latin typeface="Arial" panose="020B0604020202020204" pitchFamily="34" charset="0"/>
                 <a:cs typeface="Arial" panose="020B0604020202020204" pitchFamily="34" charset="0"/>
               </a:rPr>
-              <a:t>Game picture puzzle</a:t>
+              <a:t>xếp hình</a:t>
             </a:r>
             <a:endParaRPr lang="en-US" sz="4000" b="1" dirty="0">
+              <a:solidFill>
+                <a:srgbClr val="00B0F0"/>
+              </a:solidFill>
               <a:latin typeface="Arial" panose="020B0604020202020204" pitchFamily="34" charset="0"/>
               <a:cs typeface="Arial" panose="020B0604020202020204" pitchFamily="34" charset="0"/>
             </a:endParaRPr>
@@ -19434,7 +20132,7 @@
         </p:nvSpPr>
         <p:spPr>
           <a:xfrm>
-            <a:off x="1582056" y="2019358"/>
+            <a:off x="1336396" y="1132254"/>
             <a:ext cx="9521371" cy="3416320"/>
           </a:xfrm>
           <a:prstGeom prst="rect">
@@ -19461,7 +20159,15 @@
                 <a:ea typeface="Times New Roman" panose="02020603050405020304" pitchFamily="18" charset="0"/>
                 <a:cs typeface="Arial" panose="020B0604020202020204" pitchFamily="34" charset="0"/>
               </a:rPr>
-              <a:t>Nhằm tạo ra một </a:t>
+              <a:t>	Nhằm </a:t>
+            </a:r>
+            <a:r>
+              <a:rPr lang="en-US" sz="3600" dirty="0" smtClean="0">
+                <a:latin typeface="Arial" panose="020B0604020202020204" pitchFamily="34" charset="0"/>
+                <a:ea typeface="Times New Roman" panose="02020603050405020304" pitchFamily="18" charset="0"/>
+                <a:cs typeface="Arial" panose="020B0604020202020204" pitchFamily="34" charset="0"/>
+              </a:rPr>
+              <a:t>tạo ra một </a:t>
             </a:r>
             <a:r>
               <a:rPr lang="en-US" sz="3600" dirty="0">
@@ -19484,8 +20190,8 @@
         </p:nvSpPr>
         <p:spPr bwMode="auto">
           <a:xfrm>
-            <a:off x="1582056" y="841828"/>
-            <a:ext cx="12192000" cy="707886"/>
+            <a:off x="1336396" y="241326"/>
+            <a:ext cx="8394458" cy="707886"/>
           </a:xfrm>
           <a:prstGeom prst="rect">
             <a:avLst/>
@@ -19506,25 +20212,48 @@
           <a:p>
             <a:r>
               <a:rPr lang="en-US" sz="4000" b="1" dirty="0" smtClean="0">
+                <a:solidFill>
+                  <a:srgbClr val="00B0F0"/>
+                </a:solidFill>
                 <a:latin typeface="Arial" panose="020B0604020202020204" pitchFamily="34" charset="0"/>
                 <a:cs typeface="Arial" panose="020B0604020202020204" pitchFamily="34" charset="0"/>
               </a:rPr>
-              <a:t>2</a:t>
-            </a:r>
-            <a:r>
-              <a:rPr lang="en-US" sz="4000" b="1" dirty="0" smtClean="0">
-                <a:latin typeface="Arial" panose="020B0604020202020204" pitchFamily="34" charset="0"/>
-                <a:cs typeface="Arial" panose="020B0604020202020204" pitchFamily="34" charset="0"/>
-              </a:rPr>
-              <a:t>.Lý do, mục đích chọn đề tài</a:t>
+              <a:t>2.Lý do, mục đích chọn đề tài</a:t>
             </a:r>
             <a:endParaRPr lang="en-US" sz="4000" b="1" dirty="0">
+              <a:solidFill>
+                <a:srgbClr val="00B0F0"/>
+              </a:solidFill>
               <a:latin typeface="Arial" panose="020B0604020202020204" pitchFamily="34" charset="0"/>
               <a:cs typeface="Arial" panose="020B0604020202020204" pitchFamily="34" charset="0"/>
             </a:endParaRPr>
           </a:p>
         </p:txBody>
       </p:sp>
+      <p:pic>
+        <p:nvPicPr>
+          <p:cNvPr id="6" name="Picture 5"/>
+          <p:cNvPicPr>
+            <a:picLocks noChangeAspect="1"/>
+          </p:cNvPicPr>
+          <p:nvPr/>
+        </p:nvPicPr>
+        <p:blipFill>
+          <a:blip r:embed="rId2"/>
+          <a:stretch>
+            <a:fillRect/>
+          </a:stretch>
+        </p:blipFill>
+        <p:spPr>
+          <a:xfrm>
+            <a:off x="3050943" y="4731616"/>
+            <a:ext cx="6092276" cy="1709625"/>
+          </a:xfrm>
+          <a:prstGeom prst="rect">
+            <a:avLst/>
+          </a:prstGeom>
+        </p:spPr>
+      </p:pic>
     </p:spTree>
     <p:extLst>
       <p:ext uri="{BB962C8B-B14F-4D97-AF65-F5344CB8AC3E}">
@@ -19648,7 +20377,7 @@
           <p:nvPr>
             <p:extLst>
               <p:ext uri="{D42A27DB-BD31-4B8C-83A1-F6EECF244321}">
-                <p14:modId xmlns:p14="http://schemas.microsoft.com/office/powerpoint/2010/main" val="1319596328"/>
+                <p14:modId xmlns:p14="http://schemas.microsoft.com/office/powerpoint/2010/main" val="3636756318"/>
               </p:ext>
             </p:extLst>
           </p:nvPr>
@@ -19673,7 +20402,7 @@
         </p:nvSpPr>
         <p:spPr bwMode="auto">
           <a:xfrm>
-            <a:off x="0" y="0"/>
+            <a:off x="723331" y="559559"/>
             <a:ext cx="7547429" cy="707886"/>
           </a:xfrm>
           <a:prstGeom prst="rect">
@@ -19695,12 +20424,18 @@
           <a:p>
             <a:r>
               <a:rPr lang="en-US" sz="4000" b="1" dirty="0" smtClean="0">
+                <a:solidFill>
+                  <a:srgbClr val="00B0F0"/>
+                </a:solidFill>
                 <a:latin typeface="Arial" panose="020B0604020202020204" pitchFamily="34" charset="0"/>
                 <a:cs typeface="Arial" panose="020B0604020202020204" pitchFamily="34" charset="0"/>
               </a:rPr>
               <a:t>3.Mục tiêu đề tài</a:t>
             </a:r>
             <a:endParaRPr lang="en-US" sz="4000" b="1" dirty="0">
+              <a:solidFill>
+                <a:srgbClr val="00B0F0"/>
+              </a:solidFill>
               <a:latin typeface="Arial" panose="020B0604020202020204" pitchFamily="34" charset="0"/>
               <a:cs typeface="Arial" panose="020B0604020202020204" pitchFamily="34" charset="0"/>
             </a:endParaRPr>
@@ -19959,7 +20694,7 @@
             <a:r>
               <a:rPr lang="en-US" sz="4000" b="1" dirty="0">
                 <a:solidFill>
-                  <a:srgbClr val="7F7F7F"/>
+                  <a:srgbClr val="0070C0"/>
                 </a:solidFill>
                 <a:latin typeface="Arial" charset="0"/>
                 <a:ea typeface="Verdana" pitchFamily="34" charset="0"/>
@@ -19969,7 +20704,7 @@
             <a:r>
               <a:rPr lang="en-US" sz="4000" b="1" dirty="0" smtClean="0">
                 <a:solidFill>
-                  <a:srgbClr val="7F7F7F"/>
+                  <a:srgbClr val="0070C0"/>
                 </a:solidFill>
                 <a:latin typeface="Arial" charset="0"/>
                 <a:ea typeface="Verdana" pitchFamily="34" charset="0"/>
@@ -19979,7 +20714,7 @@
             <a:r>
               <a:rPr lang="en-US" sz="4000" b="1" dirty="0">
                 <a:solidFill>
-                  <a:srgbClr val="7F7F7F"/>
+                  <a:srgbClr val="0070C0"/>
                 </a:solidFill>
                 <a:latin typeface="Arial" charset="0"/>
                 <a:ea typeface="Verdana" pitchFamily="34" charset="0"/>
@@ -19989,7 +20724,7 @@
             <a:r>
               <a:rPr lang="en-US" sz="4000" b="1" dirty="0" smtClean="0">
                 <a:solidFill>
-                  <a:srgbClr val="7F7F7F"/>
+                  <a:srgbClr val="0070C0"/>
                 </a:solidFill>
                 <a:latin typeface="Arial" charset="0"/>
                 <a:ea typeface="Verdana" pitchFamily="34" charset="0"/>
@@ -19998,929 +20733,11 @@
             </a:r>
             <a:endParaRPr lang="en-US" sz="4000" b="1" dirty="0">
               <a:solidFill>
-                <a:srgbClr val="7F7F7F"/>
+                <a:srgbClr val="0070C0"/>
               </a:solidFill>
               <a:latin typeface="Arial" charset="0"/>
               <a:ea typeface="Verdana" pitchFamily="34" charset="0"/>
             </a:endParaRPr>
-          </a:p>
-        </p:txBody>
-      </p:sp>
-      <p:sp>
-        <p:nvSpPr>
-          <p:cNvPr id="3" name="Freeform 2"/>
-          <p:cNvSpPr/>
-          <p:nvPr/>
-        </p:nvSpPr>
-        <p:spPr>
-          <a:xfrm>
-            <a:off x="6257938" y="3811219"/>
-            <a:ext cx="3586162" cy="1614487"/>
-          </a:xfrm>
-          <a:custGeom>
-            <a:avLst/>
-            <a:gdLst>
-              <a:gd name="connsiteX0" fmla="*/ 123825 w 2679700"/>
-              <a:gd name="connsiteY0" fmla="*/ 1006475 h 1006475"/>
-              <a:gd name="connsiteX1" fmla="*/ 2200275 w 2679700"/>
-              <a:gd name="connsiteY1" fmla="*/ 1006475 h 1006475"/>
-              <a:gd name="connsiteX2" fmla="*/ 2679700 w 2679700"/>
-              <a:gd name="connsiteY2" fmla="*/ 806450 h 1006475"/>
-              <a:gd name="connsiteX3" fmla="*/ 2501900 w 2679700"/>
-              <a:gd name="connsiteY3" fmla="*/ 396875 h 1006475"/>
-              <a:gd name="connsiteX4" fmla="*/ 1666875 w 2679700"/>
-              <a:gd name="connsiteY4" fmla="*/ 0 h 1006475"/>
-              <a:gd name="connsiteX5" fmla="*/ 600075 w 2679700"/>
-              <a:gd name="connsiteY5" fmla="*/ 25400 h 1006475"/>
-              <a:gd name="connsiteX6" fmla="*/ 0 w 2679700"/>
-              <a:gd name="connsiteY6" fmla="*/ 615950 h 1006475"/>
-              <a:gd name="connsiteX7" fmla="*/ 123825 w 2679700"/>
-              <a:gd name="connsiteY7" fmla="*/ 1006475 h 1006475"/>
-              <a:gd name="connsiteX0" fmla="*/ 123825 w 2679700"/>
-              <a:gd name="connsiteY0" fmla="*/ 1006475 h 1006475"/>
-              <a:gd name="connsiteX1" fmla="*/ 2200275 w 2679700"/>
-              <a:gd name="connsiteY1" fmla="*/ 1006475 h 1006475"/>
-              <a:gd name="connsiteX2" fmla="*/ 2679700 w 2679700"/>
-              <a:gd name="connsiteY2" fmla="*/ 806450 h 1006475"/>
-              <a:gd name="connsiteX3" fmla="*/ 2501900 w 2679700"/>
-              <a:gd name="connsiteY3" fmla="*/ 396875 h 1006475"/>
-              <a:gd name="connsiteX4" fmla="*/ 1666875 w 2679700"/>
-              <a:gd name="connsiteY4" fmla="*/ 0 h 1006475"/>
-              <a:gd name="connsiteX5" fmla="*/ 600075 w 2679700"/>
-              <a:gd name="connsiteY5" fmla="*/ 25400 h 1006475"/>
-              <a:gd name="connsiteX6" fmla="*/ 0 w 2679700"/>
-              <a:gd name="connsiteY6" fmla="*/ 615950 h 1006475"/>
-              <a:gd name="connsiteX7" fmla="*/ 123825 w 2679700"/>
-              <a:gd name="connsiteY7" fmla="*/ 1006475 h 1006475"/>
-              <a:gd name="connsiteX0" fmla="*/ 123825 w 2679700"/>
-              <a:gd name="connsiteY0" fmla="*/ 1006475 h 1006475"/>
-              <a:gd name="connsiteX1" fmla="*/ 2200275 w 2679700"/>
-              <a:gd name="connsiteY1" fmla="*/ 1006475 h 1006475"/>
-              <a:gd name="connsiteX2" fmla="*/ 2679700 w 2679700"/>
-              <a:gd name="connsiteY2" fmla="*/ 806450 h 1006475"/>
-              <a:gd name="connsiteX3" fmla="*/ 2501900 w 2679700"/>
-              <a:gd name="connsiteY3" fmla="*/ 396875 h 1006475"/>
-              <a:gd name="connsiteX4" fmla="*/ 1666875 w 2679700"/>
-              <a:gd name="connsiteY4" fmla="*/ 0 h 1006475"/>
-              <a:gd name="connsiteX5" fmla="*/ 600075 w 2679700"/>
-              <a:gd name="connsiteY5" fmla="*/ 25400 h 1006475"/>
-              <a:gd name="connsiteX6" fmla="*/ 0 w 2679700"/>
-              <a:gd name="connsiteY6" fmla="*/ 615950 h 1006475"/>
-              <a:gd name="connsiteX7" fmla="*/ 123825 w 2679700"/>
-              <a:gd name="connsiteY7" fmla="*/ 1006475 h 1006475"/>
-              <a:gd name="connsiteX0" fmla="*/ 123825 w 2704185"/>
-              <a:gd name="connsiteY0" fmla="*/ 1006475 h 1006475"/>
-              <a:gd name="connsiteX1" fmla="*/ 2200275 w 2704185"/>
-              <a:gd name="connsiteY1" fmla="*/ 1006475 h 1006475"/>
-              <a:gd name="connsiteX2" fmla="*/ 2679700 w 2704185"/>
-              <a:gd name="connsiteY2" fmla="*/ 806450 h 1006475"/>
-              <a:gd name="connsiteX3" fmla="*/ 2501900 w 2704185"/>
-              <a:gd name="connsiteY3" fmla="*/ 396875 h 1006475"/>
-              <a:gd name="connsiteX4" fmla="*/ 1666875 w 2704185"/>
-              <a:gd name="connsiteY4" fmla="*/ 0 h 1006475"/>
-              <a:gd name="connsiteX5" fmla="*/ 600075 w 2704185"/>
-              <a:gd name="connsiteY5" fmla="*/ 25400 h 1006475"/>
-              <a:gd name="connsiteX6" fmla="*/ 0 w 2704185"/>
-              <a:gd name="connsiteY6" fmla="*/ 615950 h 1006475"/>
-              <a:gd name="connsiteX7" fmla="*/ 123825 w 2704185"/>
-              <a:gd name="connsiteY7" fmla="*/ 1006475 h 1006475"/>
-              <a:gd name="connsiteX0" fmla="*/ 123825 w 2710992"/>
-              <a:gd name="connsiteY0" fmla="*/ 1006475 h 1006475"/>
-              <a:gd name="connsiteX1" fmla="*/ 2200275 w 2710992"/>
-              <a:gd name="connsiteY1" fmla="*/ 1006475 h 1006475"/>
-              <a:gd name="connsiteX2" fmla="*/ 2679700 w 2710992"/>
-              <a:gd name="connsiteY2" fmla="*/ 806450 h 1006475"/>
-              <a:gd name="connsiteX3" fmla="*/ 2501900 w 2710992"/>
-              <a:gd name="connsiteY3" fmla="*/ 396875 h 1006475"/>
-              <a:gd name="connsiteX4" fmla="*/ 1666875 w 2710992"/>
-              <a:gd name="connsiteY4" fmla="*/ 0 h 1006475"/>
-              <a:gd name="connsiteX5" fmla="*/ 600075 w 2710992"/>
-              <a:gd name="connsiteY5" fmla="*/ 25400 h 1006475"/>
-              <a:gd name="connsiteX6" fmla="*/ 0 w 2710992"/>
-              <a:gd name="connsiteY6" fmla="*/ 615950 h 1006475"/>
-              <a:gd name="connsiteX7" fmla="*/ 123825 w 2710992"/>
-              <a:gd name="connsiteY7" fmla="*/ 1006475 h 1006475"/>
-              <a:gd name="connsiteX0" fmla="*/ 123825 w 2710992"/>
-              <a:gd name="connsiteY0" fmla="*/ 1006475 h 1006475"/>
-              <a:gd name="connsiteX1" fmla="*/ 2200275 w 2710992"/>
-              <a:gd name="connsiteY1" fmla="*/ 1006475 h 1006475"/>
-              <a:gd name="connsiteX2" fmla="*/ 2679700 w 2710992"/>
-              <a:gd name="connsiteY2" fmla="*/ 806450 h 1006475"/>
-              <a:gd name="connsiteX3" fmla="*/ 2501900 w 2710992"/>
-              <a:gd name="connsiteY3" fmla="*/ 396875 h 1006475"/>
-              <a:gd name="connsiteX4" fmla="*/ 1666875 w 2710992"/>
-              <a:gd name="connsiteY4" fmla="*/ 0 h 1006475"/>
-              <a:gd name="connsiteX5" fmla="*/ 600075 w 2710992"/>
-              <a:gd name="connsiteY5" fmla="*/ 25400 h 1006475"/>
-              <a:gd name="connsiteX6" fmla="*/ 0 w 2710992"/>
-              <a:gd name="connsiteY6" fmla="*/ 615950 h 1006475"/>
-              <a:gd name="connsiteX7" fmla="*/ 123825 w 2710992"/>
-              <a:gd name="connsiteY7" fmla="*/ 1006475 h 1006475"/>
-              <a:gd name="connsiteX0" fmla="*/ 123825 w 2710992"/>
-              <a:gd name="connsiteY0" fmla="*/ 1101363 h 1101363"/>
-              <a:gd name="connsiteX1" fmla="*/ 2200275 w 2710992"/>
-              <a:gd name="connsiteY1" fmla="*/ 1101363 h 1101363"/>
-              <a:gd name="connsiteX2" fmla="*/ 2679700 w 2710992"/>
-              <a:gd name="connsiteY2" fmla="*/ 901338 h 1101363"/>
-              <a:gd name="connsiteX3" fmla="*/ 2501900 w 2710992"/>
-              <a:gd name="connsiteY3" fmla="*/ 491763 h 1101363"/>
-              <a:gd name="connsiteX4" fmla="*/ 1666875 w 2710992"/>
-              <a:gd name="connsiteY4" fmla="*/ 94888 h 1101363"/>
-              <a:gd name="connsiteX5" fmla="*/ 600075 w 2710992"/>
-              <a:gd name="connsiteY5" fmla="*/ 120288 h 1101363"/>
-              <a:gd name="connsiteX6" fmla="*/ 0 w 2710992"/>
-              <a:gd name="connsiteY6" fmla="*/ 710838 h 1101363"/>
-              <a:gd name="connsiteX7" fmla="*/ 123825 w 2710992"/>
-              <a:gd name="connsiteY7" fmla="*/ 1101363 h 1101363"/>
-              <a:gd name="connsiteX0" fmla="*/ 123825 w 2710992"/>
-              <a:gd name="connsiteY0" fmla="*/ 1173121 h 1173121"/>
-              <a:gd name="connsiteX1" fmla="*/ 2200275 w 2710992"/>
-              <a:gd name="connsiteY1" fmla="*/ 1173121 h 1173121"/>
-              <a:gd name="connsiteX2" fmla="*/ 2679700 w 2710992"/>
-              <a:gd name="connsiteY2" fmla="*/ 973096 h 1173121"/>
-              <a:gd name="connsiteX3" fmla="*/ 2501900 w 2710992"/>
-              <a:gd name="connsiteY3" fmla="*/ 563521 h 1173121"/>
-              <a:gd name="connsiteX4" fmla="*/ 1666875 w 2710992"/>
-              <a:gd name="connsiteY4" fmla="*/ 166646 h 1173121"/>
-              <a:gd name="connsiteX5" fmla="*/ 600075 w 2710992"/>
-              <a:gd name="connsiteY5" fmla="*/ 192046 h 1173121"/>
-              <a:gd name="connsiteX6" fmla="*/ 0 w 2710992"/>
-              <a:gd name="connsiteY6" fmla="*/ 782596 h 1173121"/>
-              <a:gd name="connsiteX7" fmla="*/ 123825 w 2710992"/>
-              <a:gd name="connsiteY7" fmla="*/ 1173121 h 1173121"/>
-              <a:gd name="connsiteX0" fmla="*/ 123825 w 2710992"/>
-              <a:gd name="connsiteY0" fmla="*/ 1285704 h 1285704"/>
-              <a:gd name="connsiteX1" fmla="*/ 2200275 w 2710992"/>
-              <a:gd name="connsiteY1" fmla="*/ 1285704 h 1285704"/>
-              <a:gd name="connsiteX2" fmla="*/ 2679700 w 2710992"/>
-              <a:gd name="connsiteY2" fmla="*/ 1085679 h 1285704"/>
-              <a:gd name="connsiteX3" fmla="*/ 2501900 w 2710992"/>
-              <a:gd name="connsiteY3" fmla="*/ 676104 h 1285704"/>
-              <a:gd name="connsiteX4" fmla="*/ 1666875 w 2710992"/>
-              <a:gd name="connsiteY4" fmla="*/ 279229 h 1285704"/>
-              <a:gd name="connsiteX5" fmla="*/ 600075 w 2710992"/>
-              <a:gd name="connsiteY5" fmla="*/ 304629 h 1285704"/>
-              <a:gd name="connsiteX6" fmla="*/ 0 w 2710992"/>
-              <a:gd name="connsiteY6" fmla="*/ 895179 h 1285704"/>
-              <a:gd name="connsiteX7" fmla="*/ 123825 w 2710992"/>
-              <a:gd name="connsiteY7" fmla="*/ 1285704 h 1285704"/>
-              <a:gd name="connsiteX0" fmla="*/ 123825 w 2710992"/>
-              <a:gd name="connsiteY0" fmla="*/ 1285704 h 1285704"/>
-              <a:gd name="connsiteX1" fmla="*/ 2200275 w 2710992"/>
-              <a:gd name="connsiteY1" fmla="*/ 1285704 h 1285704"/>
-              <a:gd name="connsiteX2" fmla="*/ 2679700 w 2710992"/>
-              <a:gd name="connsiteY2" fmla="*/ 1085679 h 1285704"/>
-              <a:gd name="connsiteX3" fmla="*/ 2501900 w 2710992"/>
-              <a:gd name="connsiteY3" fmla="*/ 676104 h 1285704"/>
-              <a:gd name="connsiteX4" fmla="*/ 1666875 w 2710992"/>
-              <a:gd name="connsiteY4" fmla="*/ 279229 h 1285704"/>
-              <a:gd name="connsiteX5" fmla="*/ 600075 w 2710992"/>
-              <a:gd name="connsiteY5" fmla="*/ 304629 h 1285704"/>
-              <a:gd name="connsiteX6" fmla="*/ 0 w 2710992"/>
-              <a:gd name="connsiteY6" fmla="*/ 895179 h 1285704"/>
-              <a:gd name="connsiteX7" fmla="*/ 123825 w 2710992"/>
-              <a:gd name="connsiteY7" fmla="*/ 1285704 h 1285704"/>
-              <a:gd name="connsiteX0" fmla="*/ 216585 w 2803752"/>
-              <a:gd name="connsiteY0" fmla="*/ 1285704 h 1285704"/>
-              <a:gd name="connsiteX1" fmla="*/ 2293035 w 2803752"/>
-              <a:gd name="connsiteY1" fmla="*/ 1285704 h 1285704"/>
-              <a:gd name="connsiteX2" fmla="*/ 2772460 w 2803752"/>
-              <a:gd name="connsiteY2" fmla="*/ 1085679 h 1285704"/>
-              <a:gd name="connsiteX3" fmla="*/ 2594660 w 2803752"/>
-              <a:gd name="connsiteY3" fmla="*/ 676104 h 1285704"/>
-              <a:gd name="connsiteX4" fmla="*/ 1759635 w 2803752"/>
-              <a:gd name="connsiteY4" fmla="*/ 279229 h 1285704"/>
-              <a:gd name="connsiteX5" fmla="*/ 692835 w 2803752"/>
-              <a:gd name="connsiteY5" fmla="*/ 304629 h 1285704"/>
-              <a:gd name="connsiteX6" fmla="*/ 92760 w 2803752"/>
-              <a:gd name="connsiteY6" fmla="*/ 895179 h 1285704"/>
-              <a:gd name="connsiteX7" fmla="*/ 216585 w 2803752"/>
-              <a:gd name="connsiteY7" fmla="*/ 1285704 h 1285704"/>
-              <a:gd name="connsiteX0" fmla="*/ 319131 w 2906298"/>
-              <a:gd name="connsiteY0" fmla="*/ 1285704 h 1285704"/>
-              <a:gd name="connsiteX1" fmla="*/ 2395581 w 2906298"/>
-              <a:gd name="connsiteY1" fmla="*/ 1285704 h 1285704"/>
-              <a:gd name="connsiteX2" fmla="*/ 2875006 w 2906298"/>
-              <a:gd name="connsiteY2" fmla="*/ 1085679 h 1285704"/>
-              <a:gd name="connsiteX3" fmla="*/ 2697206 w 2906298"/>
-              <a:gd name="connsiteY3" fmla="*/ 676104 h 1285704"/>
-              <a:gd name="connsiteX4" fmla="*/ 1862181 w 2906298"/>
-              <a:gd name="connsiteY4" fmla="*/ 279229 h 1285704"/>
-              <a:gd name="connsiteX5" fmla="*/ 795381 w 2906298"/>
-              <a:gd name="connsiteY5" fmla="*/ 304629 h 1285704"/>
-              <a:gd name="connsiteX6" fmla="*/ 195306 w 2906298"/>
-              <a:gd name="connsiteY6" fmla="*/ 895179 h 1285704"/>
-              <a:gd name="connsiteX7" fmla="*/ 319131 w 2906298"/>
-              <a:gd name="connsiteY7" fmla="*/ 1285704 h 1285704"/>
-              <a:gd name="connsiteX0" fmla="*/ 420994 w 3008161"/>
-              <a:gd name="connsiteY0" fmla="*/ 1285704 h 1285704"/>
-              <a:gd name="connsiteX1" fmla="*/ 2497444 w 3008161"/>
-              <a:gd name="connsiteY1" fmla="*/ 1285704 h 1285704"/>
-              <a:gd name="connsiteX2" fmla="*/ 2976869 w 3008161"/>
-              <a:gd name="connsiteY2" fmla="*/ 1085679 h 1285704"/>
-              <a:gd name="connsiteX3" fmla="*/ 2799069 w 3008161"/>
-              <a:gd name="connsiteY3" fmla="*/ 676104 h 1285704"/>
-              <a:gd name="connsiteX4" fmla="*/ 1964044 w 3008161"/>
-              <a:gd name="connsiteY4" fmla="*/ 279229 h 1285704"/>
-              <a:gd name="connsiteX5" fmla="*/ 897244 w 3008161"/>
-              <a:gd name="connsiteY5" fmla="*/ 304629 h 1285704"/>
-              <a:gd name="connsiteX6" fmla="*/ 297169 w 3008161"/>
-              <a:gd name="connsiteY6" fmla="*/ 895179 h 1285704"/>
-              <a:gd name="connsiteX7" fmla="*/ 420994 w 3008161"/>
-              <a:gd name="connsiteY7" fmla="*/ 1285704 h 1285704"/>
-            </a:gdLst>
-            <a:ahLst/>
-            <a:cxnLst>
-              <a:cxn ang="0">
-                <a:pos x="connsiteX0" y="connsiteY0"/>
-              </a:cxn>
-              <a:cxn ang="0">
-                <a:pos x="connsiteX1" y="connsiteY1"/>
-              </a:cxn>
-              <a:cxn ang="0">
-                <a:pos x="connsiteX2" y="connsiteY2"/>
-              </a:cxn>
-              <a:cxn ang="0">
-                <a:pos x="connsiteX3" y="connsiteY3"/>
-              </a:cxn>
-              <a:cxn ang="0">
-                <a:pos x="connsiteX4" y="connsiteY4"/>
-              </a:cxn>
-              <a:cxn ang="0">
-                <a:pos x="connsiteX5" y="connsiteY5"/>
-              </a:cxn>
-              <a:cxn ang="0">
-                <a:pos x="connsiteX6" y="connsiteY6"/>
-              </a:cxn>
-              <a:cxn ang="0">
-                <a:pos x="connsiteX7" y="connsiteY7"/>
-              </a:cxn>
-            </a:cxnLst>
-            <a:rect l="l" t="t" r="r" b="b"/>
-            <a:pathLst>
-              <a:path w="3008161" h="1285704">
-                <a:moveTo>
-                  <a:pt x="420994" y="1285704"/>
-                </a:moveTo>
-                <a:lnTo>
-                  <a:pt x="2497444" y="1285704"/>
-                </a:lnTo>
-                <a:cubicBezTo>
-                  <a:pt x="2800127" y="1269829"/>
-                  <a:pt x="2934536" y="1209504"/>
-                  <a:pt x="2976869" y="1085679"/>
-                </a:cubicBezTo>
-                <a:cubicBezTo>
-                  <a:pt x="3073177" y="872954"/>
-                  <a:pt x="2928186" y="730079"/>
-                  <a:pt x="2799069" y="676104"/>
-                </a:cubicBezTo>
-                <a:cubicBezTo>
-                  <a:pt x="2787427" y="258062"/>
-                  <a:pt x="2299536" y="49571"/>
-                  <a:pt x="1964044" y="279229"/>
-                </a:cubicBezTo>
-                <a:cubicBezTo>
-                  <a:pt x="1792594" y="-106004"/>
-                  <a:pt x="1087744" y="-88013"/>
-                  <a:pt x="897244" y="304629"/>
-                </a:cubicBezTo>
-                <a:cubicBezTo>
-                  <a:pt x="468619" y="101429"/>
-                  <a:pt x="1894" y="488779"/>
-                  <a:pt x="297169" y="895179"/>
-                </a:cubicBezTo>
-                <a:cubicBezTo>
-                  <a:pt x="-188606" y="965029"/>
-                  <a:pt x="-29856" y="1266654"/>
-                  <a:pt x="420994" y="1285704"/>
-                </a:cubicBezTo>
-                <a:close/>
-              </a:path>
-            </a:pathLst>
-          </a:custGeom>
-          <a:solidFill>
-            <a:srgbClr val="FF0000"/>
-          </a:solidFill>
-          <a:ln w="76200">
-            <a:solidFill>
-              <a:schemeClr val="bg1"/>
-            </a:solidFill>
-          </a:ln>
-          <a:effectLst>
-            <a:outerShdw blurRad="63500" sx="102000" sy="102000" algn="ctr" rotWithShape="0">
-              <a:prstClr val="black">
-                <a:alpha val="40000"/>
-              </a:prstClr>
-            </a:outerShdw>
-          </a:effectLst>
-        </p:spPr>
-        <p:style>
-          <a:lnRef idx="2">
-            <a:schemeClr val="accent1">
-              <a:shade val="50000"/>
-            </a:schemeClr>
-          </a:lnRef>
-          <a:fillRef idx="1">
-            <a:schemeClr val="accent1"/>
-          </a:fillRef>
-          <a:effectRef idx="0">
-            <a:schemeClr val="accent1"/>
-          </a:effectRef>
-          <a:fontRef idx="minor">
-            <a:schemeClr val="lt1"/>
-          </a:fontRef>
-        </p:style>
-        <p:txBody>
-          <a:bodyPr anchor="ctr"/>
-          <a:lstStyle/>
-          <a:p>
-            <a:pPr algn="ctr" fontAlgn="auto">
-              <a:spcBef>
-                <a:spcPts val="0"/>
-              </a:spcBef>
-              <a:spcAft>
-                <a:spcPts val="0"/>
-              </a:spcAft>
-              <a:defRPr/>
-            </a:pPr>
-            <a:endParaRPr lang="en-US">
-              <a:solidFill>
-                <a:srgbClr val="C00000"/>
-              </a:solidFill>
-            </a:endParaRPr>
-          </a:p>
-        </p:txBody>
-      </p:sp>
-      <p:sp>
-        <p:nvSpPr>
-          <p:cNvPr id="4" name="Rectangle 31"/>
-          <p:cNvSpPr>
-            <a:spLocks noChangeArrowheads="1"/>
-          </p:cNvSpPr>
-          <p:nvPr/>
-        </p:nvSpPr>
-        <p:spPr bwMode="auto">
-          <a:xfrm>
-            <a:off x="6534163" y="4618463"/>
-            <a:ext cx="3309937" cy="461665"/>
-          </a:xfrm>
-          <a:prstGeom prst="rect">
-            <a:avLst/>
-          </a:prstGeom>
-          <a:noFill/>
-          <a:ln w="9525">
-            <a:noFill/>
-            <a:miter lim="800000"/>
-            <a:headEnd/>
-            <a:tailEnd/>
-          </a:ln>
-        </p:spPr>
-        <p:txBody>
-          <a:bodyPr wrap="square" anchor="ctr">
-            <a:spAutoFit/>
-          </a:bodyPr>
-          <a:lstStyle/>
-          <a:p>
-            <a:pPr algn="ctr"/>
-            <a:r>
-              <a:rPr lang="en-US" sz="2400" b="1" dirty="0" smtClean="0">
-                <a:solidFill>
-                  <a:schemeClr val="bg1"/>
-                </a:solidFill>
-                <a:latin typeface="Arial" charset="0"/>
-              </a:rPr>
-              <a:t>2.Thiết </a:t>
-            </a:r>
-            <a:r>
-              <a:rPr lang="en-US" sz="2400" b="1" dirty="0">
-                <a:solidFill>
-                  <a:schemeClr val="bg1"/>
-                </a:solidFill>
-                <a:latin typeface="Arial" charset="0"/>
-              </a:rPr>
-              <a:t>kế giao diện</a:t>
-            </a:r>
-          </a:p>
-        </p:txBody>
-      </p:sp>
-      <p:sp>
-        <p:nvSpPr>
-          <p:cNvPr id="5" name="Freeform 4"/>
-          <p:cNvSpPr/>
-          <p:nvPr/>
-        </p:nvSpPr>
-        <p:spPr>
-          <a:xfrm>
-            <a:off x="3183859" y="1880025"/>
-            <a:ext cx="2857500" cy="1423987"/>
-          </a:xfrm>
-          <a:custGeom>
-            <a:avLst/>
-            <a:gdLst>
-              <a:gd name="connsiteX0" fmla="*/ 260350 w 2209800"/>
-              <a:gd name="connsiteY0" fmla="*/ 1104900 h 1104900"/>
-              <a:gd name="connsiteX1" fmla="*/ 1797050 w 2209800"/>
-              <a:gd name="connsiteY1" fmla="*/ 1104900 h 1104900"/>
-              <a:gd name="connsiteX2" fmla="*/ 2209800 w 2209800"/>
-              <a:gd name="connsiteY2" fmla="*/ 590550 h 1104900"/>
-              <a:gd name="connsiteX3" fmla="*/ 2012950 w 2209800"/>
-              <a:gd name="connsiteY3" fmla="*/ 0 h 1104900"/>
-              <a:gd name="connsiteX4" fmla="*/ 1936750 w 2209800"/>
-              <a:gd name="connsiteY4" fmla="*/ 38100 h 1104900"/>
-              <a:gd name="connsiteX5" fmla="*/ 1409700 w 2209800"/>
-              <a:gd name="connsiteY5" fmla="*/ 107950 h 1104900"/>
-              <a:gd name="connsiteX6" fmla="*/ 685800 w 2209800"/>
-              <a:gd name="connsiteY6" fmla="*/ 254000 h 1104900"/>
-              <a:gd name="connsiteX7" fmla="*/ 0 w 2209800"/>
-              <a:gd name="connsiteY7" fmla="*/ 704850 h 1104900"/>
-              <a:gd name="connsiteX8" fmla="*/ 260350 w 2209800"/>
-              <a:gd name="connsiteY8" fmla="*/ 1104900 h 1104900"/>
-              <a:gd name="connsiteX0" fmla="*/ 260350 w 2209800"/>
-              <a:gd name="connsiteY0" fmla="*/ 1104900 h 1104900"/>
-              <a:gd name="connsiteX1" fmla="*/ 1797050 w 2209800"/>
-              <a:gd name="connsiteY1" fmla="*/ 1104900 h 1104900"/>
-              <a:gd name="connsiteX2" fmla="*/ 2209800 w 2209800"/>
-              <a:gd name="connsiteY2" fmla="*/ 590550 h 1104900"/>
-              <a:gd name="connsiteX3" fmla="*/ 2012950 w 2209800"/>
-              <a:gd name="connsiteY3" fmla="*/ 0 h 1104900"/>
-              <a:gd name="connsiteX4" fmla="*/ 1409700 w 2209800"/>
-              <a:gd name="connsiteY4" fmla="*/ 107950 h 1104900"/>
-              <a:gd name="connsiteX5" fmla="*/ 685800 w 2209800"/>
-              <a:gd name="connsiteY5" fmla="*/ 254000 h 1104900"/>
-              <a:gd name="connsiteX6" fmla="*/ 0 w 2209800"/>
-              <a:gd name="connsiteY6" fmla="*/ 704850 h 1104900"/>
-              <a:gd name="connsiteX7" fmla="*/ 260350 w 2209800"/>
-              <a:gd name="connsiteY7" fmla="*/ 1104900 h 1104900"/>
-              <a:gd name="connsiteX0" fmla="*/ 260350 w 2209800"/>
-              <a:gd name="connsiteY0" fmla="*/ 1104900 h 1104900"/>
-              <a:gd name="connsiteX1" fmla="*/ 1797050 w 2209800"/>
-              <a:gd name="connsiteY1" fmla="*/ 1104900 h 1104900"/>
-              <a:gd name="connsiteX2" fmla="*/ 2209800 w 2209800"/>
-              <a:gd name="connsiteY2" fmla="*/ 590550 h 1104900"/>
-              <a:gd name="connsiteX3" fmla="*/ 2012950 w 2209800"/>
-              <a:gd name="connsiteY3" fmla="*/ 0 h 1104900"/>
-              <a:gd name="connsiteX4" fmla="*/ 1426369 w 2209800"/>
-              <a:gd name="connsiteY4" fmla="*/ 91281 h 1104900"/>
-              <a:gd name="connsiteX5" fmla="*/ 685800 w 2209800"/>
-              <a:gd name="connsiteY5" fmla="*/ 254000 h 1104900"/>
-              <a:gd name="connsiteX6" fmla="*/ 0 w 2209800"/>
-              <a:gd name="connsiteY6" fmla="*/ 704850 h 1104900"/>
-              <a:gd name="connsiteX7" fmla="*/ 260350 w 2209800"/>
-              <a:gd name="connsiteY7" fmla="*/ 1104900 h 1104900"/>
-              <a:gd name="connsiteX0" fmla="*/ 260350 w 2209800"/>
-              <a:gd name="connsiteY0" fmla="*/ 1149945 h 1149945"/>
-              <a:gd name="connsiteX1" fmla="*/ 1797050 w 2209800"/>
-              <a:gd name="connsiteY1" fmla="*/ 1149945 h 1149945"/>
-              <a:gd name="connsiteX2" fmla="*/ 2209800 w 2209800"/>
-              <a:gd name="connsiteY2" fmla="*/ 635595 h 1149945"/>
-              <a:gd name="connsiteX3" fmla="*/ 2012950 w 2209800"/>
-              <a:gd name="connsiteY3" fmla="*/ 45045 h 1149945"/>
-              <a:gd name="connsiteX4" fmla="*/ 1426369 w 2209800"/>
-              <a:gd name="connsiteY4" fmla="*/ 136326 h 1149945"/>
-              <a:gd name="connsiteX5" fmla="*/ 685800 w 2209800"/>
-              <a:gd name="connsiteY5" fmla="*/ 299045 h 1149945"/>
-              <a:gd name="connsiteX6" fmla="*/ 0 w 2209800"/>
-              <a:gd name="connsiteY6" fmla="*/ 749895 h 1149945"/>
-              <a:gd name="connsiteX7" fmla="*/ 260350 w 2209800"/>
-              <a:gd name="connsiteY7" fmla="*/ 1149945 h 1149945"/>
-              <a:gd name="connsiteX0" fmla="*/ 260350 w 2209800"/>
-              <a:gd name="connsiteY0" fmla="*/ 1151694 h 1151694"/>
-              <a:gd name="connsiteX1" fmla="*/ 1797050 w 2209800"/>
-              <a:gd name="connsiteY1" fmla="*/ 1151694 h 1151694"/>
-              <a:gd name="connsiteX2" fmla="*/ 2209800 w 2209800"/>
-              <a:gd name="connsiteY2" fmla="*/ 637344 h 1151694"/>
-              <a:gd name="connsiteX3" fmla="*/ 2022475 w 2209800"/>
-              <a:gd name="connsiteY3" fmla="*/ 42032 h 1151694"/>
-              <a:gd name="connsiteX4" fmla="*/ 1426369 w 2209800"/>
-              <a:gd name="connsiteY4" fmla="*/ 138075 h 1151694"/>
-              <a:gd name="connsiteX5" fmla="*/ 685800 w 2209800"/>
-              <a:gd name="connsiteY5" fmla="*/ 300794 h 1151694"/>
-              <a:gd name="connsiteX6" fmla="*/ 0 w 2209800"/>
-              <a:gd name="connsiteY6" fmla="*/ 751644 h 1151694"/>
-              <a:gd name="connsiteX7" fmla="*/ 260350 w 2209800"/>
-              <a:gd name="connsiteY7" fmla="*/ 1151694 h 1151694"/>
-              <a:gd name="connsiteX0" fmla="*/ 260350 w 2209800"/>
-              <a:gd name="connsiteY0" fmla="*/ 1205145 h 1205145"/>
-              <a:gd name="connsiteX1" fmla="*/ 1797050 w 2209800"/>
-              <a:gd name="connsiteY1" fmla="*/ 1205145 h 1205145"/>
-              <a:gd name="connsiteX2" fmla="*/ 2209800 w 2209800"/>
-              <a:gd name="connsiteY2" fmla="*/ 690795 h 1205145"/>
-              <a:gd name="connsiteX3" fmla="*/ 2022475 w 2209800"/>
-              <a:gd name="connsiteY3" fmla="*/ 95483 h 1205145"/>
-              <a:gd name="connsiteX4" fmla="*/ 1426369 w 2209800"/>
-              <a:gd name="connsiteY4" fmla="*/ 191526 h 1205145"/>
-              <a:gd name="connsiteX5" fmla="*/ 685800 w 2209800"/>
-              <a:gd name="connsiteY5" fmla="*/ 354245 h 1205145"/>
-              <a:gd name="connsiteX6" fmla="*/ 0 w 2209800"/>
-              <a:gd name="connsiteY6" fmla="*/ 805095 h 1205145"/>
-              <a:gd name="connsiteX7" fmla="*/ 260350 w 2209800"/>
-              <a:gd name="connsiteY7" fmla="*/ 1205145 h 1205145"/>
-              <a:gd name="connsiteX0" fmla="*/ 260350 w 2209800"/>
-              <a:gd name="connsiteY0" fmla="*/ 1205145 h 1205145"/>
-              <a:gd name="connsiteX1" fmla="*/ 1797050 w 2209800"/>
-              <a:gd name="connsiteY1" fmla="*/ 1205145 h 1205145"/>
-              <a:gd name="connsiteX2" fmla="*/ 2209800 w 2209800"/>
-              <a:gd name="connsiteY2" fmla="*/ 690795 h 1205145"/>
-              <a:gd name="connsiteX3" fmla="*/ 2022475 w 2209800"/>
-              <a:gd name="connsiteY3" fmla="*/ 95483 h 1205145"/>
-              <a:gd name="connsiteX4" fmla="*/ 1426369 w 2209800"/>
-              <a:gd name="connsiteY4" fmla="*/ 191526 h 1205145"/>
-              <a:gd name="connsiteX5" fmla="*/ 685800 w 2209800"/>
-              <a:gd name="connsiteY5" fmla="*/ 354245 h 1205145"/>
-              <a:gd name="connsiteX6" fmla="*/ 0 w 2209800"/>
-              <a:gd name="connsiteY6" fmla="*/ 805095 h 1205145"/>
-              <a:gd name="connsiteX7" fmla="*/ 260350 w 2209800"/>
-              <a:gd name="connsiteY7" fmla="*/ 1205145 h 1205145"/>
-              <a:gd name="connsiteX0" fmla="*/ 260350 w 2216944"/>
-              <a:gd name="connsiteY0" fmla="*/ 1205145 h 1205145"/>
-              <a:gd name="connsiteX1" fmla="*/ 1797050 w 2216944"/>
-              <a:gd name="connsiteY1" fmla="*/ 1205145 h 1205145"/>
-              <a:gd name="connsiteX2" fmla="*/ 2216944 w 2216944"/>
-              <a:gd name="connsiteY2" fmla="*/ 705083 h 1205145"/>
-              <a:gd name="connsiteX3" fmla="*/ 2022475 w 2216944"/>
-              <a:gd name="connsiteY3" fmla="*/ 95483 h 1205145"/>
-              <a:gd name="connsiteX4" fmla="*/ 1426369 w 2216944"/>
-              <a:gd name="connsiteY4" fmla="*/ 191526 h 1205145"/>
-              <a:gd name="connsiteX5" fmla="*/ 685800 w 2216944"/>
-              <a:gd name="connsiteY5" fmla="*/ 354245 h 1205145"/>
-              <a:gd name="connsiteX6" fmla="*/ 0 w 2216944"/>
-              <a:gd name="connsiteY6" fmla="*/ 805095 h 1205145"/>
-              <a:gd name="connsiteX7" fmla="*/ 260350 w 2216944"/>
-              <a:gd name="connsiteY7" fmla="*/ 1205145 h 1205145"/>
-              <a:gd name="connsiteX0" fmla="*/ 260350 w 2227794"/>
-              <a:gd name="connsiteY0" fmla="*/ 1205145 h 1205145"/>
-              <a:gd name="connsiteX1" fmla="*/ 1797050 w 2227794"/>
-              <a:gd name="connsiteY1" fmla="*/ 1205145 h 1205145"/>
-              <a:gd name="connsiteX2" fmla="*/ 2216944 w 2227794"/>
-              <a:gd name="connsiteY2" fmla="*/ 705083 h 1205145"/>
-              <a:gd name="connsiteX3" fmla="*/ 2022475 w 2227794"/>
-              <a:gd name="connsiteY3" fmla="*/ 95483 h 1205145"/>
-              <a:gd name="connsiteX4" fmla="*/ 1426369 w 2227794"/>
-              <a:gd name="connsiteY4" fmla="*/ 191526 h 1205145"/>
-              <a:gd name="connsiteX5" fmla="*/ 685800 w 2227794"/>
-              <a:gd name="connsiteY5" fmla="*/ 354245 h 1205145"/>
-              <a:gd name="connsiteX6" fmla="*/ 0 w 2227794"/>
-              <a:gd name="connsiteY6" fmla="*/ 805095 h 1205145"/>
-              <a:gd name="connsiteX7" fmla="*/ 260350 w 2227794"/>
-              <a:gd name="connsiteY7" fmla="*/ 1205145 h 1205145"/>
-              <a:gd name="connsiteX0" fmla="*/ 260350 w 2227794"/>
-              <a:gd name="connsiteY0" fmla="*/ 1205145 h 1205145"/>
-              <a:gd name="connsiteX1" fmla="*/ 1797050 w 2227794"/>
-              <a:gd name="connsiteY1" fmla="*/ 1205145 h 1205145"/>
-              <a:gd name="connsiteX2" fmla="*/ 2216944 w 2227794"/>
-              <a:gd name="connsiteY2" fmla="*/ 705083 h 1205145"/>
-              <a:gd name="connsiteX3" fmla="*/ 2022475 w 2227794"/>
-              <a:gd name="connsiteY3" fmla="*/ 95483 h 1205145"/>
-              <a:gd name="connsiteX4" fmla="*/ 1426369 w 2227794"/>
-              <a:gd name="connsiteY4" fmla="*/ 191526 h 1205145"/>
-              <a:gd name="connsiteX5" fmla="*/ 685800 w 2227794"/>
-              <a:gd name="connsiteY5" fmla="*/ 354245 h 1205145"/>
-              <a:gd name="connsiteX6" fmla="*/ 0 w 2227794"/>
-              <a:gd name="connsiteY6" fmla="*/ 805095 h 1205145"/>
-              <a:gd name="connsiteX7" fmla="*/ 260350 w 2227794"/>
-              <a:gd name="connsiteY7" fmla="*/ 1205145 h 1205145"/>
-              <a:gd name="connsiteX0" fmla="*/ 260350 w 2227794"/>
-              <a:gd name="connsiteY0" fmla="*/ 1205145 h 1205145"/>
-              <a:gd name="connsiteX1" fmla="*/ 1799431 w 2227794"/>
-              <a:gd name="connsiteY1" fmla="*/ 1164664 h 1205145"/>
-              <a:gd name="connsiteX2" fmla="*/ 2216944 w 2227794"/>
-              <a:gd name="connsiteY2" fmla="*/ 705083 h 1205145"/>
-              <a:gd name="connsiteX3" fmla="*/ 2022475 w 2227794"/>
-              <a:gd name="connsiteY3" fmla="*/ 95483 h 1205145"/>
-              <a:gd name="connsiteX4" fmla="*/ 1426369 w 2227794"/>
-              <a:gd name="connsiteY4" fmla="*/ 191526 h 1205145"/>
-              <a:gd name="connsiteX5" fmla="*/ 685800 w 2227794"/>
-              <a:gd name="connsiteY5" fmla="*/ 354245 h 1205145"/>
-              <a:gd name="connsiteX6" fmla="*/ 0 w 2227794"/>
-              <a:gd name="connsiteY6" fmla="*/ 805095 h 1205145"/>
-              <a:gd name="connsiteX7" fmla="*/ 260350 w 2227794"/>
-              <a:gd name="connsiteY7" fmla="*/ 1205145 h 1205145"/>
-              <a:gd name="connsiteX0" fmla="*/ 260350 w 2227794"/>
-              <a:gd name="connsiteY0" fmla="*/ 1205145 h 1205145"/>
-              <a:gd name="connsiteX1" fmla="*/ 1799431 w 2227794"/>
-              <a:gd name="connsiteY1" fmla="*/ 1164664 h 1205145"/>
-              <a:gd name="connsiteX2" fmla="*/ 2216944 w 2227794"/>
-              <a:gd name="connsiteY2" fmla="*/ 705083 h 1205145"/>
-              <a:gd name="connsiteX3" fmla="*/ 2022475 w 2227794"/>
-              <a:gd name="connsiteY3" fmla="*/ 95483 h 1205145"/>
-              <a:gd name="connsiteX4" fmla="*/ 1426369 w 2227794"/>
-              <a:gd name="connsiteY4" fmla="*/ 191526 h 1205145"/>
-              <a:gd name="connsiteX5" fmla="*/ 685800 w 2227794"/>
-              <a:gd name="connsiteY5" fmla="*/ 354245 h 1205145"/>
-              <a:gd name="connsiteX6" fmla="*/ 0 w 2227794"/>
-              <a:gd name="connsiteY6" fmla="*/ 805095 h 1205145"/>
-              <a:gd name="connsiteX7" fmla="*/ 260350 w 2227794"/>
-              <a:gd name="connsiteY7" fmla="*/ 1205145 h 1205145"/>
-              <a:gd name="connsiteX0" fmla="*/ 288925 w 2227794"/>
-              <a:gd name="connsiteY0" fmla="*/ 1157520 h 1164664"/>
-              <a:gd name="connsiteX1" fmla="*/ 1799431 w 2227794"/>
-              <a:gd name="connsiteY1" fmla="*/ 1164664 h 1164664"/>
-              <a:gd name="connsiteX2" fmla="*/ 2216944 w 2227794"/>
-              <a:gd name="connsiteY2" fmla="*/ 705083 h 1164664"/>
-              <a:gd name="connsiteX3" fmla="*/ 2022475 w 2227794"/>
-              <a:gd name="connsiteY3" fmla="*/ 95483 h 1164664"/>
-              <a:gd name="connsiteX4" fmla="*/ 1426369 w 2227794"/>
-              <a:gd name="connsiteY4" fmla="*/ 191526 h 1164664"/>
-              <a:gd name="connsiteX5" fmla="*/ 685800 w 2227794"/>
-              <a:gd name="connsiteY5" fmla="*/ 354245 h 1164664"/>
-              <a:gd name="connsiteX6" fmla="*/ 0 w 2227794"/>
-              <a:gd name="connsiteY6" fmla="*/ 805095 h 1164664"/>
-              <a:gd name="connsiteX7" fmla="*/ 288925 w 2227794"/>
-              <a:gd name="connsiteY7" fmla="*/ 1157520 h 1164664"/>
-              <a:gd name="connsiteX0" fmla="*/ 288925 w 2227794"/>
-              <a:gd name="connsiteY0" fmla="*/ 1157520 h 1164664"/>
-              <a:gd name="connsiteX1" fmla="*/ 1799431 w 2227794"/>
-              <a:gd name="connsiteY1" fmla="*/ 1164664 h 1164664"/>
-              <a:gd name="connsiteX2" fmla="*/ 2216944 w 2227794"/>
-              <a:gd name="connsiteY2" fmla="*/ 705083 h 1164664"/>
-              <a:gd name="connsiteX3" fmla="*/ 2022475 w 2227794"/>
-              <a:gd name="connsiteY3" fmla="*/ 95483 h 1164664"/>
-              <a:gd name="connsiteX4" fmla="*/ 1426369 w 2227794"/>
-              <a:gd name="connsiteY4" fmla="*/ 191526 h 1164664"/>
-              <a:gd name="connsiteX5" fmla="*/ 685800 w 2227794"/>
-              <a:gd name="connsiteY5" fmla="*/ 354245 h 1164664"/>
-              <a:gd name="connsiteX6" fmla="*/ 0 w 2227794"/>
-              <a:gd name="connsiteY6" fmla="*/ 805095 h 1164664"/>
-              <a:gd name="connsiteX7" fmla="*/ 288925 w 2227794"/>
-              <a:gd name="connsiteY7" fmla="*/ 1157520 h 1164664"/>
-              <a:gd name="connsiteX0" fmla="*/ 390126 w 2328995"/>
-              <a:gd name="connsiteY0" fmla="*/ 1157520 h 1164664"/>
-              <a:gd name="connsiteX1" fmla="*/ 1900632 w 2328995"/>
-              <a:gd name="connsiteY1" fmla="*/ 1164664 h 1164664"/>
-              <a:gd name="connsiteX2" fmla="*/ 2318145 w 2328995"/>
-              <a:gd name="connsiteY2" fmla="*/ 705083 h 1164664"/>
-              <a:gd name="connsiteX3" fmla="*/ 2123676 w 2328995"/>
-              <a:gd name="connsiteY3" fmla="*/ 95483 h 1164664"/>
-              <a:gd name="connsiteX4" fmla="*/ 1527570 w 2328995"/>
-              <a:gd name="connsiteY4" fmla="*/ 191526 h 1164664"/>
-              <a:gd name="connsiteX5" fmla="*/ 787001 w 2328995"/>
-              <a:gd name="connsiteY5" fmla="*/ 354245 h 1164664"/>
-              <a:gd name="connsiteX6" fmla="*/ 101201 w 2328995"/>
-              <a:gd name="connsiteY6" fmla="*/ 805095 h 1164664"/>
-              <a:gd name="connsiteX7" fmla="*/ 390126 w 2328995"/>
-              <a:gd name="connsiteY7" fmla="*/ 1157520 h 1164664"/>
-              <a:gd name="connsiteX0" fmla="*/ 399528 w 2338397"/>
-              <a:gd name="connsiteY0" fmla="*/ 1157520 h 1164664"/>
-              <a:gd name="connsiteX1" fmla="*/ 1910034 w 2338397"/>
-              <a:gd name="connsiteY1" fmla="*/ 1164664 h 1164664"/>
-              <a:gd name="connsiteX2" fmla="*/ 2327547 w 2338397"/>
-              <a:gd name="connsiteY2" fmla="*/ 705083 h 1164664"/>
-              <a:gd name="connsiteX3" fmla="*/ 2133078 w 2338397"/>
-              <a:gd name="connsiteY3" fmla="*/ 95483 h 1164664"/>
-              <a:gd name="connsiteX4" fmla="*/ 1536972 w 2338397"/>
-              <a:gd name="connsiteY4" fmla="*/ 191526 h 1164664"/>
-              <a:gd name="connsiteX5" fmla="*/ 796403 w 2338397"/>
-              <a:gd name="connsiteY5" fmla="*/ 354245 h 1164664"/>
-              <a:gd name="connsiteX6" fmla="*/ 110603 w 2338397"/>
-              <a:gd name="connsiteY6" fmla="*/ 805095 h 1164664"/>
-              <a:gd name="connsiteX7" fmla="*/ 399528 w 2338397"/>
-              <a:gd name="connsiteY7" fmla="*/ 1157520 h 1164664"/>
-              <a:gd name="connsiteX0" fmla="*/ 399528 w 2338397"/>
-              <a:gd name="connsiteY0" fmla="*/ 1157520 h 1164664"/>
-              <a:gd name="connsiteX1" fmla="*/ 1910034 w 2338397"/>
-              <a:gd name="connsiteY1" fmla="*/ 1164664 h 1164664"/>
-              <a:gd name="connsiteX2" fmla="*/ 2327547 w 2338397"/>
-              <a:gd name="connsiteY2" fmla="*/ 705083 h 1164664"/>
-              <a:gd name="connsiteX3" fmla="*/ 2133078 w 2338397"/>
-              <a:gd name="connsiteY3" fmla="*/ 95483 h 1164664"/>
-              <a:gd name="connsiteX4" fmla="*/ 1536972 w 2338397"/>
-              <a:gd name="connsiteY4" fmla="*/ 191526 h 1164664"/>
-              <a:gd name="connsiteX5" fmla="*/ 796403 w 2338397"/>
-              <a:gd name="connsiteY5" fmla="*/ 354245 h 1164664"/>
-              <a:gd name="connsiteX6" fmla="*/ 110603 w 2338397"/>
-              <a:gd name="connsiteY6" fmla="*/ 805095 h 1164664"/>
-              <a:gd name="connsiteX7" fmla="*/ 399528 w 2338397"/>
-              <a:gd name="connsiteY7" fmla="*/ 1157520 h 1164664"/>
-              <a:gd name="connsiteX0" fmla="*/ 399528 w 2338397"/>
-              <a:gd name="connsiteY0" fmla="*/ 1157520 h 1164664"/>
-              <a:gd name="connsiteX1" fmla="*/ 1910034 w 2338397"/>
-              <a:gd name="connsiteY1" fmla="*/ 1164664 h 1164664"/>
-              <a:gd name="connsiteX2" fmla="*/ 2327547 w 2338397"/>
-              <a:gd name="connsiteY2" fmla="*/ 705083 h 1164664"/>
-              <a:gd name="connsiteX3" fmla="*/ 2133078 w 2338397"/>
-              <a:gd name="connsiteY3" fmla="*/ 95483 h 1164664"/>
-              <a:gd name="connsiteX4" fmla="*/ 1536972 w 2338397"/>
-              <a:gd name="connsiteY4" fmla="*/ 191526 h 1164664"/>
-              <a:gd name="connsiteX5" fmla="*/ 796403 w 2338397"/>
-              <a:gd name="connsiteY5" fmla="*/ 354245 h 1164664"/>
-              <a:gd name="connsiteX6" fmla="*/ 110603 w 2338397"/>
-              <a:gd name="connsiteY6" fmla="*/ 805095 h 1164664"/>
-              <a:gd name="connsiteX7" fmla="*/ 399528 w 2338397"/>
-              <a:gd name="connsiteY7" fmla="*/ 1157520 h 1164664"/>
-              <a:gd name="connsiteX0" fmla="*/ 399528 w 2338397"/>
-              <a:gd name="connsiteY0" fmla="*/ 1157520 h 1164664"/>
-              <a:gd name="connsiteX1" fmla="*/ 1910034 w 2338397"/>
-              <a:gd name="connsiteY1" fmla="*/ 1164664 h 1164664"/>
-              <a:gd name="connsiteX2" fmla="*/ 2327547 w 2338397"/>
-              <a:gd name="connsiteY2" fmla="*/ 705083 h 1164664"/>
-              <a:gd name="connsiteX3" fmla="*/ 2133078 w 2338397"/>
-              <a:gd name="connsiteY3" fmla="*/ 95483 h 1164664"/>
-              <a:gd name="connsiteX4" fmla="*/ 1536972 w 2338397"/>
-              <a:gd name="connsiteY4" fmla="*/ 191526 h 1164664"/>
-              <a:gd name="connsiteX5" fmla="*/ 796403 w 2338397"/>
-              <a:gd name="connsiteY5" fmla="*/ 354245 h 1164664"/>
-              <a:gd name="connsiteX6" fmla="*/ 110603 w 2338397"/>
-              <a:gd name="connsiteY6" fmla="*/ 805095 h 1164664"/>
-              <a:gd name="connsiteX7" fmla="*/ 399528 w 2338397"/>
-              <a:gd name="connsiteY7" fmla="*/ 1157520 h 1164664"/>
-              <a:gd name="connsiteX0" fmla="*/ 399528 w 2338397"/>
-              <a:gd name="connsiteY0" fmla="*/ 1157520 h 1164664"/>
-              <a:gd name="connsiteX1" fmla="*/ 1910034 w 2338397"/>
-              <a:gd name="connsiteY1" fmla="*/ 1164664 h 1164664"/>
-              <a:gd name="connsiteX2" fmla="*/ 2327547 w 2338397"/>
-              <a:gd name="connsiteY2" fmla="*/ 705083 h 1164664"/>
-              <a:gd name="connsiteX3" fmla="*/ 2133078 w 2338397"/>
-              <a:gd name="connsiteY3" fmla="*/ 95483 h 1164664"/>
-              <a:gd name="connsiteX4" fmla="*/ 1536972 w 2338397"/>
-              <a:gd name="connsiteY4" fmla="*/ 191526 h 1164664"/>
-              <a:gd name="connsiteX5" fmla="*/ 796403 w 2338397"/>
-              <a:gd name="connsiteY5" fmla="*/ 354245 h 1164664"/>
-              <a:gd name="connsiteX6" fmla="*/ 110603 w 2338397"/>
-              <a:gd name="connsiteY6" fmla="*/ 805095 h 1164664"/>
-              <a:gd name="connsiteX7" fmla="*/ 399528 w 2338397"/>
-              <a:gd name="connsiteY7" fmla="*/ 1157520 h 1164664"/>
-              <a:gd name="connsiteX0" fmla="*/ 399528 w 2338397"/>
-              <a:gd name="connsiteY0" fmla="*/ 1157520 h 1164664"/>
-              <a:gd name="connsiteX1" fmla="*/ 1910034 w 2338397"/>
-              <a:gd name="connsiteY1" fmla="*/ 1164664 h 1164664"/>
-              <a:gd name="connsiteX2" fmla="*/ 2327547 w 2338397"/>
-              <a:gd name="connsiteY2" fmla="*/ 705083 h 1164664"/>
-              <a:gd name="connsiteX3" fmla="*/ 2133078 w 2338397"/>
-              <a:gd name="connsiteY3" fmla="*/ 95483 h 1164664"/>
-              <a:gd name="connsiteX4" fmla="*/ 1536972 w 2338397"/>
-              <a:gd name="connsiteY4" fmla="*/ 191526 h 1164664"/>
-              <a:gd name="connsiteX5" fmla="*/ 796403 w 2338397"/>
-              <a:gd name="connsiteY5" fmla="*/ 354245 h 1164664"/>
-              <a:gd name="connsiteX6" fmla="*/ 110603 w 2338397"/>
-              <a:gd name="connsiteY6" fmla="*/ 805095 h 1164664"/>
-              <a:gd name="connsiteX7" fmla="*/ 399528 w 2338397"/>
-              <a:gd name="connsiteY7" fmla="*/ 1157520 h 1164664"/>
-              <a:gd name="connsiteX0" fmla="*/ 399528 w 2338397"/>
-              <a:gd name="connsiteY0" fmla="*/ 1157520 h 1164664"/>
-              <a:gd name="connsiteX1" fmla="*/ 1910034 w 2338397"/>
-              <a:gd name="connsiteY1" fmla="*/ 1164664 h 1164664"/>
-              <a:gd name="connsiteX2" fmla="*/ 2327547 w 2338397"/>
-              <a:gd name="connsiteY2" fmla="*/ 705083 h 1164664"/>
-              <a:gd name="connsiteX3" fmla="*/ 2133078 w 2338397"/>
-              <a:gd name="connsiteY3" fmla="*/ 95483 h 1164664"/>
-              <a:gd name="connsiteX4" fmla="*/ 1536972 w 2338397"/>
-              <a:gd name="connsiteY4" fmla="*/ 191526 h 1164664"/>
-              <a:gd name="connsiteX5" fmla="*/ 796403 w 2338397"/>
-              <a:gd name="connsiteY5" fmla="*/ 354245 h 1164664"/>
-              <a:gd name="connsiteX6" fmla="*/ 110603 w 2338397"/>
-              <a:gd name="connsiteY6" fmla="*/ 805095 h 1164664"/>
-              <a:gd name="connsiteX7" fmla="*/ 399528 w 2338397"/>
-              <a:gd name="connsiteY7" fmla="*/ 1157520 h 1164664"/>
-              <a:gd name="connsiteX0" fmla="*/ 399528 w 2338397"/>
-              <a:gd name="connsiteY0" fmla="*/ 1157520 h 1164664"/>
-              <a:gd name="connsiteX1" fmla="*/ 1910034 w 2338397"/>
-              <a:gd name="connsiteY1" fmla="*/ 1164664 h 1164664"/>
-              <a:gd name="connsiteX2" fmla="*/ 2327547 w 2338397"/>
-              <a:gd name="connsiteY2" fmla="*/ 705083 h 1164664"/>
-              <a:gd name="connsiteX3" fmla="*/ 2133078 w 2338397"/>
-              <a:gd name="connsiteY3" fmla="*/ 95483 h 1164664"/>
-              <a:gd name="connsiteX4" fmla="*/ 1536972 w 2338397"/>
-              <a:gd name="connsiteY4" fmla="*/ 191526 h 1164664"/>
-              <a:gd name="connsiteX5" fmla="*/ 796403 w 2338397"/>
-              <a:gd name="connsiteY5" fmla="*/ 354245 h 1164664"/>
-              <a:gd name="connsiteX6" fmla="*/ 110603 w 2338397"/>
-              <a:gd name="connsiteY6" fmla="*/ 805095 h 1164664"/>
-              <a:gd name="connsiteX7" fmla="*/ 399528 w 2338397"/>
-              <a:gd name="connsiteY7" fmla="*/ 1157520 h 1164664"/>
-              <a:gd name="connsiteX0" fmla="*/ 399528 w 2338397"/>
-              <a:gd name="connsiteY0" fmla="*/ 1157520 h 1164664"/>
-              <a:gd name="connsiteX1" fmla="*/ 1910034 w 2338397"/>
-              <a:gd name="connsiteY1" fmla="*/ 1164664 h 1164664"/>
-              <a:gd name="connsiteX2" fmla="*/ 2327547 w 2338397"/>
-              <a:gd name="connsiteY2" fmla="*/ 705083 h 1164664"/>
-              <a:gd name="connsiteX3" fmla="*/ 2133078 w 2338397"/>
-              <a:gd name="connsiteY3" fmla="*/ 95483 h 1164664"/>
-              <a:gd name="connsiteX4" fmla="*/ 1536972 w 2338397"/>
-              <a:gd name="connsiteY4" fmla="*/ 191526 h 1164664"/>
-              <a:gd name="connsiteX5" fmla="*/ 796403 w 2338397"/>
-              <a:gd name="connsiteY5" fmla="*/ 354245 h 1164664"/>
-              <a:gd name="connsiteX6" fmla="*/ 110603 w 2338397"/>
-              <a:gd name="connsiteY6" fmla="*/ 805095 h 1164664"/>
-              <a:gd name="connsiteX7" fmla="*/ 399528 w 2338397"/>
-              <a:gd name="connsiteY7" fmla="*/ 1157520 h 1164664"/>
-            </a:gdLst>
-            <a:ahLst/>
-            <a:cxnLst>
-              <a:cxn ang="0">
-                <a:pos x="connsiteX0" y="connsiteY0"/>
-              </a:cxn>
-              <a:cxn ang="0">
-                <a:pos x="connsiteX1" y="connsiteY1"/>
-              </a:cxn>
-              <a:cxn ang="0">
-                <a:pos x="connsiteX2" y="connsiteY2"/>
-              </a:cxn>
-              <a:cxn ang="0">
-                <a:pos x="connsiteX3" y="connsiteY3"/>
-              </a:cxn>
-              <a:cxn ang="0">
-                <a:pos x="connsiteX4" y="connsiteY4"/>
-              </a:cxn>
-              <a:cxn ang="0">
-                <a:pos x="connsiteX5" y="connsiteY5"/>
-              </a:cxn>
-              <a:cxn ang="0">
-                <a:pos x="connsiteX6" y="connsiteY6"/>
-              </a:cxn>
-              <a:cxn ang="0">
-                <a:pos x="connsiteX7" y="connsiteY7"/>
-              </a:cxn>
-            </a:cxnLst>
-            <a:rect l="l" t="t" r="r" b="b"/>
-            <a:pathLst>
-              <a:path w="2338397" h="1164664">
-                <a:moveTo>
-                  <a:pt x="399528" y="1157520"/>
-                </a:moveTo>
-                <a:lnTo>
-                  <a:pt x="1910034" y="1164664"/>
-                </a:lnTo>
-                <a:cubicBezTo>
-                  <a:pt x="2016661" y="1128946"/>
-                  <a:pt x="2266163" y="1043220"/>
-                  <a:pt x="2327547" y="705083"/>
-                </a:cubicBezTo>
-                <a:cubicBezTo>
-                  <a:pt x="2336542" y="575703"/>
-                  <a:pt x="2390783" y="351070"/>
-                  <a:pt x="2133078" y="95483"/>
-                </a:cubicBezTo>
-                <a:cubicBezTo>
-                  <a:pt x="2004226" y="-24109"/>
-                  <a:pt x="1708686" y="-69882"/>
-                  <a:pt x="1536972" y="191526"/>
-                </a:cubicBezTo>
-                <a:cubicBezTo>
-                  <a:pt x="1252016" y="79078"/>
-                  <a:pt x="983728" y="114267"/>
-                  <a:pt x="796403" y="354245"/>
-                </a:cubicBezTo>
-                <a:cubicBezTo>
-                  <a:pt x="439215" y="199728"/>
-                  <a:pt x="53453" y="485743"/>
-                  <a:pt x="110603" y="805095"/>
-                </a:cubicBezTo>
-                <a:cubicBezTo>
-                  <a:pt x="-116939" y="979720"/>
-                  <a:pt x="19851" y="1149582"/>
-                  <a:pt x="399528" y="1157520"/>
-                </a:cubicBezTo>
-                <a:close/>
-              </a:path>
-            </a:pathLst>
-          </a:custGeom>
-          <a:solidFill>
-            <a:schemeClr val="accent1"/>
-          </a:solidFill>
-          <a:ln w="76200">
-            <a:solidFill>
-              <a:schemeClr val="bg1"/>
-            </a:solidFill>
-          </a:ln>
-          <a:effectLst>
-            <a:outerShdw blurRad="63500" sx="102000" sy="102000" algn="ctr" rotWithShape="0">
-              <a:prstClr val="black">
-                <a:alpha val="40000"/>
-              </a:prstClr>
-            </a:outerShdw>
-          </a:effectLst>
-        </p:spPr>
-        <p:style>
-          <a:lnRef idx="2">
-            <a:schemeClr val="accent1">
-              <a:shade val="50000"/>
-            </a:schemeClr>
-          </a:lnRef>
-          <a:fillRef idx="1">
-            <a:schemeClr val="accent1"/>
-          </a:fillRef>
-          <a:effectRef idx="0">
-            <a:schemeClr val="accent1"/>
-          </a:effectRef>
-          <a:fontRef idx="minor">
-            <a:schemeClr val="lt1"/>
-          </a:fontRef>
-        </p:style>
-        <p:txBody>
-          <a:bodyPr anchor="ctr"/>
-          <a:lstStyle/>
-          <a:p>
-            <a:pPr algn="ctr" fontAlgn="auto">
-              <a:spcBef>
-                <a:spcPts val="0"/>
-              </a:spcBef>
-              <a:spcAft>
-                <a:spcPts val="0"/>
-              </a:spcAft>
-              <a:defRPr/>
-            </a:pPr>
-            <a:endParaRPr lang="en-US"/>
           </a:p>
         </p:txBody>
       </p:sp>
@@ -20976,6 +20793,125 @@
           </a:p>
         </p:txBody>
       </p:sp>
+      <p:sp>
+        <p:nvSpPr>
+          <p:cNvPr id="10" name="Horizontal Scroll 9"/>
+          <p:cNvSpPr/>
+          <p:nvPr/>
+        </p:nvSpPr>
+        <p:spPr>
+          <a:xfrm>
+            <a:off x="6565325" y="1989158"/>
+            <a:ext cx="3575714" cy="2732968"/>
+          </a:xfrm>
+          <a:prstGeom prst="horizontalScroll">
+            <a:avLst/>
+          </a:prstGeom>
+          <a:solidFill>
+            <a:srgbClr val="00B050"/>
+          </a:solidFill>
+        </p:spPr>
+        <p:style>
+          <a:lnRef idx="2">
+            <a:schemeClr val="accent1">
+              <a:shade val="50000"/>
+            </a:schemeClr>
+          </a:lnRef>
+          <a:fillRef idx="1">
+            <a:schemeClr val="accent1"/>
+          </a:fillRef>
+          <a:effectRef idx="0">
+            <a:schemeClr val="accent1"/>
+          </a:effectRef>
+          <a:fontRef idx="minor">
+            <a:schemeClr val="lt1"/>
+          </a:fontRef>
+        </p:style>
+        <p:txBody>
+          <a:bodyPr rtlCol="0" anchor="ctr"/>
+          <a:lstStyle/>
+          <a:p>
+            <a:pPr algn="ctr"/>
+            <a:r>
+              <a:rPr lang="en-US" sz="5400" dirty="0" smtClean="0"/>
+              <a:t>2.Thiết kế giao diện</a:t>
+            </a:r>
+            <a:endParaRPr lang="en-US" sz="5400" dirty="0"/>
+          </a:p>
+        </p:txBody>
+      </p:sp>
+      <p:sp>
+        <p:nvSpPr>
+          <p:cNvPr id="11" name="Rounded Rectangular Callout 10"/>
+          <p:cNvSpPr/>
+          <p:nvPr/>
+        </p:nvSpPr>
+        <p:spPr>
+          <a:xfrm>
+            <a:off x="1780591" y="1453631"/>
+            <a:ext cx="3649321" cy="2425886"/>
+          </a:xfrm>
+          <a:prstGeom prst="wedgeRoundRectCallout">
+            <a:avLst>
+              <a:gd name="adj1" fmla="val -34671"/>
+              <a:gd name="adj2" fmla="val 68688"/>
+              <a:gd name="adj3" fmla="val 16667"/>
+            </a:avLst>
+          </a:prstGeom>
+        </p:spPr>
+        <p:style>
+          <a:lnRef idx="2">
+            <a:schemeClr val="accent1">
+              <a:shade val="50000"/>
+            </a:schemeClr>
+          </a:lnRef>
+          <a:fillRef idx="1">
+            <a:schemeClr val="accent1"/>
+          </a:fillRef>
+          <a:effectRef idx="0">
+            <a:schemeClr val="accent1"/>
+          </a:effectRef>
+          <a:fontRef idx="minor">
+            <a:schemeClr val="lt1"/>
+          </a:fontRef>
+        </p:style>
+        <p:txBody>
+          <a:bodyPr rtlCol="0" anchor="ctr"/>
+          <a:lstStyle/>
+          <a:p>
+            <a:pPr algn="ctr"/>
+            <a:r>
+              <a:rPr lang="en-US" sz="5400" dirty="0" smtClean="0"/>
+              <a:t>1.Cách chơi</a:t>
+            </a:r>
+            <a:endParaRPr lang="en-US" sz="5400" dirty="0"/>
+          </a:p>
+        </p:txBody>
+      </p:sp>
+      <p:pic>
+        <p:nvPicPr>
+          <p:cNvPr id="13" name="Picture 12"/>
+          <p:cNvPicPr>
+            <a:picLocks noChangeAspect="1"/>
+          </p:cNvPicPr>
+          <p:nvPr/>
+        </p:nvPicPr>
+        <p:blipFill>
+          <a:blip r:embed="rId2"/>
+          <a:stretch>
+            <a:fillRect/>
+          </a:stretch>
+        </p:blipFill>
+        <p:spPr>
+          <a:xfrm>
+            <a:off x="203607" y="4219248"/>
+            <a:ext cx="2124075" cy="2152650"/>
+          </a:xfrm>
+          <a:prstGeom prst="rect">
+            <a:avLst/>
+          </a:prstGeom>
+        </p:spPr>
+      </p:pic>
     </p:spTree>
     <p:extLst>
       <p:ext uri="{BB962C8B-B14F-4D97-AF65-F5344CB8AC3E}">
@@ -21096,7 +21032,7 @@
                                           </p:stCondLst>
                                         </p:cTn>
                                         <p:tgtEl>
-                                          <p:spTgt spid="3"/>
+                                          <p:spTgt spid="6"/>
                                         </p:tgtEl>
                                         <p:attrNameLst>
                                           <p:attrName>style.visibility</p:attrName>
@@ -21109,234 +21045,6 @@
                                     <p:anim calcmode="lin" valueType="num">
                                       <p:cBhvr additive="base">
                                         <p:cTn id="13" dur="500"/>
-                                        <p:tgtEl>
-                                          <p:spTgt spid="3"/>
-                                        </p:tgtEl>
-                                        <p:attrNameLst>
-                                          <p:attrName>ppt_y</p:attrName>
-                                        </p:attrNameLst>
-                                      </p:cBhvr>
-                                      <p:tavLst>
-                                        <p:tav tm="0">
-                                          <p:val>
-                                            <p:strVal val="#ppt_y+#ppt_h*1.125000"/>
-                                          </p:val>
-                                        </p:tav>
-                                        <p:tav tm="100000">
-                                          <p:val>
-                                            <p:strVal val="#ppt_y"/>
-                                          </p:val>
-                                        </p:tav>
-                                      </p:tavLst>
-                                    </p:anim>
-                                    <p:animEffect transition="in" filter="wipe(up)">
-                                      <p:cBhvr>
-                                        <p:cTn id="14" dur="500"/>
-                                        <p:tgtEl>
-                                          <p:spTgt spid="3"/>
-                                        </p:tgtEl>
-                                      </p:cBhvr>
-                                    </p:animEffect>
-                                  </p:childTnLst>
-                                </p:cTn>
-                              </p:par>
-                            </p:childTnLst>
-                          </p:cTn>
-                        </p:par>
-                      </p:childTnLst>
-                    </p:cTn>
-                  </p:par>
-                  <p:par>
-                    <p:cTn id="15" fill="hold">
-                      <p:stCondLst>
-                        <p:cond delay="indefinite"/>
-                      </p:stCondLst>
-                      <p:childTnLst>
-                        <p:par>
-                          <p:cTn id="16" fill="hold">
-                            <p:stCondLst>
-                              <p:cond delay="0"/>
-                            </p:stCondLst>
-                            <p:childTnLst>
-                              <p:par>
-                                <p:cTn id="17" presetID="12" presetClass="entr" presetSubtype="4" fill="hold" grpId="0" nodeType="clickEffect">
-                                  <p:stCondLst>
-                                    <p:cond delay="0"/>
-                                  </p:stCondLst>
-                                  <p:childTnLst>
-                                    <p:set>
-                                      <p:cBhvr>
-                                        <p:cTn id="18" dur="1" fill="hold">
-                                          <p:stCondLst>
-                                            <p:cond delay="0"/>
-                                          </p:stCondLst>
-                                        </p:cTn>
-                                        <p:tgtEl>
-                                          <p:spTgt spid="4"/>
-                                        </p:tgtEl>
-                                        <p:attrNameLst>
-                                          <p:attrName>style.visibility</p:attrName>
-                                        </p:attrNameLst>
-                                      </p:cBhvr>
-                                      <p:to>
-                                        <p:strVal val="visible"/>
-                                      </p:to>
-                                    </p:set>
-                                    <p:anim calcmode="lin" valueType="num">
-                                      <p:cBhvr additive="base">
-                                        <p:cTn id="19" dur="500"/>
-                                        <p:tgtEl>
-                                          <p:spTgt spid="4"/>
-                                        </p:tgtEl>
-                                        <p:attrNameLst>
-                                          <p:attrName>ppt_y</p:attrName>
-                                        </p:attrNameLst>
-                                      </p:cBhvr>
-                                      <p:tavLst>
-                                        <p:tav tm="0">
-                                          <p:val>
-                                            <p:strVal val="#ppt_y+#ppt_h*1.125000"/>
-                                          </p:val>
-                                        </p:tav>
-                                        <p:tav tm="100000">
-                                          <p:val>
-                                            <p:strVal val="#ppt_y"/>
-                                          </p:val>
-                                        </p:tav>
-                                      </p:tavLst>
-                                    </p:anim>
-                                    <p:animEffect transition="in" filter="wipe(up)">
-                                      <p:cBhvr>
-                                        <p:cTn id="20" dur="500"/>
-                                        <p:tgtEl>
-                                          <p:spTgt spid="4"/>
-                                        </p:tgtEl>
-                                      </p:cBhvr>
-                                    </p:animEffect>
-                                  </p:childTnLst>
-                                </p:cTn>
-                              </p:par>
-                            </p:childTnLst>
-                          </p:cTn>
-                        </p:par>
-                      </p:childTnLst>
-                    </p:cTn>
-                  </p:par>
-                  <p:par>
-                    <p:cTn id="21" fill="hold">
-                      <p:stCondLst>
-                        <p:cond delay="indefinite"/>
-                      </p:stCondLst>
-                      <p:childTnLst>
-                        <p:par>
-                          <p:cTn id="22" fill="hold">
-                            <p:stCondLst>
-                              <p:cond delay="0"/>
-                            </p:stCondLst>
-                            <p:childTnLst>
-                              <p:par>
-                                <p:cTn id="23" presetID="12" presetClass="entr" presetSubtype="4" fill="hold" grpId="0" nodeType="clickEffect">
-                                  <p:stCondLst>
-                                    <p:cond delay="0"/>
-                                  </p:stCondLst>
-                                  <p:childTnLst>
-                                    <p:set>
-                                      <p:cBhvr>
-                                        <p:cTn id="24" dur="1" fill="hold">
-                                          <p:stCondLst>
-                                            <p:cond delay="0"/>
-                                          </p:stCondLst>
-                                        </p:cTn>
-                                        <p:tgtEl>
-                                          <p:spTgt spid="5"/>
-                                        </p:tgtEl>
-                                        <p:attrNameLst>
-                                          <p:attrName>style.visibility</p:attrName>
-                                        </p:attrNameLst>
-                                      </p:cBhvr>
-                                      <p:to>
-                                        <p:strVal val="visible"/>
-                                      </p:to>
-                                    </p:set>
-                                    <p:anim calcmode="lin" valueType="num">
-                                      <p:cBhvr additive="base">
-                                        <p:cTn id="25" dur="500"/>
-                                        <p:tgtEl>
-                                          <p:spTgt spid="5"/>
-                                        </p:tgtEl>
-                                        <p:attrNameLst>
-                                          <p:attrName>ppt_y</p:attrName>
-                                        </p:attrNameLst>
-                                      </p:cBhvr>
-                                      <p:tavLst>
-                                        <p:tav tm="0">
-                                          <p:val>
-                                            <p:strVal val="#ppt_y+#ppt_h*1.125000"/>
-                                          </p:val>
-                                        </p:tav>
-                                        <p:tav tm="100000">
-                                          <p:val>
-                                            <p:strVal val="#ppt_y"/>
-                                          </p:val>
-                                        </p:tav>
-                                      </p:tavLst>
-                                    </p:anim>
-                                    <p:animEffect transition="in" filter="wipe(up)">
-                                      <p:cBhvr>
-                                        <p:cTn id="26" dur="500"/>
-                                        <p:tgtEl>
-                                          <p:spTgt spid="5"/>
-                                        </p:tgtEl>
-                                      </p:cBhvr>
-                                    </p:animEffect>
-                                  </p:childTnLst>
-                                </p:cTn>
-                              </p:par>
-                            </p:childTnLst>
-                          </p:cTn>
-                        </p:par>
-                      </p:childTnLst>
-                    </p:cTn>
-                  </p:par>
-                  <p:par>
-                    <p:cTn id="27" fill="hold">
-                      <p:stCondLst>
-                        <p:cond delay="indefinite"/>
-                      </p:stCondLst>
-                      <p:childTnLst>
-                        <p:par>
-                          <p:cTn id="28" fill="hold">
-                            <p:stCondLst>
-                              <p:cond delay="0"/>
-                            </p:stCondLst>
-                            <p:childTnLst>
-                              <p:par>
-                                <p:cTn id="29" presetID="12" presetClass="entr" presetSubtype="4" fill="hold" grpId="0" nodeType="clickEffect">
-                                  <p:stCondLst>
-                                    <p:cond delay="0"/>
-                                  </p:stCondLst>
-                                  <p:childTnLst>
-                                    <p:set>
-                                      <p:cBhvr>
-                                        <p:cTn id="30" dur="1" fill="hold">
-                                          <p:stCondLst>
-                                            <p:cond delay="0"/>
-                                          </p:stCondLst>
-                                        </p:cTn>
-                                        <p:tgtEl>
-                                          <p:spTgt spid="6"/>
-                                        </p:tgtEl>
-                                        <p:attrNameLst>
-                                          <p:attrName>style.visibility</p:attrName>
-                                        </p:attrNameLst>
-                                      </p:cBhvr>
-                                      <p:to>
-                                        <p:strVal val="visible"/>
-                                      </p:to>
-                                    </p:set>
-                                    <p:anim calcmode="lin" valueType="num">
-                                      <p:cBhvr additive="base">
-                                        <p:cTn id="31" dur="500"/>
                                         <p:tgtEl>
                                           <p:spTgt spid="6"/>
                                         </p:tgtEl>
@@ -21359,7 +21067,7 @@
                                     </p:anim>
                                     <p:animEffect transition="in" filter="wipe(up)">
                                       <p:cBhvr>
-                                        <p:cTn id="32" dur="500"/>
+                                        <p:cTn id="14" dur="500"/>
                                         <p:tgtEl>
                                           <p:spTgt spid="6"/>
                                         </p:tgtEl>
@@ -21397,9 +21105,6 @@
     </p:tnLst>
     <p:bldLst>
       <p:bldP spid="2" grpId="0"/>
-      <p:bldP spid="3" grpId="0" animBg="1"/>
-      <p:bldP spid="4" grpId="0"/>
-      <p:bldP spid="5" grpId="0" animBg="1"/>
       <p:bldP spid="6" grpId="0"/>
     </p:bldLst>
   </p:timing>
@@ -21423,55 +21128,30 @@
           <a:chExt cx="0" cy="0"/>
         </a:xfrm>
       </p:grpSpPr>
-      <p:sp>
-        <p:nvSpPr>
-          <p:cNvPr id="3" name="Subtitle 2"/>
-          <p:cNvSpPr>
-            <a:spLocks noGrp="1"/>
-          </p:cNvSpPr>
-          <p:nvPr>
-            <p:ph type="subTitle" idx="1"/>
-          </p:nvPr>
-        </p:nvSpPr>
+      <p:pic>
+        <p:nvPicPr>
+          <p:cNvPr id="2" name="Picture 1"/>
+          <p:cNvPicPr>
+            <a:picLocks noChangeAspect="1"/>
+          </p:cNvPicPr>
+          <p:nvPr/>
+        </p:nvPicPr>
+        <p:blipFill>
+          <a:blip r:embed="rId2"/>
+          <a:stretch>
+            <a:fillRect/>
+          </a:stretch>
+        </p:blipFill>
         <p:spPr>
           <a:xfrm>
-            <a:off x="1219201" y="1364343"/>
-            <a:ext cx="10276114" cy="3066143"/>
+            <a:off x="331694" y="3217000"/>
+            <a:ext cx="4944878" cy="3582447"/>
           </a:xfrm>
+          <a:prstGeom prst="rect">
+            <a:avLst/>
+          </a:prstGeom>
         </p:spPr>
-        <p:txBody>
-          <a:bodyPr>
-            <a:noAutofit/>
-          </a:bodyPr>
-          <a:lstStyle/>
-          <a:p>
-            <a:pPr lvl="0" algn="l"/>
-            <a:r>
-              <a:rPr lang="en-US" sz="3200" dirty="0" smtClean="0"/>
-              <a:t>- Trò </a:t>
-            </a:r>
-            <a:r>
-              <a:rPr lang="en-US" sz="3200" dirty="0"/>
-              <a:t>chơi này sẽ chia bức ảnh có sẳn trong chương trình thành nhiều ô vuông nhỏ có kích thước bằng nhau. Nhiệm vụ của người chơi là phải di chuyển các phần này, sao cho mỗi phần nằm đúng vị trí của nó và hoàn thành lại như bức hình gốc. Lưu ý: người chơi sẽ có một ô trống để di chuyển và chỉ di chuyển các ô nằm cạnh bên ô trống đó.</a:t>
-            </a:r>
-          </a:p>
-          <a:p>
-            <a:pPr lvl="0" algn="l"/>
-            <a:r>
-              <a:rPr lang="en-US" sz="3200" dirty="0" smtClean="0"/>
-              <a:t>- Di </a:t>
-            </a:r>
-            <a:r>
-              <a:rPr lang="en-US" sz="3200" dirty="0"/>
-              <a:t>chuyển các phần ô vuông bằng cách nhấp trái chuột vào nó để dịch chuyển sang ô trống kế bên, còn vị trí cũ sẽ trống. Các ô vuông có chứa phần ảnh, mà không có ô trống kề bên thì không thể di chuyển.</a:t>
-            </a:r>
-          </a:p>
-          <a:p>
-            <a:pPr algn="l"/>
-            <a:endParaRPr lang="en-US" sz="3200" dirty="0"/>
-          </a:p>
-        </p:txBody>
-      </p:sp>
+      </p:pic>
       <p:sp>
         <p:nvSpPr>
           <p:cNvPr id="4" name="TextBox 3"/>
@@ -21480,8 +21160,8 @@
         </p:nvSpPr>
         <p:spPr>
           <a:xfrm>
-            <a:off x="331694" y="116013"/>
-            <a:ext cx="5078506" cy="707886"/>
+            <a:off x="1356413" y="962174"/>
+            <a:ext cx="5078506" cy="923330"/>
           </a:xfrm>
           <a:prstGeom prst="rect">
             <a:avLst/>
@@ -21507,29 +21187,114 @@
           <a:lstStyle/>
           <a:p>
             <a:r>
-              <a:rPr lang="en-US" sz="4000" b="1" dirty="0" smtClean="0">
+              <a:rPr lang="en-US" sz="5400" b="1" dirty="0" smtClean="0">
                 <a:ln/>
                 <a:solidFill>
-                  <a:schemeClr val="accent3"/>
+                  <a:srgbClr val="00B0F0"/>
                 </a:solidFill>
               </a:rPr>
-              <a:t>1</a:t>
+              <a:t>1.Cách chơi</a:t>
             </a:r>
-            <a:r>
-              <a:rPr lang="en-US" sz="4000" b="1" dirty="0" smtClean="0">
-                <a:ln/>
-                <a:solidFill>
-                  <a:schemeClr val="accent3"/>
-                </a:solidFill>
-              </a:rPr>
-              <a:t>.Cách chơi</a:t>
-            </a:r>
-            <a:endParaRPr lang="en-US" sz="4000" b="1" dirty="0">
+            <a:endParaRPr lang="en-US" sz="5400" b="1" dirty="0">
               <a:ln/>
               <a:solidFill>
-                <a:schemeClr val="accent3"/>
+                <a:srgbClr val="00B0F0"/>
               </a:solidFill>
             </a:endParaRPr>
+          </a:p>
+        </p:txBody>
+      </p:sp>
+      <p:pic>
+        <p:nvPicPr>
+          <p:cNvPr id="5" name="Picture 4"/>
+          <p:cNvPicPr>
+            <a:picLocks noChangeAspect="1"/>
+          </p:cNvPicPr>
+          <p:nvPr/>
+        </p:nvPicPr>
+        <p:blipFill>
+          <a:blip r:embed="rId3"/>
+          <a:stretch>
+            <a:fillRect/>
+          </a:stretch>
+        </p:blipFill>
+        <p:spPr>
+          <a:xfrm>
+            <a:off x="5276572" y="179125"/>
+            <a:ext cx="4904658" cy="2872206"/>
+          </a:xfrm>
+          <a:prstGeom prst="rect">
+            <a:avLst/>
+          </a:prstGeom>
+        </p:spPr>
+      </p:pic>
+      <p:pic>
+        <p:nvPicPr>
+          <p:cNvPr id="6" name="Picture 5"/>
+          <p:cNvPicPr>
+            <a:picLocks noChangeAspect="1"/>
+          </p:cNvPicPr>
+          <p:nvPr/>
+        </p:nvPicPr>
+        <p:blipFill>
+          <a:blip r:embed="rId4"/>
+          <a:stretch>
+            <a:fillRect/>
+          </a:stretch>
+        </p:blipFill>
+        <p:spPr>
+          <a:xfrm>
+            <a:off x="7465325" y="3217000"/>
+            <a:ext cx="4726675" cy="3582447"/>
+          </a:xfrm>
+          <a:prstGeom prst="rect">
+            <a:avLst/>
+          </a:prstGeom>
+        </p:spPr>
+      </p:pic>
+      <p:sp>
+        <p:nvSpPr>
+          <p:cNvPr id="7" name="Right Arrow 6"/>
+          <p:cNvSpPr/>
+          <p:nvPr/>
+        </p:nvSpPr>
+        <p:spPr>
+          <a:xfrm>
+            <a:off x="5732060" y="4517409"/>
+            <a:ext cx="1405719" cy="1009934"/>
+          </a:xfrm>
+          <a:prstGeom prst="rightArrow">
+            <a:avLst/>
+          </a:prstGeom>
+          <a:solidFill>
+            <a:schemeClr val="accent4">
+              <a:lumMod val="40000"/>
+              <a:lumOff val="60000"/>
+            </a:schemeClr>
+          </a:solidFill>
+        </p:spPr>
+        <p:style>
+          <a:lnRef idx="2">
+            <a:schemeClr val="accent1">
+              <a:shade val="50000"/>
+            </a:schemeClr>
+          </a:lnRef>
+          <a:fillRef idx="1">
+            <a:schemeClr val="accent1"/>
+          </a:fillRef>
+          <a:effectRef idx="0">
+            <a:schemeClr val="accent1"/>
+          </a:effectRef>
+          <a:fontRef idx="minor">
+            <a:schemeClr val="lt1"/>
+          </a:fontRef>
+        </p:style>
+        <p:txBody>
+          <a:bodyPr rtlCol="0" anchor="ctr"/>
+          <a:lstStyle/>
+          <a:p>
+            <a:pPr algn="ctr"/>
+            <a:endParaRPr lang="en-US"/>
           </a:p>
         </p:txBody>
       </p:sp>
@@ -21733,7 +21498,7 @@
               <a:rPr lang="en-US" sz="4000" b="1" dirty="0" smtClean="0">
                 <a:ln/>
                 <a:solidFill>
-                  <a:schemeClr val="accent3"/>
+                  <a:srgbClr val="00B0F0"/>
                 </a:solidFill>
               </a:rPr>
               <a:t>2.Thiết </a:t>
@@ -21742,7 +21507,7 @@
               <a:rPr lang="en-US" sz="4000" b="1" dirty="0">
                 <a:ln/>
                 <a:solidFill>
-                  <a:schemeClr val="accent3"/>
+                  <a:srgbClr val="00B0F0"/>
                 </a:solidFill>
               </a:rPr>
               <a:t>kế giao diện</a:t>
@@ -21757,7 +21522,7 @@
           <p:nvPr>
             <p:extLst>
               <p:ext uri="{D42A27DB-BD31-4B8C-83A1-F6EECF244321}">
-                <p14:modId xmlns:p14="http://schemas.microsoft.com/office/powerpoint/2010/main" val="3223098141"/>
+                <p14:modId xmlns:p14="http://schemas.microsoft.com/office/powerpoint/2010/main" val="1982130699"/>
               </p:ext>
             </p:extLst>
           </p:nvPr>
@@ -21797,25 +21562,9 @@
             <a:r>
               <a:rPr lang="en-US" sz="6600" dirty="0" smtClean="0">
                 <a:ln w="0"/>
-                <a:gradFill>
-                  <a:gsLst>
-                    <a:gs pos="0">
-                      <a:schemeClr val="accent5">
-                        <a:lumMod val="50000"/>
-                      </a:schemeClr>
-                    </a:gs>
-                    <a:gs pos="50000">
-                      <a:schemeClr val="accent5"/>
-                    </a:gs>
-                    <a:gs pos="100000">
-                      <a:schemeClr val="accent5">
-                        <a:lumMod val="60000"/>
-                        <a:lumOff val="40000"/>
-                      </a:schemeClr>
-                    </a:gs>
-                  </a:gsLst>
-                  <a:lin ang="5400000"/>
-                </a:gradFill>
+                <a:solidFill>
+                  <a:srgbClr val="00B050"/>
+                </a:solidFill>
                 <a:effectLst>
                   <a:reflection blurRad="6350" stA="53000" endA="300" endPos="35500" dir="5400000" sy="-90000" algn="bl" rotWithShape="0"/>
                 </a:effectLst>
@@ -21824,25 +21573,9 @@
             </a:r>
             <a:endParaRPr lang="en-US" sz="6600" dirty="0">
               <a:ln w="0"/>
-              <a:gradFill>
-                <a:gsLst>
-                  <a:gs pos="0">
-                    <a:schemeClr val="accent5">
-                      <a:lumMod val="50000"/>
-                    </a:schemeClr>
-                  </a:gs>
-                  <a:gs pos="50000">
-                    <a:schemeClr val="accent5"/>
-                  </a:gs>
-                  <a:gs pos="100000">
-                    <a:schemeClr val="accent5">
-                      <a:lumMod val="60000"/>
-                      <a:lumOff val="40000"/>
-                    </a:schemeClr>
-                  </a:gs>
-                </a:gsLst>
-                <a:lin ang="5400000"/>
-              </a:gradFill>
+              <a:solidFill>
+                <a:srgbClr val="00B050"/>
+              </a:solidFill>
               <a:effectLst>
                 <a:reflection blurRad="6350" stA="53000" endA="300" endPos="35500" dir="5400000" sy="-90000" algn="bl" rotWithShape="0"/>
               </a:effectLst>
